--- a/presentations/project1/presentation2_caitlin.pptx
+++ b/presentations/project1/presentation2_caitlin.pptx
@@ -5,27 +5,29 @@
     <p:sldMasterId id="2147483689" r:id="rId1"/>
   </p:sldMasterIdLst>
   <p:notesMasterIdLst>
-    <p:notesMasterId r:id="rId20"/>
+    <p:notesMasterId r:id="rId22"/>
   </p:notesMasterIdLst>
   <p:sldIdLst>
     <p:sldId id="301" r:id="rId2"/>
-    <p:sldId id="258" r:id="rId3"/>
-    <p:sldId id="314" r:id="rId4"/>
-    <p:sldId id="269" r:id="rId5"/>
-    <p:sldId id="275" r:id="rId6"/>
-    <p:sldId id="277" r:id="rId7"/>
-    <p:sldId id="309" r:id="rId8"/>
-    <p:sldId id="308" r:id="rId9"/>
-    <p:sldId id="311" r:id="rId10"/>
-    <p:sldId id="312" r:id="rId11"/>
-    <p:sldId id="293" r:id="rId12"/>
-    <p:sldId id="298" r:id="rId13"/>
-    <p:sldId id="294" r:id="rId14"/>
-    <p:sldId id="296" r:id="rId15"/>
-    <p:sldId id="299" r:id="rId16"/>
-    <p:sldId id="315" r:id="rId17"/>
-    <p:sldId id="304" r:id="rId18"/>
-    <p:sldId id="306" r:id="rId19"/>
+    <p:sldId id="316" r:id="rId3"/>
+    <p:sldId id="318" r:id="rId4"/>
+    <p:sldId id="258" r:id="rId5"/>
+    <p:sldId id="314" r:id="rId6"/>
+    <p:sldId id="319" r:id="rId7"/>
+    <p:sldId id="275" r:id="rId8"/>
+    <p:sldId id="277" r:id="rId9"/>
+    <p:sldId id="309" r:id="rId10"/>
+    <p:sldId id="308" r:id="rId11"/>
+    <p:sldId id="311" r:id="rId12"/>
+    <p:sldId id="312" r:id="rId13"/>
+    <p:sldId id="293" r:id="rId14"/>
+    <p:sldId id="298" r:id="rId15"/>
+    <p:sldId id="294" r:id="rId16"/>
+    <p:sldId id="296" r:id="rId17"/>
+    <p:sldId id="299" r:id="rId18"/>
+    <p:sldId id="315" r:id="rId19"/>
+    <p:sldId id="304" r:id="rId20"/>
+    <p:sldId id="306" r:id="rId21"/>
   </p:sldIdLst>
   <p:sldSz cx="12192000" cy="6858000"/>
   <p:notesSz cx="6858000" cy="9144000"/>
@@ -132,7 +134,7 @@
             <a:srgbClr val="A4A3A4"/>
           </p15:clr>
         </p15:guide>
-        <p15:guide id="2" orient="horz" pos="3612" userDrawn="1">
+        <p15:guide id="2" orient="horz" pos="4292" userDrawn="1">
           <p15:clr>
             <a:srgbClr val="A4A3A4"/>
           </p15:clr>
@@ -225,7 +227,7 @@
           <a:p>
             <a:fld id="{FD88D59F-84DF-0C4A-A564-05F3AC6AA4FC}" type="datetimeFigureOut">
               <a:rPr lang="en-US" smtClean="0"/>
-              <a:t>1/22/2020</a:t>
+              <a:t>3/19/2020</a:t>
             </a:fld>
             <a:endParaRPr lang="en-US"/>
           </a:p>
@@ -548,10 +550,47 @@
                 <a:ea typeface="+mn-ea"/>
                 <a:cs typeface="+mn-cs"/>
               </a:rPr>
-              <a:t>Procter and Gamble is one of the oldest and largest consumer goods companies worldwide. The company owns over 100 brands, and specialises in a wide range of health care, home care and hygiene products. In particular, Procter and Gamble is consistently the largest provider of laundry products in the world, of which they have 13 different brands. This figure shows laundry detergent sales in the US in 2018, and you can see clearly that the majority of the best-selling brands are owned by Procter and Gamble. However, people’s buying habits can quickly change and competing companies are constantly working on new formulas, packaging and marketing techniques to make their products stand out. Procter and Gamble must keep up with the competition in order to continue to provide superior laundry products. </a:t>
-            </a:r>
-          </a:p>
-          <a:p>
+              <a:t>Procter and Gamble is one of the oldest and largest consumer goods companies worldwide. The company owns over 100 brands, and specialises in a wide range of health care, home care and hygiene products. </a:t>
+            </a:r>
+            <a:endParaRPr lang="en-GB" sz="1200" kern="1200" dirty="0" smtClean="0">
+              <a:solidFill>
+                <a:schemeClr val="tx1"/>
+              </a:solidFill>
+              <a:effectLst/>
+              <a:latin typeface="+mn-lt"/>
+              <a:ea typeface="+mn-ea"/>
+              <a:cs typeface="+mn-cs"/>
+            </a:endParaRPr>
+          </a:p>
+          <a:p>
+            <a:pPr lvl="0"/>
+            <a:endParaRPr lang="en-GB" sz="1200" kern="1200" dirty="0" smtClean="0">
+              <a:solidFill>
+                <a:schemeClr val="tx1"/>
+              </a:solidFill>
+              <a:effectLst/>
+              <a:latin typeface="+mn-lt"/>
+              <a:ea typeface="+mn-ea"/>
+              <a:cs typeface="+mn-cs"/>
+            </a:endParaRPr>
+          </a:p>
+          <a:p>
+            <a:pPr lvl="0"/>
+            <a:r>
+              <a:rPr lang="en-GB" sz="1200" kern="1200" dirty="0" smtClean="0">
+                <a:solidFill>
+                  <a:schemeClr val="tx1"/>
+                </a:solidFill>
+                <a:effectLst/>
+                <a:latin typeface="+mn-lt"/>
+                <a:ea typeface="+mn-ea"/>
+                <a:cs typeface="+mn-cs"/>
+              </a:rPr>
+              <a:t>Lots of data generated</a:t>
+            </a:r>
+          </a:p>
+          <a:p>
+            <a:pPr lvl="0"/>
             <a:r>
               <a:rPr lang="en-GB" sz="1200" kern="1200" dirty="0" smtClean="0">
                 <a:solidFill>
@@ -662,9 +701,142 @@
           <a:bodyPr/>
           <a:lstStyle/>
           <a:p>
-            <a:r>
-              <a:rPr lang="en-GB" dirty="0" smtClean="0"/>
-              <a:t>Similarly, we are also able to analyse each statement to determine whether or not it fits the model</a:t>
+            <a:pPr lvl="0"/>
+            <a:r>
+              <a:rPr lang="en-GB" sz="1200" kern="1200" dirty="0" smtClean="0">
+                <a:solidFill>
+                  <a:schemeClr val="tx1"/>
+                </a:solidFill>
+                <a:effectLst/>
+                <a:latin typeface="+mn-lt"/>
+                <a:ea typeface="+mn-ea"/>
+                <a:cs typeface="+mn-cs"/>
+              </a:rPr>
+              <a:t>In this context, the latent trait that we are measuring with the </a:t>
+            </a:r>
+            <a:r>
+              <a:rPr lang="en-GB" sz="1200" kern="1200" dirty="0" err="1" smtClean="0">
+                <a:solidFill>
+                  <a:schemeClr val="tx1"/>
+                </a:solidFill>
+                <a:effectLst/>
+                <a:latin typeface="+mn-lt"/>
+                <a:ea typeface="+mn-ea"/>
+                <a:cs typeface="+mn-cs"/>
+              </a:rPr>
+              <a:t>Rasch</a:t>
+            </a:r>
+            <a:r>
+              <a:rPr lang="en-GB" sz="1200" kern="1200" dirty="0" smtClean="0">
+                <a:solidFill>
+                  <a:schemeClr val="tx1"/>
+                </a:solidFill>
+                <a:effectLst/>
+                <a:latin typeface="+mn-lt"/>
+                <a:ea typeface="+mn-ea"/>
+                <a:cs typeface="+mn-cs"/>
+              </a:rPr>
+              <a:t> model is the ‘endorsement of usual laundry product’. The survey statements are the </a:t>
+            </a:r>
+            <a:r>
+              <a:rPr lang="en-GB" sz="1200" kern="1200" dirty="0" err="1" smtClean="0">
+                <a:solidFill>
+                  <a:schemeClr val="tx1"/>
+                </a:solidFill>
+                <a:effectLst/>
+                <a:latin typeface="+mn-lt"/>
+                <a:ea typeface="+mn-ea"/>
+                <a:cs typeface="+mn-cs"/>
+              </a:rPr>
+              <a:t>Rasch</a:t>
+            </a:r>
+            <a:r>
+              <a:rPr lang="en-GB" sz="1200" kern="1200" dirty="0" smtClean="0">
+                <a:solidFill>
+                  <a:schemeClr val="tx1"/>
+                </a:solidFill>
+                <a:effectLst/>
+                <a:latin typeface="+mn-lt"/>
+                <a:ea typeface="+mn-ea"/>
+                <a:cs typeface="+mn-cs"/>
+              </a:rPr>
+              <a:t> items, and the item difficulty corresponds to the likelihood of that specific statement to be endorsed. Similarly, the person ability can be considered as the likelihood of an individual to endorse their usual laundry product.  A person with a higher ability is more likely to endorse their product than a person of a lower ability.</a:t>
+            </a:r>
+          </a:p>
+          <a:p>
+            <a:r>
+              <a:rPr lang="en-GB" sz="1200" kern="1200" dirty="0" smtClean="0">
+                <a:solidFill>
+                  <a:schemeClr val="tx1"/>
+                </a:solidFill>
+                <a:effectLst/>
+                <a:latin typeface="+mn-lt"/>
+                <a:ea typeface="+mn-ea"/>
+                <a:cs typeface="+mn-cs"/>
+              </a:rPr>
+              <a:t> </a:t>
+            </a:r>
+          </a:p>
+          <a:p>
+            <a:r>
+              <a:rPr lang="en-GB" sz="1200" kern="1200" dirty="0" smtClean="0">
+                <a:solidFill>
+                  <a:schemeClr val="tx1"/>
+                </a:solidFill>
+                <a:effectLst/>
+                <a:latin typeface="+mn-lt"/>
+                <a:ea typeface="+mn-ea"/>
+                <a:cs typeface="+mn-cs"/>
+              </a:rPr>
+              <a:t>I’ve used specific </a:t>
+            </a:r>
+            <a:r>
+              <a:rPr lang="en-GB" sz="1200" kern="1200" dirty="0" err="1" smtClean="0">
+                <a:solidFill>
+                  <a:schemeClr val="tx1"/>
+                </a:solidFill>
+                <a:effectLst/>
+                <a:latin typeface="+mn-lt"/>
+                <a:ea typeface="+mn-ea"/>
+                <a:cs typeface="+mn-cs"/>
+              </a:rPr>
+              <a:t>Rasch</a:t>
+            </a:r>
+            <a:r>
+              <a:rPr lang="en-GB" sz="1200" kern="1200" dirty="0" smtClean="0">
+                <a:solidFill>
+                  <a:schemeClr val="tx1"/>
+                </a:solidFill>
+                <a:effectLst/>
+                <a:latin typeface="+mn-lt"/>
+                <a:ea typeface="+mn-ea"/>
+                <a:cs typeface="+mn-cs"/>
+              </a:rPr>
+              <a:t> measurement software to assess the fit of the data to the </a:t>
+            </a:r>
+            <a:r>
+              <a:rPr lang="en-GB" sz="1200" kern="1200" dirty="0" err="1" smtClean="0">
+                <a:solidFill>
+                  <a:schemeClr val="tx1"/>
+                </a:solidFill>
+                <a:effectLst/>
+                <a:latin typeface="+mn-lt"/>
+                <a:ea typeface="+mn-ea"/>
+                <a:cs typeface="+mn-cs"/>
+              </a:rPr>
+              <a:t>Rasch</a:t>
+            </a:r>
+            <a:r>
+              <a:rPr lang="en-GB" sz="1200" kern="1200" dirty="0" smtClean="0">
+                <a:solidFill>
+                  <a:schemeClr val="tx1"/>
+                </a:solidFill>
+                <a:effectLst/>
+                <a:latin typeface="+mn-lt"/>
+                <a:ea typeface="+mn-ea"/>
+                <a:cs typeface="+mn-cs"/>
+              </a:rPr>
+              <a:t> model. The fit of the data can be determined according to several fit statistics that reveal how closely the data follows the expected pattern. </a:t>
             </a:r>
             <a:endParaRPr lang="en-GB" dirty="0"/>
           </a:p>
@@ -696,7 +868,7 @@
     </p:spTree>
     <p:extLst>
       <p:ext uri="{BB962C8B-B14F-4D97-AF65-F5344CB8AC3E}">
-        <p14:creationId xmlns:p14="http://schemas.microsoft.com/office/powerpoint/2010/main" val="1095497418"/>
+        <p14:creationId xmlns:p14="http://schemas.microsoft.com/office/powerpoint/2010/main" val="3340170883"/>
       </p:ext>
     </p:extLst>
   </p:cSld>
@@ -750,56 +922,66 @@
           <a:bodyPr/>
           <a:lstStyle/>
           <a:p>
-            <a:pPr marL="0" marR="0" lvl="0" indent="0" algn="l" defTabSz="914400" rtl="0" eaLnBrk="1" fontAlgn="auto" latinLnBrk="0" hangingPunct="1">
-              <a:lnSpc>
-                <a:spcPct val="100000"/>
-              </a:lnSpc>
-              <a:spcBef>
-                <a:spcPts val="0"/>
-              </a:spcBef>
-              <a:spcAft>
-                <a:spcPts val="0"/>
-              </a:spcAft>
-              <a:buClrTx/>
-              <a:buSzTx/>
-              <a:buFontTx/>
-              <a:buNone/>
-              <a:tabLst/>
-              <a:defRPr/>
-            </a:pPr>
-            <a:r>
-              <a:rPr lang="en-GB" dirty="0" smtClean="0"/>
-              <a:t>A</a:t>
-            </a:r>
-            <a:r>
-              <a:rPr lang="en-GB" baseline="0" dirty="0" smtClean="0"/>
-              <a:t> significant item fit residual can tell us if a statement is redundant – so it doesn’t tell us any new information, or whether a statement is measuring something else other than the latent variable of interest.</a:t>
-            </a:r>
-          </a:p>
-          <a:p>
-            <a:pPr marL="0" marR="0" lvl="0" indent="0" algn="l" defTabSz="914400" rtl="0" eaLnBrk="1" fontAlgn="auto" latinLnBrk="0" hangingPunct="1">
-              <a:lnSpc>
-                <a:spcPct val="100000"/>
-              </a:lnSpc>
-              <a:spcBef>
-                <a:spcPts val="0"/>
-              </a:spcBef>
-              <a:spcAft>
-                <a:spcPts val="0"/>
-              </a:spcAft>
-              <a:buClrTx/>
-              <a:buSzTx/>
-              <a:buFontTx/>
-              <a:buNone/>
-              <a:tabLst/>
-              <a:defRPr/>
-            </a:pPr>
-            <a:endParaRPr lang="en-GB" dirty="0" smtClean="0"/>
-          </a:p>
-          <a:p>
-            <a:pPr marL="0" indent="0">
-              <a:buNone/>
-            </a:pPr>
+            <a:r>
+              <a:rPr lang="en-GB" sz="1200" kern="1200" dirty="0" smtClean="0">
+                <a:solidFill>
+                  <a:schemeClr val="tx1"/>
+                </a:solidFill>
+                <a:effectLst/>
+                <a:latin typeface="+mn-lt"/>
+                <a:ea typeface="+mn-ea"/>
+                <a:cs typeface="+mn-cs"/>
+              </a:rPr>
+              <a:t>Firstly, we are able to examine the people themselves, where each person has a fit residual. The closer the residual is to zero, the more closely the person fits the </a:t>
+            </a:r>
+            <a:r>
+              <a:rPr lang="en-GB" sz="1200" kern="1200" dirty="0" err="1" smtClean="0">
+                <a:solidFill>
+                  <a:schemeClr val="tx1"/>
+                </a:solidFill>
+                <a:effectLst/>
+                <a:latin typeface="+mn-lt"/>
+                <a:ea typeface="+mn-ea"/>
+                <a:cs typeface="+mn-cs"/>
+              </a:rPr>
+              <a:t>Rasch</a:t>
+            </a:r>
+            <a:r>
+              <a:rPr lang="en-GB" sz="1200" kern="1200" dirty="0" smtClean="0">
+                <a:solidFill>
+                  <a:schemeClr val="tx1"/>
+                </a:solidFill>
+                <a:effectLst/>
+                <a:latin typeface="+mn-lt"/>
+                <a:ea typeface="+mn-ea"/>
+                <a:cs typeface="+mn-cs"/>
+              </a:rPr>
+              <a:t> model. Significant fit residuals can reveal if a person’s responses are too predictable, where they might just be selecting the same response for all items. Similarly, we are also able to see if a person’s responses are too random and meaningless. We can then remove these </a:t>
+            </a:r>
+            <a:r>
+              <a:rPr lang="en-GB" sz="1200" kern="1200" dirty="0" err="1" smtClean="0">
+                <a:solidFill>
+                  <a:schemeClr val="tx1"/>
+                </a:solidFill>
+                <a:effectLst/>
+                <a:latin typeface="+mn-lt"/>
+                <a:ea typeface="+mn-ea"/>
+                <a:cs typeface="+mn-cs"/>
+              </a:rPr>
+              <a:t>misfitting</a:t>
+            </a:r>
+            <a:r>
+              <a:rPr lang="en-GB" sz="1200" kern="1200" dirty="0" smtClean="0">
+                <a:solidFill>
+                  <a:schemeClr val="tx1"/>
+                </a:solidFill>
+                <a:effectLst/>
+                <a:latin typeface="+mn-lt"/>
+                <a:ea typeface="+mn-ea"/>
+                <a:cs typeface="+mn-cs"/>
+              </a:rPr>
+              <a:t> people – who don’t give us meaningful information – from the analysis. </a:t>
+            </a:r>
             <a:endParaRPr lang="en-GB" dirty="0"/>
           </a:p>
         </p:txBody>
@@ -830,7 +1012,7 @@
     </p:spTree>
     <p:extLst>
       <p:ext uri="{BB962C8B-B14F-4D97-AF65-F5344CB8AC3E}">
-        <p14:creationId xmlns:p14="http://schemas.microsoft.com/office/powerpoint/2010/main" val="924401340"/>
+        <p14:creationId xmlns:p14="http://schemas.microsoft.com/office/powerpoint/2010/main" val="125834891"/>
       </p:ext>
     </p:extLst>
   </p:cSld>
@@ -884,33 +1066,10 @@
           <a:bodyPr/>
           <a:lstStyle/>
           <a:p>
-            <a:pPr marL="0" marR="0" lvl="0" indent="0" algn="l" defTabSz="914400" rtl="0" eaLnBrk="1" fontAlgn="auto" latinLnBrk="0" hangingPunct="1">
-              <a:lnSpc>
-                <a:spcPct val="100000"/>
-              </a:lnSpc>
-              <a:spcBef>
-                <a:spcPts val="0"/>
-              </a:spcBef>
-              <a:spcAft>
-                <a:spcPts val="0"/>
-              </a:spcAft>
-              <a:buClrTx/>
-              <a:buSzTx/>
-              <a:buFontTx/>
-              <a:buNone/>
-              <a:tabLst/>
-              <a:defRPr/>
-            </a:pPr>
-            <a:r>
-              <a:rPr lang="en-GB" baseline="0" dirty="0" smtClean="0"/>
-              <a:t>Once we have identified which items don’t fit the model, these can then be removed and we are able to analyse the remaining items and people that do fit the model. </a:t>
-            </a:r>
-            <a:endParaRPr lang="en-GB" dirty="0" smtClean="0"/>
-          </a:p>
-          <a:p>
-            <a:pPr marL="0" indent="0">
-              <a:buNone/>
-            </a:pPr>
+            <a:r>
+              <a:rPr lang="en-GB" dirty="0" smtClean="0"/>
+              <a:t>Similarly, we are also able to analyse each statement to determine whether or not it fits the model</a:t>
+            </a:r>
             <a:endParaRPr lang="en-GB" dirty="0"/>
           </a:p>
         </p:txBody>
@@ -941,7 +1100,7 @@
     </p:spTree>
     <p:extLst>
       <p:ext uri="{BB962C8B-B14F-4D97-AF65-F5344CB8AC3E}">
-        <p14:creationId xmlns:p14="http://schemas.microsoft.com/office/powerpoint/2010/main" val="2655526468"/>
+        <p14:creationId xmlns:p14="http://schemas.microsoft.com/office/powerpoint/2010/main" val="1095497418"/>
       </p:ext>
     </p:extLst>
   </p:cSld>
@@ -995,34 +1154,51 @@
           <a:bodyPr/>
           <a:lstStyle/>
           <a:p>
-            <a:pPr marL="0" indent="0">
+            <a:pPr marL="0" marR="0" lvl="0" indent="0" algn="l" defTabSz="914400" rtl="0" eaLnBrk="1" fontAlgn="auto" latinLnBrk="0" hangingPunct="1">
+              <a:lnSpc>
+                <a:spcPct val="100000"/>
+              </a:lnSpc>
+              <a:spcBef>
+                <a:spcPts val="0"/>
+              </a:spcBef>
+              <a:spcAft>
+                <a:spcPts val="0"/>
+              </a:spcAft>
+              <a:buClrTx/>
+              <a:buSzTx/>
+              <a:buFontTx/>
               <a:buNone/>
+              <a:tabLst/>
+              <a:defRPr/>
             </a:pPr>
             <a:r>
+              <a:rPr lang="en-GB" dirty="0" smtClean="0"/>
+              <a:t>A</a:t>
+            </a:r>
+            <a:r>
               <a:rPr lang="en-GB" baseline="0" dirty="0" smtClean="0"/>
-              <a:t>Once our data does fit the </a:t>
-            </a:r>
-            <a:r>
-              <a:rPr lang="en-GB" baseline="0" dirty="0" err="1" smtClean="0"/>
-              <a:t>Rasch</a:t>
-            </a:r>
-            <a:r>
-              <a:rPr lang="en-GB" baseline="0" dirty="0" smtClean="0"/>
-              <a:t> model we are then able to analyse the remaining people and items. </a:t>
-            </a:r>
-            <a:r>
-              <a:rPr lang="en-GB" sz="1200" kern="1200" dirty="0" smtClean="0">
-                <a:solidFill>
-                  <a:schemeClr val="tx1"/>
-                </a:solidFill>
-                <a:effectLst/>
-                <a:latin typeface="+mn-lt"/>
-                <a:ea typeface="+mn-ea"/>
-                <a:cs typeface="+mn-cs"/>
-              </a:rPr>
-              <a:t>Looking at the ordering of item difficulties, we can determine which items the consumers find easiest to endorse. </a:t>
-            </a:r>
-            <a:endParaRPr lang="en-GB" baseline="0" dirty="0" smtClean="0"/>
+              <a:t> significant item fit residual can tell us if a statement is redundant – so it doesn’t tell us any new information, or whether a statement is measuring something else other than the latent variable of interest.</a:t>
+            </a:r>
+          </a:p>
+          <a:p>
+            <a:pPr marL="0" marR="0" lvl="0" indent="0" algn="l" defTabSz="914400" rtl="0" eaLnBrk="1" fontAlgn="auto" latinLnBrk="0" hangingPunct="1">
+              <a:lnSpc>
+                <a:spcPct val="100000"/>
+              </a:lnSpc>
+              <a:spcBef>
+                <a:spcPts val="0"/>
+              </a:spcBef>
+              <a:spcAft>
+                <a:spcPts val="0"/>
+              </a:spcAft>
+              <a:buClrTx/>
+              <a:buSzTx/>
+              <a:buFontTx/>
+              <a:buNone/>
+              <a:tabLst/>
+              <a:defRPr/>
+            </a:pPr>
+            <a:endParaRPr lang="en-GB" dirty="0" smtClean="0"/>
           </a:p>
           <a:p>
             <a:pPr marL="0" indent="0">
@@ -1058,7 +1234,7 @@
     </p:spTree>
     <p:extLst>
       <p:ext uri="{BB962C8B-B14F-4D97-AF65-F5344CB8AC3E}">
-        <p14:creationId xmlns:p14="http://schemas.microsoft.com/office/powerpoint/2010/main" val="953874722"/>
+        <p14:creationId xmlns:p14="http://schemas.microsoft.com/office/powerpoint/2010/main" val="924401340"/>
       </p:ext>
     </p:extLst>
   </p:cSld>
@@ -1130,17 +1306,10 @@
               <a:defRPr/>
             </a:pPr>
             <a:r>
-              <a:rPr lang="en-GB" sz="1200" kern="1200" dirty="0" smtClean="0">
-                <a:solidFill>
-                  <a:schemeClr val="tx1"/>
-                </a:solidFill>
-                <a:effectLst/>
-                <a:latin typeface="+mn-lt"/>
-                <a:ea typeface="+mn-ea"/>
-                <a:cs typeface="+mn-cs"/>
-              </a:rPr>
-              <a:t>Here the items have been re-ordered in terms of their difficulty, and we can see that item 9 – this product is excellent at removing bad odours – is the easiest item, which translates as the statement that is most likely to be endorsed overall. Item 3 – this product is excellent at removing tough stains – is the most difficult item and therefore the least likely to be endorsed. This information suggests that overall the consumers are most satisfied with the performance of their laundry product in terms of removing bad odours, and least satisfied with its ability to remove tough stains. </a:t>
-            </a:r>
+              <a:rPr lang="en-GB" baseline="0" dirty="0" smtClean="0"/>
+              <a:t>Once we have identified which items don’t fit the model, these can then be removed and we are able to analyse the remaining items and people that do fit the model. </a:t>
+            </a:r>
+            <a:endParaRPr lang="en-GB" dirty="0" smtClean="0"/>
           </a:p>
           <a:p>
             <a:pPr marL="0" indent="0">
@@ -1176,7 +1345,7 @@
     </p:spTree>
     <p:extLst>
       <p:ext uri="{BB962C8B-B14F-4D97-AF65-F5344CB8AC3E}">
-        <p14:creationId xmlns:p14="http://schemas.microsoft.com/office/powerpoint/2010/main" val="3365810661"/>
+        <p14:creationId xmlns:p14="http://schemas.microsoft.com/office/powerpoint/2010/main" val="2655526468"/>
       </p:ext>
     </p:extLst>
   </p:cSld>
@@ -1230,23 +1399,21 @@
           <a:bodyPr/>
           <a:lstStyle/>
           <a:p>
-            <a:pPr marL="0" marR="0" lvl="0" indent="0" algn="l" defTabSz="914400" rtl="0" eaLnBrk="1" fontAlgn="auto" latinLnBrk="0" hangingPunct="1">
-              <a:lnSpc>
-                <a:spcPct val="100000"/>
-              </a:lnSpc>
-              <a:spcBef>
-                <a:spcPts val="0"/>
-              </a:spcBef>
-              <a:spcAft>
-                <a:spcPts val="0"/>
-              </a:spcAft>
-              <a:buClrTx/>
-              <a:buSzTx/>
-              <a:buFontTx/>
+            <a:pPr marL="0" indent="0">
               <a:buNone/>
-              <a:tabLst/>
-              <a:defRPr/>
             </a:pPr>
+            <a:r>
+              <a:rPr lang="en-GB" baseline="0" dirty="0" smtClean="0"/>
+              <a:t>Once our data does fit the </a:t>
+            </a:r>
+            <a:r>
+              <a:rPr lang="en-GB" baseline="0" dirty="0" err="1" smtClean="0"/>
+              <a:t>Rasch</a:t>
+            </a:r>
+            <a:r>
+              <a:rPr lang="en-GB" baseline="0" dirty="0" smtClean="0"/>
+              <a:t> model we are then able to analyse the remaining people and items. </a:t>
+            </a:r>
             <a:r>
               <a:rPr lang="en-GB" sz="1200" kern="1200" dirty="0" smtClean="0">
                 <a:solidFill>
@@ -1257,7 +1424,7 @@
                 <a:ea typeface="+mn-ea"/>
                 <a:cs typeface="+mn-cs"/>
               </a:rPr>
-              <a:t>Here the items have been re-ordered in terms of their difficulty, and we can see that item 9 – this product is excellent at removing bad odours – is the easiest item, which translates as the statement that is most likely to be endorsed overall. Item 3 – this product is excellent at removing tough stains – is the most difficult item and therefore the least likely to be endorsed. This information suggests that overall the consumers are most satisfied with the performance of their laundry product in terms of removing bad odours, and least satisfied with its ability to remove tough stains. </a:t>
+              <a:t>Looking at the ordering of item difficulties, we can determine which items the consumers find easiest to endorse. </a:t>
             </a:r>
             <a:endParaRPr lang="en-GB" baseline="0" dirty="0" smtClean="0"/>
           </a:p>
@@ -1265,16 +1432,6 @@
             <a:pPr marL="0" indent="0">
               <a:buNone/>
             </a:pPr>
-            <a:endParaRPr lang="en-GB" baseline="0" dirty="0" smtClean="0"/>
-          </a:p>
-          <a:p>
-            <a:pPr marL="0" indent="0">
-              <a:buNone/>
-            </a:pPr>
-            <a:r>
-              <a:rPr lang="en-GB" baseline="0" dirty="0" smtClean="0"/>
-              <a:t>In addition to information about the people and the statements, we can extract further information regarding the attitudes towards specific products and brands.</a:t>
-            </a:r>
             <a:endParaRPr lang="en-GB" dirty="0"/>
           </a:p>
         </p:txBody>
@@ -1305,7 +1462,7 @@
     </p:spTree>
     <p:extLst>
       <p:ext uri="{BB962C8B-B14F-4D97-AF65-F5344CB8AC3E}">
-        <p14:creationId xmlns:p14="http://schemas.microsoft.com/office/powerpoint/2010/main" val="1128063693"/>
+        <p14:creationId xmlns:p14="http://schemas.microsoft.com/office/powerpoint/2010/main" val="953874722"/>
       </p:ext>
     </p:extLst>
   </p:cSld>
@@ -1386,35 +1543,14 @@
                 <a:ea typeface="+mn-ea"/>
                 <a:cs typeface="+mn-cs"/>
               </a:rPr>
-              <a:t>As we know which product each participant is rating, we can include that product as additional information in the </a:t>
-            </a:r>
-            <a:r>
-              <a:rPr lang="en-GB" sz="1200" kern="1200" dirty="0" err="1" smtClean="0">
-                <a:solidFill>
-                  <a:schemeClr val="tx1"/>
-                </a:solidFill>
-                <a:effectLst/>
-                <a:latin typeface="+mn-lt"/>
-                <a:ea typeface="+mn-ea"/>
-                <a:cs typeface="+mn-cs"/>
-              </a:rPr>
-              <a:t>Rasch</a:t>
-            </a:r>
-            <a:r>
-              <a:rPr lang="en-GB" sz="1200" kern="1200" dirty="0" smtClean="0">
-                <a:solidFill>
-                  <a:schemeClr val="tx1"/>
-                </a:solidFill>
-                <a:effectLst/>
-                <a:latin typeface="+mn-lt"/>
-                <a:ea typeface="+mn-ea"/>
-                <a:cs typeface="+mn-cs"/>
-              </a:rPr>
-              <a:t> model. We are then able to conduct a two-way analysis of variance for every item and compare the different scores across each product, to see if there is any significant variation in how people who use the different products react to each item. One item in which we have found significant response variation is statement number 8 – this product gives a good level of suds throughout the wash. </a:t>
-            </a:r>
-          </a:p>
-          <a:p>
-            <a:endParaRPr lang="en-GB" dirty="0" smtClean="0"/>
+              <a:t>Here the items have been re-ordered in terms of their difficulty, and we can see that item 9 – this product is excellent at removing bad odours – is the easiest item, which translates as the statement that is most likely to be endorsed overall. Item 3 – this product is excellent at removing tough stains – is the most difficult item and therefore the least likely to be endorsed. This information suggests that overall the consumers are most satisfied with the performance of their laundry product in terms of removing bad odours, and least satisfied with its ability to remove tough stains. </a:t>
+            </a:r>
+          </a:p>
+          <a:p>
+            <a:pPr marL="0" indent="0">
+              <a:buNone/>
+            </a:pPr>
+            <a:endParaRPr lang="en-GB" dirty="0"/>
           </a:p>
         </p:txBody>
       </p:sp>
@@ -1444,7 +1580,7 @@
     </p:spTree>
     <p:extLst>
       <p:ext uri="{BB962C8B-B14F-4D97-AF65-F5344CB8AC3E}">
-        <p14:creationId xmlns:p14="http://schemas.microsoft.com/office/powerpoint/2010/main" val="1818381412"/>
+        <p14:creationId xmlns:p14="http://schemas.microsoft.com/office/powerpoint/2010/main" val="3365810661"/>
       </p:ext>
     </p:extLst>
   </p:cSld>
@@ -1498,6 +1634,23 @@
           <a:bodyPr/>
           <a:lstStyle/>
           <a:p>
+            <a:pPr marL="0" marR="0" lvl="0" indent="0" algn="l" defTabSz="914400" rtl="0" eaLnBrk="1" fontAlgn="auto" latinLnBrk="0" hangingPunct="1">
+              <a:lnSpc>
+                <a:spcPct val="100000"/>
+              </a:lnSpc>
+              <a:spcBef>
+                <a:spcPts val="0"/>
+              </a:spcBef>
+              <a:spcAft>
+                <a:spcPts val="0"/>
+              </a:spcAft>
+              <a:buClrTx/>
+              <a:buSzTx/>
+              <a:buFontTx/>
+              <a:buNone/>
+              <a:tabLst/>
+              <a:defRPr/>
+            </a:pPr>
             <a:r>
               <a:rPr lang="en-GB" sz="1200" kern="1200" dirty="0" smtClean="0">
                 <a:solidFill>
@@ -1508,38 +1661,24 @@
                 <a:ea typeface="+mn-ea"/>
                 <a:cs typeface="+mn-cs"/>
               </a:rPr>
-              <a:t>Shown here on the horizontal axis is the person ability, where a higher location corresponds to a higher likelihood of product endorsement. On the vertical axis is the expected score for item 8, where a higher score corresponds to a more positive response to this item. Plotted are the results for 2 out of the 10 different laundry products.</a:t>
-            </a:r>
-          </a:p>
-          <a:p>
-            <a:r>
-              <a:rPr lang="en-GB" sz="1200" kern="1200" dirty="0" smtClean="0">
-                <a:solidFill>
-                  <a:schemeClr val="tx1"/>
-                </a:solidFill>
-                <a:effectLst/>
-                <a:latin typeface="+mn-lt"/>
-                <a:ea typeface="+mn-ea"/>
-                <a:cs typeface="+mn-cs"/>
-              </a:rPr>
-              <a:t> </a:t>
-            </a:r>
-          </a:p>
-          <a:p>
-            <a:r>
-              <a:rPr lang="en-GB" sz="1200" kern="1200" dirty="0" smtClean="0">
-                <a:solidFill>
-                  <a:schemeClr val="tx1"/>
-                </a:solidFill>
-                <a:effectLst/>
-                <a:latin typeface="+mn-lt"/>
-                <a:ea typeface="+mn-ea"/>
-                <a:cs typeface="+mn-cs"/>
-              </a:rPr>
-              <a:t>We can see that product 2, corresponding to the orange line, is located significantly higher than the blue line representing product 1. This means that people who use product 2 generally have a higher score for item 8 than people who use product 1, who have the same location on the logit scale. This tells us that regardless of how likely a person is to endorse their usual laundry product overall, product 1 is considerably less popular than product 2 in terms of the suds experience of the consumer. Such information is really valuable in terms of finding specific areas for improvement in the product development process.  </a:t>
-            </a:r>
-          </a:p>
-          <a:p>
+              <a:t>Here the items have been re-ordered in terms of their difficulty, and we can see that item 9 – this product is excellent at removing bad odours – is the easiest item, which translates as the statement that is most likely to be endorsed overall. Item 3 – this product is excellent at removing tough stains – is the most difficult item and therefore the least likely to be endorsed. This information suggests that overall the consumers are most satisfied with the performance of their laundry product in terms of removing bad odours, and least satisfied with its ability to remove tough stains. </a:t>
+            </a:r>
+            <a:endParaRPr lang="en-GB" baseline="0" dirty="0" smtClean="0"/>
+          </a:p>
+          <a:p>
+            <a:pPr marL="0" indent="0">
+              <a:buNone/>
+            </a:pPr>
+            <a:endParaRPr lang="en-GB" baseline="0" dirty="0" smtClean="0"/>
+          </a:p>
+          <a:p>
+            <a:pPr marL="0" indent="0">
+              <a:buNone/>
+            </a:pPr>
+            <a:r>
+              <a:rPr lang="en-GB" baseline="0" dirty="0" smtClean="0"/>
+              <a:t>In addition to information about the people and the statements, we can extract further information regarding the attitudes towards specific products and brands.</a:t>
+            </a:r>
             <a:endParaRPr lang="en-GB" dirty="0"/>
           </a:p>
         </p:txBody>
@@ -1570,7 +1709,7 @@
     </p:spTree>
     <p:extLst>
       <p:ext uri="{BB962C8B-B14F-4D97-AF65-F5344CB8AC3E}">
-        <p14:creationId xmlns:p14="http://schemas.microsoft.com/office/powerpoint/2010/main" val="1881673735"/>
+        <p14:creationId xmlns:p14="http://schemas.microsoft.com/office/powerpoint/2010/main" val="1128063693"/>
       </p:ext>
     </p:extLst>
   </p:cSld>
@@ -1651,7 +1790,7 @@
                 <a:ea typeface="+mn-ea"/>
                 <a:cs typeface="+mn-cs"/>
               </a:rPr>
-              <a:t>What I’ve discussed today are just a few examples of the sort of really specific information that can be obtained with the </a:t>
+              <a:t>As we know which product each participant is rating, we can include that product as additional information in the </a:t>
             </a:r>
             <a:r>
               <a:rPr lang="en-GB" sz="1200" kern="1200" dirty="0" err="1" smtClean="0">
@@ -1675,315 +1814,11 @@
                 <a:ea typeface="+mn-ea"/>
                 <a:cs typeface="+mn-cs"/>
               </a:rPr>
-              <a:t> model. Thank you for listening to this presentation, and I’d just like to finish by summarising </a:t>
-            </a:r>
-            <a:r>
-              <a:rPr lang="en-GB" sz="1200" kern="1200" dirty="0" smtClean="0">
-                <a:solidFill>
-                  <a:schemeClr val="tx1"/>
-                </a:solidFill>
-                <a:effectLst/>
-                <a:latin typeface="+mn-lt"/>
-                <a:ea typeface="+mn-ea"/>
-                <a:cs typeface="+mn-cs"/>
-              </a:rPr>
-              <a:t>that </a:t>
-            </a:r>
-            <a:r>
-              <a:rPr lang="en-GB" sz="1200" b="0" i="0" kern="1200" dirty="0" smtClean="0">
-                <a:solidFill>
-                  <a:schemeClr val="tx1"/>
-                </a:solidFill>
-                <a:effectLst/>
-                <a:latin typeface="+mn-lt"/>
-                <a:ea typeface="+mn-ea"/>
-                <a:cs typeface="+mn-cs"/>
-              </a:rPr>
-              <a:t>we have demonstrated for the first time that </a:t>
-            </a:r>
-            <a:r>
-              <a:rPr lang="en-GB" sz="1200" b="0" i="0" kern="1200" dirty="0" err="1" smtClean="0">
-                <a:solidFill>
-                  <a:schemeClr val="tx1"/>
-                </a:solidFill>
-                <a:effectLst/>
-                <a:latin typeface="+mn-lt"/>
-                <a:ea typeface="+mn-ea"/>
-                <a:cs typeface="+mn-cs"/>
-              </a:rPr>
-              <a:t>Rasch</a:t>
-            </a:r>
-            <a:r>
-              <a:rPr lang="en-GB" sz="1200" b="0" i="0" kern="1200" dirty="0" smtClean="0">
-                <a:solidFill>
-                  <a:schemeClr val="tx1"/>
-                </a:solidFill>
-                <a:effectLst/>
-                <a:latin typeface="+mn-lt"/>
-                <a:ea typeface="+mn-ea"/>
-                <a:cs typeface="+mn-cs"/>
-              </a:rPr>
-              <a:t> measurement theory can be used to assess the quality of real consumer research data.</a:t>
-            </a:r>
-          </a:p>
-          <a:p>
-            <a:pPr marL="0" marR="0" lvl="0" indent="0" algn="l" defTabSz="914400" rtl="0" eaLnBrk="1" fontAlgn="auto" latinLnBrk="0" hangingPunct="1">
-              <a:lnSpc>
-                <a:spcPct val="100000"/>
-              </a:lnSpc>
-              <a:spcBef>
-                <a:spcPts val="0"/>
-              </a:spcBef>
-              <a:spcAft>
-                <a:spcPts val="0"/>
-              </a:spcAft>
-              <a:buClrTx/>
-              <a:buSzTx/>
-              <a:buFontTx/>
-              <a:buNone/>
-              <a:tabLst/>
-              <a:defRPr/>
-            </a:pPr>
-            <a:r>
-              <a:rPr lang="en-GB" sz="1200" kern="1200" dirty="0" smtClean="0">
-                <a:solidFill>
-                  <a:schemeClr val="tx1"/>
-                </a:solidFill>
-                <a:effectLst/>
-                <a:latin typeface="+mn-lt"/>
-                <a:ea typeface="+mn-ea"/>
-                <a:cs typeface="+mn-cs"/>
-              </a:rPr>
-              <a:t>By </a:t>
-            </a:r>
-            <a:r>
-              <a:rPr lang="en-GB" sz="1200" kern="1200" dirty="0" smtClean="0">
-                <a:solidFill>
-                  <a:schemeClr val="tx1"/>
-                </a:solidFill>
-                <a:effectLst/>
-                <a:latin typeface="+mn-lt"/>
-                <a:ea typeface="+mn-ea"/>
-                <a:cs typeface="+mn-cs"/>
-              </a:rPr>
-              <a:t>fitting the data to the </a:t>
-            </a:r>
-            <a:r>
-              <a:rPr lang="en-GB" sz="1200" kern="1200" dirty="0" err="1" smtClean="0">
-                <a:solidFill>
-                  <a:schemeClr val="tx1"/>
-                </a:solidFill>
-                <a:effectLst/>
-                <a:latin typeface="+mn-lt"/>
-                <a:ea typeface="+mn-ea"/>
-                <a:cs typeface="+mn-cs"/>
-              </a:rPr>
-              <a:t>Rasch</a:t>
-            </a:r>
-            <a:r>
-              <a:rPr lang="en-GB" sz="1200" kern="1200" dirty="0" smtClean="0">
-                <a:solidFill>
-                  <a:schemeClr val="tx1"/>
-                </a:solidFill>
-                <a:effectLst/>
-                <a:latin typeface="+mn-lt"/>
-                <a:ea typeface="+mn-ea"/>
-                <a:cs typeface="+mn-cs"/>
-              </a:rPr>
-              <a:t> model, as opposed to modelling the data, we are able to obtain rich and detailed information about the people, the statements and the products</a:t>
-            </a:r>
-            <a:r>
-              <a:rPr lang="en-GB" sz="1200" kern="1200" dirty="0" smtClean="0">
-                <a:solidFill>
-                  <a:schemeClr val="tx1"/>
-                </a:solidFill>
-                <a:effectLst/>
-                <a:latin typeface="+mn-lt"/>
-                <a:ea typeface="+mn-ea"/>
-                <a:cs typeface="+mn-cs"/>
-              </a:rPr>
-              <a:t>. This information can be used by Procter and Gamble to</a:t>
-            </a:r>
-            <a:r>
-              <a:rPr lang="en-GB" sz="1200" kern="1200" baseline="0" dirty="0" smtClean="0">
-                <a:solidFill>
-                  <a:schemeClr val="tx1"/>
-                </a:solidFill>
-                <a:effectLst/>
-                <a:latin typeface="+mn-lt"/>
-                <a:ea typeface="+mn-ea"/>
-                <a:cs typeface="+mn-cs"/>
-              </a:rPr>
-              <a:t> conduct more efficient surveys, improve marketing techniques and ultimately guide product design and development.</a:t>
-            </a:r>
-            <a:endParaRPr lang="en-GB" sz="1200" kern="1200" dirty="0" smtClean="0">
-              <a:solidFill>
-                <a:schemeClr val="tx1"/>
-              </a:solidFill>
-              <a:effectLst/>
-              <a:latin typeface="+mn-lt"/>
-              <a:ea typeface="+mn-ea"/>
-              <a:cs typeface="+mn-cs"/>
-            </a:endParaRPr>
-          </a:p>
-          <a:p>
-            <a:pPr marL="0" marR="0" lvl="0" indent="0" algn="l" defTabSz="914400" rtl="0" eaLnBrk="1" fontAlgn="auto" latinLnBrk="0" hangingPunct="1">
-              <a:lnSpc>
-                <a:spcPct val="100000"/>
-              </a:lnSpc>
-              <a:spcBef>
-                <a:spcPts val="0"/>
-              </a:spcBef>
-              <a:spcAft>
-                <a:spcPts val="0"/>
-              </a:spcAft>
-              <a:buClrTx/>
-              <a:buSzTx/>
-              <a:buFontTx/>
-              <a:buNone/>
-              <a:tabLst/>
-              <a:defRPr/>
-            </a:pPr>
-            <a:endParaRPr lang="en-GB" sz="1200" kern="1200" dirty="0" smtClean="0">
-              <a:solidFill>
-                <a:schemeClr val="tx1"/>
-              </a:solidFill>
-              <a:effectLst/>
-              <a:latin typeface="+mn-lt"/>
-              <a:ea typeface="+mn-ea"/>
-              <a:cs typeface="+mn-cs"/>
-            </a:endParaRPr>
-          </a:p>
-          <a:p>
-            <a:pPr marL="0" marR="0" lvl="0" indent="0" algn="l" defTabSz="914400" rtl="0" eaLnBrk="1" fontAlgn="auto" latinLnBrk="0" hangingPunct="1">
-              <a:lnSpc>
-                <a:spcPct val="100000"/>
-              </a:lnSpc>
-              <a:spcBef>
-                <a:spcPts val="0"/>
-              </a:spcBef>
-              <a:spcAft>
-                <a:spcPts val="0"/>
-              </a:spcAft>
-              <a:buClrTx/>
-              <a:buSzTx/>
-              <a:buFontTx/>
-              <a:buNone/>
-              <a:tabLst/>
-              <a:defRPr/>
-            </a:pPr>
-            <a:r>
-              <a:rPr lang="en-GB" sz="1200" kern="1200" dirty="0" smtClean="0">
-                <a:solidFill>
-                  <a:schemeClr val="tx1"/>
-                </a:solidFill>
-                <a:effectLst/>
-                <a:latin typeface="+mn-lt"/>
-                <a:ea typeface="+mn-ea"/>
-                <a:cs typeface="+mn-cs"/>
-              </a:rPr>
-              <a:t>Finally, the fact</a:t>
-            </a:r>
-            <a:r>
-              <a:rPr lang="en-GB" sz="1200" kern="1200" baseline="0" dirty="0" smtClean="0">
-                <a:solidFill>
-                  <a:schemeClr val="tx1"/>
-                </a:solidFill>
-                <a:effectLst/>
-                <a:latin typeface="+mn-lt"/>
-                <a:ea typeface="+mn-ea"/>
-                <a:cs typeface="+mn-cs"/>
-              </a:rPr>
-              <a:t> that we are able to identify persons and statements that are not contributing useful information to the analysis </a:t>
-            </a:r>
-            <a:r>
-              <a:rPr lang="en-GB" sz="1200" b="0" i="0" kern="1200" dirty="0" smtClean="0">
-                <a:solidFill>
-                  <a:schemeClr val="tx1"/>
-                </a:solidFill>
-                <a:effectLst/>
-                <a:latin typeface="+mn-lt"/>
-                <a:ea typeface="+mn-ea"/>
-                <a:cs typeface="+mn-cs"/>
-              </a:rPr>
-              <a:t>has the potential to </a:t>
-            </a:r>
-            <a:r>
-              <a:rPr lang="en-GB" sz="1200" b="0" i="0" kern="1200" baseline="0" dirty="0" smtClean="0">
-                <a:solidFill>
-                  <a:schemeClr val="tx1"/>
-                </a:solidFill>
-                <a:effectLst/>
-                <a:latin typeface="+mn-lt"/>
-                <a:ea typeface="+mn-ea"/>
-                <a:cs typeface="+mn-cs"/>
-              </a:rPr>
-              <a:t>reduce costs for businesses in general, as the</a:t>
-            </a:r>
-            <a:r>
-              <a:rPr lang="en-GB" sz="1200" b="0" i="0" kern="1200" dirty="0" smtClean="0">
-                <a:solidFill>
-                  <a:schemeClr val="tx1"/>
-                </a:solidFill>
-                <a:effectLst/>
-                <a:latin typeface="+mn-lt"/>
-                <a:ea typeface="+mn-ea"/>
-                <a:cs typeface="+mn-cs"/>
-              </a:rPr>
-              <a:t> size of surveys and samples used in consumer research can be reduced, whilst</a:t>
-            </a:r>
-            <a:r>
-              <a:rPr lang="en-GB" sz="1200" b="0" i="0" kern="1200" baseline="0" dirty="0" smtClean="0">
-                <a:solidFill>
-                  <a:schemeClr val="tx1"/>
-                </a:solidFill>
-                <a:effectLst/>
-                <a:latin typeface="+mn-lt"/>
-                <a:ea typeface="+mn-ea"/>
-                <a:cs typeface="+mn-cs"/>
-              </a:rPr>
-              <a:t> improving the quality of information.</a:t>
-            </a:r>
-            <a:endParaRPr lang="en-GB" sz="1200" b="0" i="0" kern="1200" dirty="0" smtClean="0">
-              <a:solidFill>
-                <a:schemeClr val="tx1"/>
-              </a:solidFill>
-              <a:effectLst/>
-              <a:latin typeface="+mn-lt"/>
-              <a:ea typeface="+mn-ea"/>
-              <a:cs typeface="+mn-cs"/>
-            </a:endParaRPr>
-          </a:p>
-          <a:p>
-            <a:pPr marL="0" marR="0" lvl="0" indent="0" algn="l" defTabSz="914400" rtl="0" eaLnBrk="1" fontAlgn="auto" latinLnBrk="0" hangingPunct="1">
-              <a:lnSpc>
-                <a:spcPct val="100000"/>
-              </a:lnSpc>
-              <a:spcBef>
-                <a:spcPts val="0"/>
-              </a:spcBef>
-              <a:spcAft>
-                <a:spcPts val="0"/>
-              </a:spcAft>
-              <a:buClrTx/>
-              <a:buSzTx/>
-              <a:buFontTx/>
-              <a:buNone/>
-              <a:tabLst/>
-              <a:defRPr/>
-            </a:pPr>
-            <a:endParaRPr lang="en-GB" sz="1200" kern="1200" dirty="0" smtClean="0">
-              <a:solidFill>
-                <a:schemeClr val="tx1"/>
-              </a:solidFill>
-              <a:effectLst/>
-              <a:latin typeface="+mn-lt"/>
-              <a:ea typeface="+mn-ea"/>
-              <a:cs typeface="+mn-cs"/>
-            </a:endParaRPr>
-          </a:p>
-          <a:p>
-            <a:endParaRPr lang="en-GB" dirty="0"/>
+              <a:t> model. We are then able to conduct a two-way analysis of variance for every item and compare the different scores across each product, to see if there is any significant variation in how people who use the different products react to each item. One item in which we have found significant response variation is statement number 8 – this product gives a good level of suds throughout the wash. </a:t>
+            </a:r>
+          </a:p>
+          <a:p>
+            <a:endParaRPr lang="en-GB" dirty="0" smtClean="0"/>
           </a:p>
         </p:txBody>
       </p:sp>
@@ -2013,7 +1848,133 @@
     </p:spTree>
     <p:extLst>
       <p:ext uri="{BB962C8B-B14F-4D97-AF65-F5344CB8AC3E}">
-        <p14:creationId xmlns:p14="http://schemas.microsoft.com/office/powerpoint/2010/main" val="53928958"/>
+        <p14:creationId xmlns:p14="http://schemas.microsoft.com/office/powerpoint/2010/main" val="1818381412"/>
+      </p:ext>
+    </p:extLst>
+  </p:cSld>
+  <p:clrMapOvr>
+    <a:masterClrMapping/>
+  </p:clrMapOvr>
+</p:notes>
+</file>
+
+<file path=ppt/notesSlides/notesSlide19.xml><?xml version="1.0" encoding="utf-8"?>
+<p:notes xmlns:a="http://schemas.openxmlformats.org/drawingml/2006/main" xmlns:r="http://schemas.openxmlformats.org/officeDocument/2006/relationships" xmlns:p="http://schemas.openxmlformats.org/presentationml/2006/main">
+  <p:cSld>
+    <p:spTree>
+      <p:nvGrpSpPr>
+        <p:cNvPr id="1" name=""/>
+        <p:cNvGrpSpPr/>
+        <p:nvPr/>
+      </p:nvGrpSpPr>
+      <p:grpSpPr>
+        <a:xfrm>
+          <a:off x="0" y="0"/>
+          <a:ext cx="0" cy="0"/>
+          <a:chOff x="0" y="0"/>
+          <a:chExt cx="0" cy="0"/>
+        </a:xfrm>
+      </p:grpSpPr>
+      <p:sp>
+        <p:nvSpPr>
+          <p:cNvPr id="2" name="Slide Image Placeholder 1"/>
+          <p:cNvSpPr>
+            <a:spLocks noGrp="1" noRot="1" noChangeAspect="1"/>
+          </p:cNvSpPr>
+          <p:nvPr>
+            <p:ph type="sldImg"/>
+          </p:nvPr>
+        </p:nvSpPr>
+        <p:spPr/>
+      </p:sp>
+      <p:sp>
+        <p:nvSpPr>
+          <p:cNvPr id="3" name="Notes Placeholder 2"/>
+          <p:cNvSpPr>
+            <a:spLocks noGrp="1"/>
+          </p:cNvSpPr>
+          <p:nvPr>
+            <p:ph type="body" idx="1"/>
+          </p:nvPr>
+        </p:nvSpPr>
+        <p:spPr/>
+        <p:txBody>
+          <a:bodyPr/>
+          <a:lstStyle/>
+          <a:p>
+            <a:r>
+              <a:rPr lang="en-GB" sz="1200" kern="1200" dirty="0" smtClean="0">
+                <a:solidFill>
+                  <a:schemeClr val="tx1"/>
+                </a:solidFill>
+                <a:effectLst/>
+                <a:latin typeface="+mn-lt"/>
+                <a:ea typeface="+mn-ea"/>
+                <a:cs typeface="+mn-cs"/>
+              </a:rPr>
+              <a:t>Shown here on the horizontal axis is the person ability, where a higher location corresponds to a higher likelihood of product endorsement. On the vertical axis is the expected score for item 8, where a higher score corresponds to a more positive response to this item. Plotted are the results for 2 out of the 10 different laundry products.</a:t>
+            </a:r>
+          </a:p>
+          <a:p>
+            <a:r>
+              <a:rPr lang="en-GB" sz="1200" kern="1200" dirty="0" smtClean="0">
+                <a:solidFill>
+                  <a:schemeClr val="tx1"/>
+                </a:solidFill>
+                <a:effectLst/>
+                <a:latin typeface="+mn-lt"/>
+                <a:ea typeface="+mn-ea"/>
+                <a:cs typeface="+mn-cs"/>
+              </a:rPr>
+              <a:t> </a:t>
+            </a:r>
+          </a:p>
+          <a:p>
+            <a:r>
+              <a:rPr lang="en-GB" sz="1200" kern="1200" dirty="0" smtClean="0">
+                <a:solidFill>
+                  <a:schemeClr val="tx1"/>
+                </a:solidFill>
+                <a:effectLst/>
+                <a:latin typeface="+mn-lt"/>
+                <a:ea typeface="+mn-ea"/>
+                <a:cs typeface="+mn-cs"/>
+              </a:rPr>
+              <a:t>We can see that product 2, corresponding to the orange line, is located significantly higher than the blue line representing product 1. This means that people who use product 2 generally have a higher score for item 8 than people who use product 1, who have the same location on the logit scale. This tells us that regardless of how likely a person is to endorse their usual laundry product overall, product 1 is considerably less popular than product 2 in terms of the suds experience of the consumer. Such information is really valuable in terms of finding specific areas for improvement in the product development process.  </a:t>
+            </a:r>
+          </a:p>
+          <a:p>
+            <a:endParaRPr lang="en-GB" dirty="0"/>
+          </a:p>
+        </p:txBody>
+      </p:sp>
+      <p:sp>
+        <p:nvSpPr>
+          <p:cNvPr id="4" name="Slide Number Placeholder 3"/>
+          <p:cNvSpPr>
+            <a:spLocks noGrp="1"/>
+          </p:cNvSpPr>
+          <p:nvPr>
+            <p:ph type="sldNum" sz="quarter" idx="10"/>
+          </p:nvPr>
+        </p:nvSpPr>
+        <p:spPr/>
+        <p:txBody>
+          <a:bodyPr/>
+          <a:lstStyle/>
+          <a:p>
+            <a:fld id="{59BC607B-BC83-1C44-A501-8F981FF41469}" type="slidenum">
+              <a:rPr lang="en-US" smtClean="0"/>
+              <a:t>19</a:t>
+            </a:fld>
+            <a:endParaRPr lang="en-US"/>
+          </a:p>
+        </p:txBody>
+      </p:sp>
+    </p:spTree>
+    <p:extLst>
+      <p:ext uri="{BB962C8B-B14F-4D97-AF65-F5344CB8AC3E}">
+        <p14:creationId xmlns:p14="http://schemas.microsoft.com/office/powerpoint/2010/main" val="1881673735"/>
       </p:ext>
     </p:extLst>
   </p:cSld>
@@ -2078,7 +2039,188 @@
                 <a:ea typeface="+mn-ea"/>
                 <a:cs typeface="+mn-cs"/>
               </a:rPr>
-              <a:t>In this presentation I will talk about </a:t>
+              <a:t>Procter and Gamble is one of the oldest and largest consumer goods companies worldwide. The company owns over 100 brands, and specialises in a wide range of health care, home care and hygiene products. </a:t>
+            </a:r>
+            <a:r>
+              <a:rPr lang="en-GB" sz="1200" kern="1200" dirty="0" smtClean="0">
+                <a:solidFill>
+                  <a:schemeClr val="tx1"/>
+                </a:solidFill>
+                <a:effectLst/>
+                <a:latin typeface="+mn-lt"/>
+                <a:ea typeface="+mn-ea"/>
+                <a:cs typeface="+mn-cs"/>
+              </a:rPr>
+              <a:t>Products that we use every single day.</a:t>
+            </a:r>
+          </a:p>
+          <a:p>
+            <a:pPr lvl="0"/>
+            <a:endParaRPr lang="en-GB" sz="1200" kern="1200" dirty="0" smtClean="0">
+              <a:solidFill>
+                <a:schemeClr val="tx1"/>
+              </a:solidFill>
+              <a:effectLst/>
+              <a:latin typeface="+mn-lt"/>
+              <a:ea typeface="+mn-ea"/>
+              <a:cs typeface="+mn-cs"/>
+            </a:endParaRPr>
+          </a:p>
+          <a:p>
+            <a:pPr lvl="0"/>
+            <a:r>
+              <a:rPr lang="en-GB" sz="1200" kern="1200" dirty="0" smtClean="0">
+                <a:solidFill>
+                  <a:schemeClr val="tx1"/>
+                </a:solidFill>
+                <a:effectLst/>
+                <a:latin typeface="+mn-lt"/>
+                <a:ea typeface="+mn-ea"/>
+                <a:cs typeface="+mn-cs"/>
+              </a:rPr>
+              <a:t>Lots of data generated</a:t>
+            </a:r>
+          </a:p>
+          <a:p>
+            <a:pPr lvl="0"/>
+            <a:r>
+              <a:rPr lang="en-GB" sz="1200" kern="1200" dirty="0" smtClean="0">
+                <a:solidFill>
+                  <a:schemeClr val="tx1"/>
+                </a:solidFill>
+                <a:effectLst/>
+                <a:latin typeface="+mn-lt"/>
+                <a:ea typeface="+mn-ea"/>
+                <a:cs typeface="+mn-cs"/>
+              </a:rPr>
+              <a:t> </a:t>
+            </a:r>
+          </a:p>
+          <a:p>
+            <a:r>
+              <a:rPr lang="en-GB" sz="1200" kern="1200" dirty="0" smtClean="0">
+                <a:solidFill>
+                  <a:schemeClr val="tx1"/>
+                </a:solidFill>
+                <a:effectLst/>
+                <a:latin typeface="+mn-lt"/>
+                <a:ea typeface="+mn-ea"/>
+                <a:cs typeface="+mn-cs"/>
+              </a:rPr>
+              <a:t>In order to achieve this, it’s essential to analyse the thoughts and opinions of consumers towards the range of products that are available, through the use of targeted consumer surveys. But how can we accurately capture consumer sentiments with survey data? Classic approaches involve statistically modelling the data to spot the overall trends and patterns regarding consumer opinions. Today I’m going to discuss an alternative approach which is capable of capturing a richer set of information than classic methods. </a:t>
+            </a:r>
+            <a:endParaRPr lang="en-GB" dirty="0"/>
+          </a:p>
+        </p:txBody>
+      </p:sp>
+      <p:sp>
+        <p:nvSpPr>
+          <p:cNvPr id="4" name="Slide Number Placeholder 3"/>
+          <p:cNvSpPr>
+            <a:spLocks noGrp="1"/>
+          </p:cNvSpPr>
+          <p:nvPr>
+            <p:ph type="sldNum" sz="quarter" idx="10"/>
+          </p:nvPr>
+        </p:nvSpPr>
+        <p:spPr/>
+        <p:txBody>
+          <a:bodyPr/>
+          <a:lstStyle/>
+          <a:p>
+            <a:fld id="{59BC607B-BC83-1C44-A501-8F981FF41469}" type="slidenum">
+              <a:rPr lang="en-US" smtClean="0"/>
+              <a:t>2</a:t>
+            </a:fld>
+            <a:endParaRPr lang="en-US"/>
+          </a:p>
+        </p:txBody>
+      </p:sp>
+    </p:spTree>
+    <p:extLst>
+      <p:ext uri="{BB962C8B-B14F-4D97-AF65-F5344CB8AC3E}">
+        <p14:creationId xmlns:p14="http://schemas.microsoft.com/office/powerpoint/2010/main" val="3805628944"/>
+      </p:ext>
+    </p:extLst>
+  </p:cSld>
+  <p:clrMapOvr>
+    <a:masterClrMapping/>
+  </p:clrMapOvr>
+</p:notes>
+</file>
+
+<file path=ppt/notesSlides/notesSlide20.xml><?xml version="1.0" encoding="utf-8"?>
+<p:notes xmlns:a="http://schemas.openxmlformats.org/drawingml/2006/main" xmlns:r="http://schemas.openxmlformats.org/officeDocument/2006/relationships" xmlns:p="http://schemas.openxmlformats.org/presentationml/2006/main">
+  <p:cSld>
+    <p:spTree>
+      <p:nvGrpSpPr>
+        <p:cNvPr id="1" name=""/>
+        <p:cNvGrpSpPr/>
+        <p:nvPr/>
+      </p:nvGrpSpPr>
+      <p:grpSpPr>
+        <a:xfrm>
+          <a:off x="0" y="0"/>
+          <a:ext cx="0" cy="0"/>
+          <a:chOff x="0" y="0"/>
+          <a:chExt cx="0" cy="0"/>
+        </a:xfrm>
+      </p:grpSpPr>
+      <p:sp>
+        <p:nvSpPr>
+          <p:cNvPr id="2" name="Slide Image Placeholder 1"/>
+          <p:cNvSpPr>
+            <a:spLocks noGrp="1" noRot="1" noChangeAspect="1"/>
+          </p:cNvSpPr>
+          <p:nvPr>
+            <p:ph type="sldImg"/>
+          </p:nvPr>
+        </p:nvSpPr>
+        <p:spPr/>
+      </p:sp>
+      <p:sp>
+        <p:nvSpPr>
+          <p:cNvPr id="3" name="Notes Placeholder 2"/>
+          <p:cNvSpPr>
+            <a:spLocks noGrp="1"/>
+          </p:cNvSpPr>
+          <p:nvPr>
+            <p:ph type="body" idx="1"/>
+          </p:nvPr>
+        </p:nvSpPr>
+        <p:spPr/>
+        <p:txBody>
+          <a:bodyPr/>
+          <a:lstStyle/>
+          <a:p>
+            <a:pPr marL="0" marR="0" lvl="0" indent="0" algn="l" defTabSz="914400" rtl="0" eaLnBrk="1" fontAlgn="auto" latinLnBrk="0" hangingPunct="1">
+              <a:lnSpc>
+                <a:spcPct val="100000"/>
+              </a:lnSpc>
+              <a:spcBef>
+                <a:spcPts val="0"/>
+              </a:spcBef>
+              <a:spcAft>
+                <a:spcPts val="0"/>
+              </a:spcAft>
+              <a:buClrTx/>
+              <a:buSzTx/>
+              <a:buFontTx/>
+              <a:buNone/>
+              <a:tabLst/>
+              <a:defRPr/>
+            </a:pPr>
+            <a:r>
+              <a:rPr lang="en-GB" sz="1200" kern="1200" dirty="0" smtClean="0">
+                <a:solidFill>
+                  <a:schemeClr val="tx1"/>
+                </a:solidFill>
+                <a:effectLst/>
+                <a:latin typeface="+mn-lt"/>
+                <a:ea typeface="+mn-ea"/>
+                <a:cs typeface="+mn-cs"/>
+              </a:rPr>
+              <a:t>What I’ve discussed today are just a few examples of the sort of really specific information that can be obtained with the </a:t>
             </a:r>
             <a:r>
               <a:rPr lang="en-GB" sz="1200" kern="1200" dirty="0" err="1" smtClean="0">
@@ -2102,10 +2244,10 @@
                 <a:ea typeface="+mn-ea"/>
                 <a:cs typeface="+mn-cs"/>
               </a:rPr>
-              <a:t> measurement theory, and how it can be used to obtain insightful attitudes and information from consumer data.</a:t>
-            </a:r>
-            <a:r>
-              <a:rPr lang="en-US" sz="1200" kern="1200" baseline="0" dirty="0" smtClean="0">
+              <a:t> model. Thank you for listening to this presentation, and I’d just like to finish by summarising that </a:t>
+            </a:r>
+            <a:r>
+              <a:rPr lang="en-GB" sz="1200" b="0" i="0" kern="1200" dirty="0" smtClean="0">
                 <a:solidFill>
                   <a:schemeClr val="tx1"/>
                 </a:solidFill>
@@ -2114,22 +2256,10 @@
                 <a:ea typeface="+mn-ea"/>
                 <a:cs typeface="+mn-cs"/>
               </a:rPr>
-              <a:t> </a:t>
-            </a:r>
-            <a:r>
-              <a:rPr lang="en-GB" sz="1200" kern="1200" dirty="0" smtClean="0">
-                <a:solidFill>
-                  <a:schemeClr val="tx1"/>
-                </a:solidFill>
-                <a:effectLst/>
-                <a:latin typeface="+mn-lt"/>
-                <a:ea typeface="+mn-ea"/>
-                <a:cs typeface="+mn-cs"/>
-              </a:rPr>
-              <a:t>First I will provide some theory behind the </a:t>
-            </a:r>
-            <a:r>
-              <a:rPr lang="en-GB" sz="1200" kern="1200" dirty="0" err="1" smtClean="0">
+              <a:t>we have demonstrated for the first time that </a:t>
+            </a:r>
+            <a:r>
+              <a:rPr lang="en-GB" sz="1200" b="0" i="0" kern="1200" dirty="0" err="1" smtClean="0">
                 <a:solidFill>
                   <a:schemeClr val="tx1"/>
                 </a:solidFill>
@@ -2141,7 +2271,7 @@
               <a:t>Rasch</a:t>
             </a:r>
             <a:r>
-              <a:rPr lang="en-GB" sz="1200" kern="1200" dirty="0" smtClean="0">
+              <a:rPr lang="en-GB" sz="1200" b="0" i="0" kern="1200" dirty="0" smtClean="0">
                 <a:solidFill>
                   <a:schemeClr val="tx1"/>
                 </a:solidFill>
@@ -2150,7 +2280,38 @@
                 <a:ea typeface="+mn-ea"/>
                 <a:cs typeface="+mn-cs"/>
               </a:rPr>
-              <a:t> model, before discussing its application to laundry product survey data provided by Procter and Gamble. I will then show you examples of the sort of information that we can obtain with the </a:t>
+              <a:t> measurement theory can be used to assess the quality of real consumer research data.</a:t>
+            </a:r>
+          </a:p>
+          <a:p>
+            <a:pPr marL="0" marR="0" lvl="0" indent="0" algn="l" defTabSz="914400" rtl="0" eaLnBrk="1" fontAlgn="auto" latinLnBrk="0" hangingPunct="1">
+              <a:lnSpc>
+                <a:spcPct val="100000"/>
+              </a:lnSpc>
+              <a:spcBef>
+                <a:spcPts val="0"/>
+              </a:spcBef>
+              <a:spcAft>
+                <a:spcPts val="0"/>
+              </a:spcAft>
+              <a:buClrTx/>
+              <a:buSzTx/>
+              <a:buFontTx/>
+              <a:buNone/>
+              <a:tabLst/>
+              <a:defRPr/>
+            </a:pPr>
+            <a:r>
+              <a:rPr lang="en-GB" sz="1200" kern="1200" dirty="0" smtClean="0">
+                <a:solidFill>
+                  <a:schemeClr val="tx1"/>
+                </a:solidFill>
+                <a:effectLst/>
+                <a:latin typeface="+mn-lt"/>
+                <a:ea typeface="+mn-ea"/>
+                <a:cs typeface="+mn-cs"/>
+              </a:rPr>
+              <a:t>By fitting the data to the </a:t>
             </a:r>
             <a:r>
               <a:rPr lang="en-GB" sz="1200" kern="1200" dirty="0" err="1" smtClean="0">
@@ -2174,12 +2335,10 @@
                 <a:ea typeface="+mn-ea"/>
                 <a:cs typeface="+mn-cs"/>
               </a:rPr>
-              <a:t> model, which can be used to conduct more efficient surveys and ultimately inform product design and development.</a:t>
-            </a:r>
-          </a:p>
-          <a:p>
-            <a:r>
-              <a:rPr lang="en-GB" sz="1200" kern="1200" dirty="0" smtClean="0">
+              <a:t> model, as opposed to modelling the data, we are able to obtain rich and detailed information about the people, the statements and the products. This information can be used by Procter and Gamble to</a:t>
+            </a:r>
+            <a:r>
+              <a:rPr lang="en-GB" sz="1200" kern="1200" baseline="0" dirty="0" smtClean="0">
                 <a:solidFill>
                   <a:schemeClr val="tx1"/>
                 </a:solidFill>
@@ -2188,8 +2347,17 @@
                 <a:ea typeface="+mn-ea"/>
                 <a:cs typeface="+mn-cs"/>
               </a:rPr>
-              <a:t>I’m undertaking this research as part of my LIDA internship, alongside Dr Brian Henson from the School of Mechanical Engineering, and Sam and Phil from Procter and Gamble (who are the industrial partner in this project).</a:t>
-            </a:r>
+              <a:t> conduct more efficient surveys, improve marketing techniques and ultimately guide product design and development.</a:t>
+            </a:r>
+            <a:endParaRPr lang="en-GB" sz="1200" kern="1200" dirty="0" smtClean="0">
+              <a:solidFill>
+                <a:schemeClr val="tx1"/>
+              </a:solidFill>
+              <a:effectLst/>
+              <a:latin typeface="+mn-lt"/>
+              <a:ea typeface="+mn-ea"/>
+              <a:cs typeface="+mn-cs"/>
+            </a:endParaRPr>
           </a:p>
           <a:p>
             <a:pPr marL="0" marR="0" lvl="0" indent="0" algn="l" defTabSz="914400" rtl="0" eaLnBrk="1" fontAlgn="auto" latinLnBrk="0" hangingPunct="1">
@@ -2219,6 +2387,137 @@
               <a:cs typeface="+mn-cs"/>
             </a:endParaRPr>
           </a:p>
+          <a:p>
+            <a:pPr marL="0" marR="0" lvl="0" indent="0" algn="l" defTabSz="914400" rtl="0" eaLnBrk="1" fontAlgn="auto" latinLnBrk="0" hangingPunct="1">
+              <a:lnSpc>
+                <a:spcPct val="100000"/>
+              </a:lnSpc>
+              <a:spcBef>
+                <a:spcPts val="0"/>
+              </a:spcBef>
+              <a:spcAft>
+                <a:spcPts val="0"/>
+              </a:spcAft>
+              <a:buClrTx/>
+              <a:buSzTx/>
+              <a:buFontTx/>
+              <a:buNone/>
+              <a:tabLst/>
+              <a:defRPr/>
+            </a:pPr>
+            <a:r>
+              <a:rPr lang="en-GB" sz="1200" kern="1200" dirty="0" smtClean="0">
+                <a:solidFill>
+                  <a:schemeClr val="tx1"/>
+                </a:solidFill>
+                <a:effectLst/>
+                <a:latin typeface="+mn-lt"/>
+                <a:ea typeface="+mn-ea"/>
+                <a:cs typeface="+mn-cs"/>
+              </a:rPr>
+              <a:t>Finally, the fact</a:t>
+            </a:r>
+            <a:r>
+              <a:rPr lang="en-GB" sz="1200" kern="1200" baseline="0" dirty="0" smtClean="0">
+                <a:solidFill>
+                  <a:schemeClr val="tx1"/>
+                </a:solidFill>
+                <a:effectLst/>
+                <a:latin typeface="+mn-lt"/>
+                <a:ea typeface="+mn-ea"/>
+                <a:cs typeface="+mn-cs"/>
+              </a:rPr>
+              <a:t> that we are able to identify persons and statements that are not contributing useful information to the analysis </a:t>
+            </a:r>
+            <a:r>
+              <a:rPr lang="en-GB" sz="1200" b="0" i="0" kern="1200" dirty="0" smtClean="0">
+                <a:solidFill>
+                  <a:schemeClr val="tx1"/>
+                </a:solidFill>
+                <a:effectLst/>
+                <a:latin typeface="+mn-lt"/>
+                <a:ea typeface="+mn-ea"/>
+                <a:cs typeface="+mn-cs"/>
+              </a:rPr>
+              <a:t>has the potential to </a:t>
+            </a:r>
+            <a:r>
+              <a:rPr lang="en-GB" sz="1200" b="0" i="0" kern="1200" baseline="0" dirty="0" smtClean="0">
+                <a:solidFill>
+                  <a:schemeClr val="tx1"/>
+                </a:solidFill>
+                <a:effectLst/>
+                <a:latin typeface="+mn-lt"/>
+                <a:ea typeface="+mn-ea"/>
+                <a:cs typeface="+mn-cs"/>
+              </a:rPr>
+              <a:t>reduce costs for businesses in general, as the</a:t>
+            </a:r>
+            <a:r>
+              <a:rPr lang="en-GB" sz="1200" b="0" i="0" kern="1200" dirty="0" smtClean="0">
+                <a:solidFill>
+                  <a:schemeClr val="tx1"/>
+                </a:solidFill>
+                <a:effectLst/>
+                <a:latin typeface="+mn-lt"/>
+                <a:ea typeface="+mn-ea"/>
+                <a:cs typeface="+mn-cs"/>
+              </a:rPr>
+              <a:t> size of surveys and samples used in consumer research can be reduced, whilst</a:t>
+            </a:r>
+            <a:r>
+              <a:rPr lang="en-GB" sz="1200" b="0" i="0" kern="1200" baseline="0" dirty="0" smtClean="0">
+                <a:solidFill>
+                  <a:schemeClr val="tx1"/>
+                </a:solidFill>
+                <a:effectLst/>
+                <a:latin typeface="+mn-lt"/>
+                <a:ea typeface="+mn-ea"/>
+                <a:cs typeface="+mn-cs"/>
+              </a:rPr>
+              <a:t> improving the quality of information.</a:t>
+            </a:r>
+            <a:endParaRPr lang="en-GB" sz="1200" b="0" i="0" kern="1200" dirty="0" smtClean="0">
+              <a:solidFill>
+                <a:schemeClr val="tx1"/>
+              </a:solidFill>
+              <a:effectLst/>
+              <a:latin typeface="+mn-lt"/>
+              <a:ea typeface="+mn-ea"/>
+              <a:cs typeface="+mn-cs"/>
+            </a:endParaRPr>
+          </a:p>
+          <a:p>
+            <a:pPr marL="0" marR="0" lvl="0" indent="0" algn="l" defTabSz="914400" rtl="0" eaLnBrk="1" fontAlgn="auto" latinLnBrk="0" hangingPunct="1">
+              <a:lnSpc>
+                <a:spcPct val="100000"/>
+              </a:lnSpc>
+              <a:spcBef>
+                <a:spcPts val="0"/>
+              </a:spcBef>
+              <a:spcAft>
+                <a:spcPts val="0"/>
+              </a:spcAft>
+              <a:buClrTx/>
+              <a:buSzTx/>
+              <a:buFontTx/>
+              <a:buNone/>
+              <a:tabLst/>
+              <a:defRPr/>
+            </a:pPr>
+            <a:endParaRPr lang="en-GB" sz="1200" kern="1200" dirty="0" smtClean="0">
+              <a:solidFill>
+                <a:schemeClr val="tx1"/>
+              </a:solidFill>
+              <a:effectLst/>
+              <a:latin typeface="+mn-lt"/>
+              <a:ea typeface="+mn-ea"/>
+              <a:cs typeface="+mn-cs"/>
+            </a:endParaRPr>
+          </a:p>
+          <a:p>
+            <a:endParaRPr lang="en-GB" dirty="0"/>
+          </a:p>
         </p:txBody>
       </p:sp>
       <p:sp>
@@ -2228,7 +2527,7 @@
             <a:spLocks noGrp="1"/>
           </p:cNvSpPr>
           <p:nvPr>
-            <p:ph type="sldNum" sz="quarter" idx="5"/>
+            <p:ph type="sldNum" sz="quarter" idx="10"/>
           </p:nvPr>
         </p:nvSpPr>
         <p:spPr/>
@@ -2238,7 +2537,7 @@
           <a:p>
             <a:fld id="{59BC607B-BC83-1C44-A501-8F981FF41469}" type="slidenum">
               <a:rPr lang="en-US" smtClean="0"/>
-              <a:t>2</a:t>
+              <a:t>20</a:t>
             </a:fld>
             <a:endParaRPr lang="en-US"/>
           </a:p>
@@ -2247,7 +2546,7 @@
     </p:spTree>
     <p:extLst>
       <p:ext uri="{BB962C8B-B14F-4D97-AF65-F5344CB8AC3E}">
-        <p14:creationId xmlns:p14="http://schemas.microsoft.com/office/powerpoint/2010/main" val="2671725176"/>
+        <p14:creationId xmlns:p14="http://schemas.microsoft.com/office/powerpoint/2010/main" val="53928958"/>
       </p:ext>
     </p:extLst>
   </p:cSld>
@@ -2301,23 +2600,7 @@
           <a:bodyPr/>
           <a:lstStyle/>
           <a:p>
-            <a:pPr marL="0" marR="0" lvl="0" indent="0" algn="l" defTabSz="914400" rtl="0" eaLnBrk="1" fontAlgn="auto" latinLnBrk="0" hangingPunct="1">
-              <a:lnSpc>
-                <a:spcPct val="100000"/>
-              </a:lnSpc>
-              <a:spcBef>
-                <a:spcPts val="0"/>
-              </a:spcBef>
-              <a:spcAft>
-                <a:spcPts val="0"/>
-              </a:spcAft>
-              <a:buClrTx/>
-              <a:buSzTx/>
-              <a:buFontTx/>
-              <a:buNone/>
-              <a:tabLst/>
-              <a:defRPr/>
-            </a:pPr>
+            <a:pPr lvl="0"/>
             <a:r>
               <a:rPr lang="en-GB" sz="1200" kern="1200" dirty="0" smtClean="0">
                 <a:solidFill>
@@ -2328,10 +2611,10 @@
                 <a:ea typeface="+mn-ea"/>
                 <a:cs typeface="+mn-cs"/>
               </a:rPr>
-              <a:t>The </a:t>
-            </a:r>
-            <a:r>
-              <a:rPr lang="en-GB" sz="1200" kern="1200" dirty="0" err="1" smtClean="0">
+              <a:t>Procter and Gamble is one of the oldest and largest consumer goods companies worldwide. The company owns over 100 brands, and specialises in a wide range of health care, home care and hygiene products. </a:t>
+            </a:r>
+            <a:r>
+              <a:rPr lang="en-GB" sz="1200" kern="1200" dirty="0" smtClean="0">
                 <a:solidFill>
                   <a:schemeClr val="tx1"/>
                 </a:solidFill>
@@ -2340,8 +2623,23 @@
                 <a:ea typeface="+mn-ea"/>
                 <a:cs typeface="+mn-cs"/>
               </a:rPr>
-              <a:t>Rasch</a:t>
-            </a:r>
+              <a:t>Products that we use every single day.</a:t>
+            </a:r>
+          </a:p>
+          <a:p>
+            <a:pPr lvl="0"/>
+            <a:endParaRPr lang="en-GB" sz="1200" kern="1200" dirty="0" smtClean="0">
+              <a:solidFill>
+                <a:schemeClr val="tx1"/>
+              </a:solidFill>
+              <a:effectLst/>
+              <a:latin typeface="+mn-lt"/>
+              <a:ea typeface="+mn-ea"/>
+              <a:cs typeface="+mn-cs"/>
+            </a:endParaRPr>
+          </a:p>
+          <a:p>
+            <a:pPr lvl="0"/>
             <a:r>
               <a:rPr lang="en-GB" sz="1200" kern="1200" dirty="0" smtClean="0">
                 <a:solidFill>
@@ -2352,10 +2650,13 @@
                 <a:ea typeface="+mn-ea"/>
                 <a:cs typeface="+mn-cs"/>
               </a:rPr>
-              <a:t> model is applied to categorical data, such as responses to an exam or a questionnaire, in order to measure a single latent variable. A latent variable is a variable that cannot be directly measured, which includes emotions and attitudes. The most common application of </a:t>
-            </a:r>
-            <a:r>
-              <a:rPr lang="en-GB" sz="1200" kern="1200" dirty="0" err="1" smtClean="0">
+              <a:t>Lots of data generated</a:t>
+            </a:r>
+          </a:p>
+          <a:p>
+            <a:pPr lvl="0"/>
+            <a:r>
+              <a:rPr lang="en-GB" sz="1200" kern="1200" dirty="0" smtClean="0">
                 <a:solidFill>
                   <a:schemeClr val="tx1"/>
                 </a:solidFill>
@@ -2364,8 +2665,10 @@
                 <a:ea typeface="+mn-ea"/>
                 <a:cs typeface="+mn-cs"/>
               </a:rPr>
-              <a:t>Rasch</a:t>
-            </a:r>
+              <a:t> </a:t>
+            </a:r>
+          </a:p>
+          <a:p>
             <a:r>
               <a:rPr lang="en-GB" sz="1200" kern="1200" dirty="0" smtClean="0">
                 <a:solidFill>
@@ -2376,32 +2679,9 @@
                 <a:ea typeface="+mn-ea"/>
                 <a:cs typeface="+mn-cs"/>
               </a:rPr>
-              <a:t> theory is the assessment of people, either in the context of education or health, and it has only recently been applied to consumer data. I’m going to briefly explain the theory behind </a:t>
-            </a:r>
-            <a:r>
-              <a:rPr lang="en-GB" sz="1200" kern="1200" dirty="0" err="1" smtClean="0">
-                <a:solidFill>
-                  <a:schemeClr val="tx1"/>
-                </a:solidFill>
-                <a:effectLst/>
-                <a:latin typeface="+mn-lt"/>
-                <a:ea typeface="+mn-ea"/>
-                <a:cs typeface="+mn-cs"/>
-              </a:rPr>
-              <a:t>Rasch</a:t>
-            </a:r>
-            <a:r>
-              <a:rPr lang="en-GB" sz="1200" kern="1200" dirty="0" smtClean="0">
-                <a:solidFill>
-                  <a:schemeClr val="tx1"/>
-                </a:solidFill>
-                <a:effectLst/>
-                <a:latin typeface="+mn-lt"/>
-                <a:ea typeface="+mn-ea"/>
-                <a:cs typeface="+mn-cs"/>
-              </a:rPr>
-              <a:t> measurement in the context of one of the traditional applications.</a:t>
-            </a:r>
+              <a:t>In order to achieve this, it’s essential to analyse the thoughts and opinions of consumers towards the range of products that are available, through the use of targeted consumer surveys. But how can we accurately capture consumer sentiments with survey data? Classic approaches involve statistically modelling the data to spot the overall trends and patterns regarding consumer opinions. Today I’m going to discuss an alternative approach which is capable of capturing a richer set of information than classic methods. </a:t>
+            </a:r>
+            <a:endParaRPr lang="en-GB" dirty="0"/>
           </a:p>
         </p:txBody>
       </p:sp>
@@ -2431,7 +2711,7 @@
     </p:spTree>
     <p:extLst>
       <p:ext uri="{BB962C8B-B14F-4D97-AF65-F5344CB8AC3E}">
-        <p14:creationId xmlns:p14="http://schemas.microsoft.com/office/powerpoint/2010/main" val="868714956"/>
+        <p14:creationId xmlns:p14="http://schemas.microsoft.com/office/powerpoint/2010/main" val="2870714893"/>
       </p:ext>
     </p:extLst>
   </p:cSld>
@@ -2485,6 +2765,7 @@
           <a:bodyPr/>
           <a:lstStyle/>
           <a:p>
+            <a:pPr lvl="0"/>
             <a:r>
               <a:rPr lang="en-GB" sz="1200" kern="1200" dirty="0" smtClean="0">
                 <a:solidFill>
@@ -2495,7 +2776,7 @@
                 <a:ea typeface="+mn-ea"/>
                 <a:cs typeface="+mn-cs"/>
               </a:rPr>
-              <a:t>For example, let’s consider the analysis of maths exam results, where the latent trait or the thing you want to measure is “the attitude of students towards maths”. According to the </a:t>
+              <a:t>In this presentation I will talk about </a:t>
             </a:r>
             <a:r>
               <a:rPr lang="en-GB" sz="1200" kern="1200" dirty="0" err="1" smtClean="0">
@@ -2519,7 +2800,31 @@
                 <a:ea typeface="+mn-ea"/>
                 <a:cs typeface="+mn-cs"/>
               </a:rPr>
-              <a:t> model, the probability of a student answering a given question correctly is calculated according to this simple equation shown here, which depends on the technical ability of that person and the difficulty of that question only.  In the </a:t>
+              <a:t> measurement theory, and how it can be used to obtain insightful attitudes and information from consumer data.</a:t>
+            </a:r>
+            <a:r>
+              <a:rPr lang="en-US" sz="1200" kern="1200" baseline="0" dirty="0" smtClean="0">
+                <a:solidFill>
+                  <a:schemeClr val="tx1"/>
+                </a:solidFill>
+                <a:effectLst/>
+                <a:latin typeface="+mn-lt"/>
+                <a:ea typeface="+mn-ea"/>
+                <a:cs typeface="+mn-cs"/>
+              </a:rPr>
+              <a:t> </a:t>
+            </a:r>
+            <a:r>
+              <a:rPr lang="en-GB" sz="1200" kern="1200" dirty="0" smtClean="0">
+                <a:solidFill>
+                  <a:schemeClr val="tx1"/>
+                </a:solidFill>
+                <a:effectLst/>
+                <a:latin typeface="+mn-lt"/>
+                <a:ea typeface="+mn-ea"/>
+                <a:cs typeface="+mn-cs"/>
+              </a:rPr>
+              <a:t>First I will provide some theory behind the </a:t>
             </a:r>
             <a:r>
               <a:rPr lang="en-GB" sz="1200" kern="1200" dirty="0" err="1" smtClean="0">
@@ -2543,12 +2848,10 @@
                 <a:ea typeface="+mn-ea"/>
                 <a:cs typeface="+mn-cs"/>
               </a:rPr>
-              <a:t> model, the questions are referred to as items.</a:t>
-            </a:r>
-          </a:p>
-          <a:p>
-            <a:r>
-              <a:rPr lang="en-GB" sz="1200" kern="1200" dirty="0" smtClean="0">
+              <a:t> model, before discussing its application to laundry product survey data provided by Procter and Gamble. I will then show you examples of the sort of information that we can obtain with the </a:t>
+            </a:r>
+            <a:r>
+              <a:rPr lang="en-GB" sz="1200" kern="1200" dirty="0" err="1" smtClean="0">
                 <a:solidFill>
                   <a:schemeClr val="tx1"/>
                 </a:solidFill>
@@ -2557,10 +2860,8 @@
                 <a:ea typeface="+mn-ea"/>
                 <a:cs typeface="+mn-cs"/>
               </a:rPr>
-              <a:t>  </a:t>
-            </a:r>
-          </a:p>
-          <a:p>
+              <a:t>Rasch</a:t>
+            </a:r>
             <a:r>
               <a:rPr lang="en-GB" sz="1200" kern="1200" dirty="0" smtClean="0">
                 <a:solidFill>
@@ -2571,12 +2872,50 @@
                 <a:ea typeface="+mn-ea"/>
                 <a:cs typeface="+mn-cs"/>
               </a:rPr>
-              <a:t>The abilities and difficulties of each person and item respectively are calculated using a maximum likelihood method, under the assumption that the data conform to a Guttmann pattern. </a:t>
-            </a:r>
-            <a:endParaRPr lang="en-GB" dirty="0" smtClean="0"/>
-          </a:p>
-          <a:p>
-            <a:endParaRPr lang="en-GB" dirty="0"/>
+              <a:t> model, which can be used to conduct more efficient surveys and ultimately inform product design and development.</a:t>
+            </a:r>
+          </a:p>
+          <a:p>
+            <a:r>
+              <a:rPr lang="en-GB" sz="1200" kern="1200" dirty="0" smtClean="0">
+                <a:solidFill>
+                  <a:schemeClr val="tx1"/>
+                </a:solidFill>
+                <a:effectLst/>
+                <a:latin typeface="+mn-lt"/>
+                <a:ea typeface="+mn-ea"/>
+                <a:cs typeface="+mn-cs"/>
+              </a:rPr>
+              <a:t>I’m undertaking this research as part of my LIDA internship, alongside Dr Brian Henson from the School of Mechanical Engineering, and Sam and Phil from Procter and Gamble (who are the industrial partner in this project).</a:t>
+            </a:r>
+          </a:p>
+          <a:p>
+            <a:pPr marL="0" marR="0" lvl="0" indent="0" algn="l" defTabSz="914400" rtl="0" eaLnBrk="1" fontAlgn="auto" latinLnBrk="0" hangingPunct="1">
+              <a:lnSpc>
+                <a:spcPct val="100000"/>
+              </a:lnSpc>
+              <a:spcBef>
+                <a:spcPts val="0"/>
+              </a:spcBef>
+              <a:spcAft>
+                <a:spcPts val="0"/>
+              </a:spcAft>
+              <a:buClrTx/>
+              <a:buSzTx/>
+              <a:buFontTx/>
+              <a:buNone/>
+              <a:tabLst/>
+              <a:defRPr/>
+            </a:pPr>
+            <a:endParaRPr lang="en-GB" sz="1200" kern="1200" dirty="0" smtClean="0">
+              <a:solidFill>
+                <a:schemeClr val="tx1"/>
+              </a:solidFill>
+              <a:effectLst/>
+              <a:latin typeface="+mn-lt"/>
+              <a:ea typeface="+mn-ea"/>
+              <a:cs typeface="+mn-cs"/>
+            </a:endParaRPr>
           </a:p>
         </p:txBody>
       </p:sp>
@@ -2587,7 +2926,7 @@
             <a:spLocks noGrp="1"/>
           </p:cNvSpPr>
           <p:nvPr>
-            <p:ph type="sldNum" sz="quarter" idx="10"/>
+            <p:ph type="sldNum" sz="quarter" idx="5"/>
           </p:nvPr>
         </p:nvSpPr>
         <p:spPr/>
@@ -2606,7 +2945,7 @@
     </p:spTree>
     <p:extLst>
       <p:ext uri="{BB962C8B-B14F-4D97-AF65-F5344CB8AC3E}">
-        <p14:creationId xmlns:p14="http://schemas.microsoft.com/office/powerpoint/2010/main" val="3407523492"/>
+        <p14:creationId xmlns:p14="http://schemas.microsoft.com/office/powerpoint/2010/main" val="2671725176"/>
       </p:ext>
     </p:extLst>
   </p:cSld>
@@ -2660,6 +2999,23 @@
           <a:bodyPr/>
           <a:lstStyle/>
           <a:p>
+            <a:pPr marL="0" marR="0" lvl="0" indent="0" algn="l" defTabSz="914400" rtl="0" eaLnBrk="1" fontAlgn="auto" latinLnBrk="0" hangingPunct="1">
+              <a:lnSpc>
+                <a:spcPct val="100000"/>
+              </a:lnSpc>
+              <a:spcBef>
+                <a:spcPts val="0"/>
+              </a:spcBef>
+              <a:spcAft>
+                <a:spcPts val="0"/>
+              </a:spcAft>
+              <a:buClrTx/>
+              <a:buSzTx/>
+              <a:buFontTx/>
+              <a:buNone/>
+              <a:tabLst/>
+              <a:defRPr/>
+            </a:pPr>
             <a:r>
               <a:rPr lang="en-GB" sz="1200" kern="1200" dirty="0" smtClean="0">
                 <a:solidFill>
@@ -2670,7 +3026,7 @@
                 <a:ea typeface="+mn-ea"/>
                 <a:cs typeface="+mn-cs"/>
               </a:rPr>
-              <a:t>The Guttmann pattern looks something like this, where people with higher abilities are able to answer all of the questions correctly, while people with lower abilities are only able to answer the easier questions correctly. So in the </a:t>
+              <a:t>The </a:t>
             </a:r>
             <a:r>
               <a:rPr lang="en-GB" sz="1200" kern="1200" dirty="0" err="1" smtClean="0">
@@ -2694,10 +3050,10 @@
                 <a:ea typeface="+mn-ea"/>
                 <a:cs typeface="+mn-cs"/>
               </a:rPr>
-              <a:t> model, as</a:t>
-            </a:r>
-            <a:r>
-              <a:rPr lang="en-GB" sz="1200" kern="1200" baseline="0" dirty="0" smtClean="0">
+              <a:t> model is applied to categorical data, such as responses to an exam or a questionnaire, in order to measure a single latent variable. A latent variable is a variable that cannot be directly measured, which includes emotions and attitudes. The most common application of </a:t>
+            </a:r>
+            <a:r>
+              <a:rPr lang="en-GB" sz="1200" kern="1200" dirty="0" err="1" smtClean="0">
                 <a:solidFill>
                   <a:schemeClr val="tx1"/>
                 </a:solidFill>
@@ -2706,7 +3062,7 @@
                 <a:ea typeface="+mn-ea"/>
                 <a:cs typeface="+mn-cs"/>
               </a:rPr>
-              <a:t> analyse the data</a:t>
+              <a:t>Rasch</a:t>
             </a:r>
             <a:r>
               <a:rPr lang="en-GB" sz="1200" kern="1200" dirty="0" smtClean="0">
@@ -2718,17 +3074,32 @@
                 <a:ea typeface="+mn-ea"/>
                 <a:cs typeface="+mn-cs"/>
               </a:rPr>
-              <a:t> to see whether or not it conforms to this sort of pattern. In other words, the data is fit to the model, as opposed to classic techniques where models are fit to the data. </a:t>
-            </a:r>
-            <a:endParaRPr lang="en-GB" sz="1200" kern="1200" dirty="0">
-              <a:solidFill>
-                <a:schemeClr val="tx1"/>
-              </a:solidFill>
-              <a:effectLst/>
-              <a:latin typeface="+mn-lt"/>
-              <a:ea typeface="+mn-ea"/>
-              <a:cs typeface="+mn-cs"/>
-            </a:endParaRPr>
+              <a:t> theory is the assessment of people, either in the context of education or health, and it has only recently been applied to consumer data. I’m going to briefly explain the theory behind </a:t>
+            </a:r>
+            <a:r>
+              <a:rPr lang="en-GB" sz="1200" kern="1200" dirty="0" err="1" smtClean="0">
+                <a:solidFill>
+                  <a:schemeClr val="tx1"/>
+                </a:solidFill>
+                <a:effectLst/>
+                <a:latin typeface="+mn-lt"/>
+                <a:ea typeface="+mn-ea"/>
+                <a:cs typeface="+mn-cs"/>
+              </a:rPr>
+              <a:t>Rasch</a:t>
+            </a:r>
+            <a:r>
+              <a:rPr lang="en-GB" sz="1200" kern="1200" dirty="0" smtClean="0">
+                <a:solidFill>
+                  <a:schemeClr val="tx1"/>
+                </a:solidFill>
+                <a:effectLst/>
+                <a:latin typeface="+mn-lt"/>
+                <a:ea typeface="+mn-ea"/>
+                <a:cs typeface="+mn-cs"/>
+              </a:rPr>
+              <a:t> measurement in the context of one of the traditional applications.</a:t>
+            </a:r>
           </a:p>
         </p:txBody>
       </p:sp>
@@ -2758,7 +3129,7 @@
     </p:spTree>
     <p:extLst>
       <p:ext uri="{BB962C8B-B14F-4D97-AF65-F5344CB8AC3E}">
-        <p14:creationId xmlns:p14="http://schemas.microsoft.com/office/powerpoint/2010/main" val="342580351"/>
+        <p14:creationId xmlns:p14="http://schemas.microsoft.com/office/powerpoint/2010/main" val="868714956"/>
       </p:ext>
     </p:extLst>
   </p:cSld>
@@ -2813,7 +3184,7 @@
           <a:lstStyle/>
           <a:p>
             <a:r>
-              <a:rPr lang="en-GB" sz="1200" kern="1200" dirty="0" smtClean="0">
+              <a:rPr lang="en-GB" sz="1200" kern="1200">
                 <a:solidFill>
                   <a:schemeClr val="tx1"/>
                 </a:solidFill>
@@ -2822,10 +3193,10 @@
                 <a:ea typeface="+mn-ea"/>
                 <a:cs typeface="+mn-cs"/>
               </a:rPr>
-              <a:t>The aim of the current research is apply the </a:t>
-            </a:r>
-            <a:r>
-              <a:rPr lang="en-GB" sz="1200" kern="1200" dirty="0" err="1" smtClean="0">
+              <a:t>For example, let’s consider the analysis of maths exam results, where the latent trait or the thing you want to measure is “the attitude of students towards maths”. According to the </a:t>
+            </a:r>
+            <a:r>
+              <a:rPr lang="en-GB" sz="1200" kern="1200" err="1">
                 <a:solidFill>
                   <a:schemeClr val="tx1"/>
                 </a:solidFill>
@@ -2837,7 +3208,7 @@
               <a:t>Rasch</a:t>
             </a:r>
             <a:r>
-              <a:rPr lang="en-GB" sz="1200" kern="1200" dirty="0" smtClean="0">
+              <a:rPr lang="en-GB" sz="1200" kern="1200">
                 <a:solidFill>
                   <a:schemeClr val="tx1"/>
                 </a:solidFill>
@@ -2846,9 +3217,64 @@
                 <a:ea typeface="+mn-ea"/>
                 <a:cs typeface="+mn-cs"/>
               </a:rPr>
-              <a:t> model to consumer data. The data that I have consist of 999 individuals that responded to a number of different statements about their usual laundry product, such as ‘This product gives excellent cleaning overall’, and the response options ranged from ‘strongly disagree’ to ‘strongly agree’.</a:t>
-            </a:r>
-            <a:endParaRPr lang="en-GB" dirty="0"/>
+              <a:t> model, the probability of a student answering a given question correctly is calculated according to this simple equation shown here, which depends on the technical ability of that person and the difficulty of that question only.  In the </a:t>
+            </a:r>
+            <a:r>
+              <a:rPr lang="en-GB" sz="1200" kern="1200" err="1">
+                <a:solidFill>
+                  <a:schemeClr val="tx1"/>
+                </a:solidFill>
+                <a:effectLst/>
+                <a:latin typeface="+mn-lt"/>
+                <a:ea typeface="+mn-ea"/>
+                <a:cs typeface="+mn-cs"/>
+              </a:rPr>
+              <a:t>Rasch</a:t>
+            </a:r>
+            <a:r>
+              <a:rPr lang="en-GB" sz="1200" kern="1200">
+                <a:solidFill>
+                  <a:schemeClr val="tx1"/>
+                </a:solidFill>
+                <a:effectLst/>
+                <a:latin typeface="+mn-lt"/>
+                <a:ea typeface="+mn-ea"/>
+                <a:cs typeface="+mn-cs"/>
+              </a:rPr>
+              <a:t> model, the questions are referred to as items.</a:t>
+            </a:r>
+          </a:p>
+          <a:p>
+            <a:r>
+              <a:rPr lang="en-GB" sz="1200" kern="1200">
+                <a:solidFill>
+                  <a:schemeClr val="tx1"/>
+                </a:solidFill>
+                <a:effectLst/>
+                <a:latin typeface="+mn-lt"/>
+                <a:ea typeface="+mn-ea"/>
+                <a:cs typeface="+mn-cs"/>
+              </a:rPr>
+              <a:t>  </a:t>
+            </a:r>
+          </a:p>
+          <a:p>
+            <a:r>
+              <a:rPr lang="en-GB" sz="1200" kern="1200">
+                <a:solidFill>
+                  <a:schemeClr val="tx1"/>
+                </a:solidFill>
+                <a:effectLst/>
+                <a:latin typeface="+mn-lt"/>
+                <a:ea typeface="+mn-ea"/>
+                <a:cs typeface="+mn-cs"/>
+              </a:rPr>
+              <a:t>The abilities and difficulties of each person and item respectively are calculated using a maximum likelihood method, under the assumption that the data conform to a Guttmann pattern. </a:t>
+            </a:r>
+            <a:endParaRPr lang="en-GB"/>
+          </a:p>
+          <a:p>
+            <a:endParaRPr lang="en-GB"/>
           </a:p>
         </p:txBody>
       </p:sp>
@@ -2878,7 +3304,7 @@
     </p:spTree>
     <p:extLst>
       <p:ext uri="{BB962C8B-B14F-4D97-AF65-F5344CB8AC3E}">
-        <p14:creationId xmlns:p14="http://schemas.microsoft.com/office/powerpoint/2010/main" val="3139509268"/>
+        <p14:creationId xmlns:p14="http://schemas.microsoft.com/office/powerpoint/2010/main" val="1646923828"/>
       </p:ext>
     </p:extLst>
   </p:cSld>
@@ -2932,23 +3358,6 @@
           <a:bodyPr/>
           <a:lstStyle/>
           <a:p>
-            <a:pPr marL="0" marR="0" lvl="0" indent="0" algn="l" defTabSz="914400" rtl="0" eaLnBrk="1" fontAlgn="auto" latinLnBrk="0" hangingPunct="1">
-              <a:lnSpc>
-                <a:spcPct val="100000"/>
-              </a:lnSpc>
-              <a:spcBef>
-                <a:spcPts val="0"/>
-              </a:spcBef>
-              <a:spcAft>
-                <a:spcPts val="0"/>
-              </a:spcAft>
-              <a:buClrTx/>
-              <a:buSzTx/>
-              <a:buFontTx/>
-              <a:buNone/>
-              <a:tabLst/>
-              <a:defRPr/>
-            </a:pPr>
             <a:r>
               <a:rPr lang="en-GB" sz="1200" kern="1200" dirty="0" smtClean="0">
                 <a:solidFill>
@@ -2959,7 +3368,7 @@
                 <a:ea typeface="+mn-ea"/>
                 <a:cs typeface="+mn-cs"/>
               </a:rPr>
-              <a:t>The aim of the current research is apply the </a:t>
+              <a:t>The Guttmann pattern looks something like this, where people with higher abilities are able to answer all of the questions correctly, while people with lower abilities are only able to answer the easier questions correctly. So in the </a:t>
             </a:r>
             <a:r>
               <a:rPr lang="en-GB" sz="1200" kern="1200" dirty="0" err="1" smtClean="0">
@@ -2983,12 +3392,41 @@
                 <a:ea typeface="+mn-ea"/>
                 <a:cs typeface="+mn-cs"/>
               </a:rPr>
-              <a:t> model to consumer data. The data that I have consist of 999 individuals that responded to a number of different statements about their usual laundry product, such as ‘This product gives excellent cleaning overall’, and the response options ranged from ‘strongly disagree’ to ‘strongly agree’.</a:t>
-            </a:r>
-            <a:endParaRPr lang="en-GB" dirty="0" smtClean="0"/>
-          </a:p>
-          <a:p>
-            <a:endParaRPr lang="en-GB" dirty="0"/>
+              <a:t> model, as</a:t>
+            </a:r>
+            <a:r>
+              <a:rPr lang="en-GB" sz="1200" kern="1200" baseline="0" dirty="0" smtClean="0">
+                <a:solidFill>
+                  <a:schemeClr val="tx1"/>
+                </a:solidFill>
+                <a:effectLst/>
+                <a:latin typeface="+mn-lt"/>
+                <a:ea typeface="+mn-ea"/>
+                <a:cs typeface="+mn-cs"/>
+              </a:rPr>
+              <a:t> analyse the data</a:t>
+            </a:r>
+            <a:r>
+              <a:rPr lang="en-GB" sz="1200" kern="1200" dirty="0" smtClean="0">
+                <a:solidFill>
+                  <a:schemeClr val="tx1"/>
+                </a:solidFill>
+                <a:effectLst/>
+                <a:latin typeface="+mn-lt"/>
+                <a:ea typeface="+mn-ea"/>
+                <a:cs typeface="+mn-cs"/>
+              </a:rPr>
+              <a:t> to see whether or not it conforms to this sort of pattern. In other words, the data is fit to the model, as opposed to classic techniques where models are fit to the data. </a:t>
+            </a:r>
+            <a:endParaRPr lang="en-GB" sz="1200" kern="1200" dirty="0">
+              <a:solidFill>
+                <a:schemeClr val="tx1"/>
+              </a:solidFill>
+              <a:effectLst/>
+              <a:latin typeface="+mn-lt"/>
+              <a:ea typeface="+mn-ea"/>
+              <a:cs typeface="+mn-cs"/>
+            </a:endParaRPr>
           </a:p>
         </p:txBody>
       </p:sp>
@@ -3018,7 +3456,7 @@
     </p:spTree>
     <p:extLst>
       <p:ext uri="{BB962C8B-B14F-4D97-AF65-F5344CB8AC3E}">
-        <p14:creationId xmlns:p14="http://schemas.microsoft.com/office/powerpoint/2010/main" val="1840742618"/>
+        <p14:creationId xmlns:p14="http://schemas.microsoft.com/office/powerpoint/2010/main" val="342580351"/>
       </p:ext>
     </p:extLst>
   </p:cSld>
@@ -3072,7 +3510,6 @@
           <a:bodyPr/>
           <a:lstStyle/>
           <a:p>
-            <a:pPr lvl="0"/>
             <a:r>
               <a:rPr lang="en-GB" sz="1200" kern="1200" dirty="0" smtClean="0">
                 <a:solidFill>
@@ -3083,7 +3520,7 @@
                 <a:ea typeface="+mn-ea"/>
                 <a:cs typeface="+mn-cs"/>
               </a:rPr>
-              <a:t>In this context, the latent trait that we are measuring with the </a:t>
+              <a:t>The aim of the current research is apply the </a:t>
             </a:r>
             <a:r>
               <a:rPr lang="en-GB" sz="1200" kern="1200" dirty="0" err="1" smtClean="0">
@@ -3107,107 +3544,7 @@
                 <a:ea typeface="+mn-ea"/>
                 <a:cs typeface="+mn-cs"/>
               </a:rPr>
-              <a:t> model is the ‘endorsement of usual laundry product’. The survey statements are the </a:t>
-            </a:r>
-            <a:r>
-              <a:rPr lang="en-GB" sz="1200" kern="1200" dirty="0" err="1" smtClean="0">
-                <a:solidFill>
-                  <a:schemeClr val="tx1"/>
-                </a:solidFill>
-                <a:effectLst/>
-                <a:latin typeface="+mn-lt"/>
-                <a:ea typeface="+mn-ea"/>
-                <a:cs typeface="+mn-cs"/>
-              </a:rPr>
-              <a:t>Rasch</a:t>
-            </a:r>
-            <a:r>
-              <a:rPr lang="en-GB" sz="1200" kern="1200" dirty="0" smtClean="0">
-                <a:solidFill>
-                  <a:schemeClr val="tx1"/>
-                </a:solidFill>
-                <a:effectLst/>
-                <a:latin typeface="+mn-lt"/>
-                <a:ea typeface="+mn-ea"/>
-                <a:cs typeface="+mn-cs"/>
-              </a:rPr>
-              <a:t> items, and the item difficulty corresponds to the likelihood of that specific statement to be endorsed. Similarly, the person ability can be considered as the likelihood of an individual to endorse their usual laundry product.  A person with a higher ability is more likely to endorse their product than a person of a lower ability.</a:t>
-            </a:r>
-          </a:p>
-          <a:p>
-            <a:r>
-              <a:rPr lang="en-GB" sz="1200" kern="1200" dirty="0" smtClean="0">
-                <a:solidFill>
-                  <a:schemeClr val="tx1"/>
-                </a:solidFill>
-                <a:effectLst/>
-                <a:latin typeface="+mn-lt"/>
-                <a:ea typeface="+mn-ea"/>
-                <a:cs typeface="+mn-cs"/>
-              </a:rPr>
-              <a:t> </a:t>
-            </a:r>
-          </a:p>
-          <a:p>
-            <a:r>
-              <a:rPr lang="en-GB" sz="1200" kern="1200" dirty="0" smtClean="0">
-                <a:solidFill>
-                  <a:schemeClr val="tx1"/>
-                </a:solidFill>
-                <a:effectLst/>
-                <a:latin typeface="+mn-lt"/>
-                <a:ea typeface="+mn-ea"/>
-                <a:cs typeface="+mn-cs"/>
-              </a:rPr>
-              <a:t>I’ve used specific </a:t>
-            </a:r>
-            <a:r>
-              <a:rPr lang="en-GB" sz="1200" kern="1200" dirty="0" err="1" smtClean="0">
-                <a:solidFill>
-                  <a:schemeClr val="tx1"/>
-                </a:solidFill>
-                <a:effectLst/>
-                <a:latin typeface="+mn-lt"/>
-                <a:ea typeface="+mn-ea"/>
-                <a:cs typeface="+mn-cs"/>
-              </a:rPr>
-              <a:t>Rasch</a:t>
-            </a:r>
-            <a:r>
-              <a:rPr lang="en-GB" sz="1200" kern="1200" dirty="0" smtClean="0">
-                <a:solidFill>
-                  <a:schemeClr val="tx1"/>
-                </a:solidFill>
-                <a:effectLst/>
-                <a:latin typeface="+mn-lt"/>
-                <a:ea typeface="+mn-ea"/>
-                <a:cs typeface="+mn-cs"/>
-              </a:rPr>
-              <a:t> measurement software to assess the fit of the data to the </a:t>
-            </a:r>
-            <a:r>
-              <a:rPr lang="en-GB" sz="1200" kern="1200" dirty="0" err="1" smtClean="0">
-                <a:solidFill>
-                  <a:schemeClr val="tx1"/>
-                </a:solidFill>
-                <a:effectLst/>
-                <a:latin typeface="+mn-lt"/>
-                <a:ea typeface="+mn-ea"/>
-                <a:cs typeface="+mn-cs"/>
-              </a:rPr>
-              <a:t>Rasch</a:t>
-            </a:r>
-            <a:r>
-              <a:rPr lang="en-GB" sz="1200" kern="1200" dirty="0" smtClean="0">
-                <a:solidFill>
-                  <a:schemeClr val="tx1"/>
-                </a:solidFill>
-                <a:effectLst/>
-                <a:latin typeface="+mn-lt"/>
-                <a:ea typeface="+mn-ea"/>
-                <a:cs typeface="+mn-cs"/>
-              </a:rPr>
-              <a:t> model. The fit of the data can be determined according to several fit statistics that reveal how closely the data follows the expected pattern. </a:t>
+              <a:t> model to consumer data. The data that I have consist of 999 individuals that responded to a number of different statements about their usual laundry product, such as ‘This product gives excellent cleaning overall’, and the response options ranged from ‘strongly disagree’ to ‘strongly agree’.</a:t>
             </a:r>
             <a:endParaRPr lang="en-GB" dirty="0"/>
           </a:p>
@@ -3239,7 +3576,7 @@
     </p:spTree>
     <p:extLst>
       <p:ext uri="{BB962C8B-B14F-4D97-AF65-F5344CB8AC3E}">
-        <p14:creationId xmlns:p14="http://schemas.microsoft.com/office/powerpoint/2010/main" val="3340170883"/>
+        <p14:creationId xmlns:p14="http://schemas.microsoft.com/office/powerpoint/2010/main" val="3139509268"/>
       </p:ext>
     </p:extLst>
   </p:cSld>
@@ -3293,6 +3630,23 @@
           <a:bodyPr/>
           <a:lstStyle/>
           <a:p>
+            <a:pPr marL="0" marR="0" lvl="0" indent="0" algn="l" defTabSz="914400" rtl="0" eaLnBrk="1" fontAlgn="auto" latinLnBrk="0" hangingPunct="1">
+              <a:lnSpc>
+                <a:spcPct val="100000"/>
+              </a:lnSpc>
+              <a:spcBef>
+                <a:spcPts val="0"/>
+              </a:spcBef>
+              <a:spcAft>
+                <a:spcPts val="0"/>
+              </a:spcAft>
+              <a:buClrTx/>
+              <a:buSzTx/>
+              <a:buFontTx/>
+              <a:buNone/>
+              <a:tabLst/>
+              <a:defRPr/>
+            </a:pPr>
             <a:r>
               <a:rPr lang="en-GB" sz="1200" kern="1200" dirty="0" smtClean="0">
                 <a:solidFill>
@@ -3303,7 +3657,7 @@
                 <a:ea typeface="+mn-ea"/>
                 <a:cs typeface="+mn-cs"/>
               </a:rPr>
-              <a:t>Firstly, we are able to examine the people themselves, where each person has a fit residual. The closer the residual is to zero, the more closely the person fits the </a:t>
+              <a:t>The aim of the current research is apply the </a:t>
             </a:r>
             <a:r>
               <a:rPr lang="en-GB" sz="1200" kern="1200" dirty="0" err="1" smtClean="0">
@@ -3327,32 +3681,11 @@
                 <a:ea typeface="+mn-ea"/>
                 <a:cs typeface="+mn-cs"/>
               </a:rPr>
-              <a:t> model. Significant fit residuals can reveal if a person’s responses are too predictable, where they might just be selecting the same response for all items. Similarly, we are also able to see if a person’s responses are too random and meaningless. We can then remove these </a:t>
-            </a:r>
-            <a:r>
-              <a:rPr lang="en-GB" sz="1200" kern="1200" dirty="0" err="1" smtClean="0">
-                <a:solidFill>
-                  <a:schemeClr val="tx1"/>
-                </a:solidFill>
-                <a:effectLst/>
-                <a:latin typeface="+mn-lt"/>
-                <a:ea typeface="+mn-ea"/>
-                <a:cs typeface="+mn-cs"/>
-              </a:rPr>
-              <a:t>misfitting</a:t>
-            </a:r>
-            <a:r>
-              <a:rPr lang="en-GB" sz="1200" kern="1200" dirty="0" smtClean="0">
-                <a:solidFill>
-                  <a:schemeClr val="tx1"/>
-                </a:solidFill>
-                <a:effectLst/>
-                <a:latin typeface="+mn-lt"/>
-                <a:ea typeface="+mn-ea"/>
-                <a:cs typeface="+mn-cs"/>
-              </a:rPr>
-              <a:t> people – who don’t give us meaningful information – from the analysis. </a:t>
-            </a:r>
+              <a:t> model to consumer data. The data that I have consist of 999 individuals that responded to a number of different statements about their usual laundry product, such as ‘This product gives excellent cleaning overall’, and the response options ranged from ‘strongly disagree’ to ‘strongly agree’.</a:t>
+            </a:r>
+            <a:endParaRPr lang="en-GB" dirty="0" smtClean="0"/>
+          </a:p>
+          <a:p>
             <a:endParaRPr lang="en-GB" dirty="0"/>
           </a:p>
         </p:txBody>
@@ -3383,7 +3716,7 @@
     </p:spTree>
     <p:extLst>
       <p:ext uri="{BB962C8B-B14F-4D97-AF65-F5344CB8AC3E}">
-        <p14:creationId xmlns:p14="http://schemas.microsoft.com/office/powerpoint/2010/main" val="125834891"/>
+        <p14:creationId xmlns:p14="http://schemas.microsoft.com/office/powerpoint/2010/main" val="1840742618"/>
       </p:ext>
     </p:extLst>
   </p:cSld>
@@ -3524,7 +3857,7 @@
           <a:p>
             <a:fld id="{52232136-154D-8E49-9F0F-8D035B85AE6F}" type="datetimeFigureOut">
               <a:rPr lang="en-US" smtClean="0"/>
-              <a:t>1/22/2020</a:t>
+              <a:t>3/19/2020</a:t>
             </a:fld>
             <a:endParaRPr lang="en-US"/>
           </a:p>
@@ -3694,7 +4027,7 @@
           <a:p>
             <a:fld id="{52232136-154D-8E49-9F0F-8D035B85AE6F}" type="datetimeFigureOut">
               <a:rPr lang="en-US" smtClean="0"/>
-              <a:t>1/22/2020</a:t>
+              <a:t>3/19/2020</a:t>
             </a:fld>
             <a:endParaRPr lang="en-US"/>
           </a:p>
@@ -3874,7 +4207,7 @@
           <a:p>
             <a:fld id="{52232136-154D-8E49-9F0F-8D035B85AE6F}" type="datetimeFigureOut">
               <a:rPr lang="en-US" smtClean="0"/>
-              <a:t>1/22/2020</a:t>
+              <a:t>3/19/2020</a:t>
             </a:fld>
             <a:endParaRPr lang="en-US"/>
           </a:p>
@@ -4044,7 +4377,7 @@
           <a:p>
             <a:fld id="{52232136-154D-8E49-9F0F-8D035B85AE6F}" type="datetimeFigureOut">
               <a:rPr lang="en-US" smtClean="0"/>
-              <a:t>1/22/2020</a:t>
+              <a:t>3/19/2020</a:t>
             </a:fld>
             <a:endParaRPr lang="en-US"/>
           </a:p>
@@ -4290,7 +4623,7 @@
           <a:p>
             <a:fld id="{52232136-154D-8E49-9F0F-8D035B85AE6F}" type="datetimeFigureOut">
               <a:rPr lang="en-US" smtClean="0"/>
-              <a:t>1/22/2020</a:t>
+              <a:t>3/19/2020</a:t>
             </a:fld>
             <a:endParaRPr lang="en-US"/>
           </a:p>
@@ -4522,7 +4855,7 @@
           <a:p>
             <a:fld id="{52232136-154D-8E49-9F0F-8D035B85AE6F}" type="datetimeFigureOut">
               <a:rPr lang="en-US" smtClean="0"/>
-              <a:t>1/22/2020</a:t>
+              <a:t>3/19/2020</a:t>
             </a:fld>
             <a:endParaRPr lang="en-US"/>
           </a:p>
@@ -4889,7 +5222,7 @@
           <a:p>
             <a:fld id="{52232136-154D-8E49-9F0F-8D035B85AE6F}" type="datetimeFigureOut">
               <a:rPr lang="en-US" smtClean="0"/>
-              <a:t>1/22/2020</a:t>
+              <a:t>3/19/2020</a:t>
             </a:fld>
             <a:endParaRPr lang="en-US"/>
           </a:p>
@@ -5007,7 +5340,7 @@
           <a:p>
             <a:fld id="{52232136-154D-8E49-9F0F-8D035B85AE6F}" type="datetimeFigureOut">
               <a:rPr lang="en-US" smtClean="0"/>
-              <a:t>1/22/2020</a:t>
+              <a:t>3/19/2020</a:t>
             </a:fld>
             <a:endParaRPr lang="en-US"/>
           </a:p>
@@ -5102,7 +5435,7 @@
           <a:p>
             <a:fld id="{52232136-154D-8E49-9F0F-8D035B85AE6F}" type="datetimeFigureOut">
               <a:rPr lang="en-US" smtClean="0"/>
-              <a:t>1/22/2020</a:t>
+              <a:t>3/19/2020</a:t>
             </a:fld>
             <a:endParaRPr lang="en-US"/>
           </a:p>
@@ -5379,7 +5712,7 @@
           <a:p>
             <a:fld id="{52232136-154D-8E49-9F0F-8D035B85AE6F}" type="datetimeFigureOut">
               <a:rPr lang="en-US" smtClean="0"/>
-              <a:t>1/22/2020</a:t>
+              <a:t>3/19/2020</a:t>
             </a:fld>
             <a:endParaRPr lang="en-US"/>
           </a:p>
@@ -5632,7 +5965,7 @@
           <a:p>
             <a:fld id="{52232136-154D-8E49-9F0F-8D035B85AE6F}" type="datetimeFigureOut">
               <a:rPr lang="en-US" smtClean="0"/>
-              <a:t>1/22/2020</a:t>
+              <a:t>3/19/2020</a:t>
             </a:fld>
             <a:endParaRPr lang="en-US"/>
           </a:p>
@@ -5845,7 +6178,7 @@
           <a:p>
             <a:fld id="{52232136-154D-8E49-9F0F-8D035B85AE6F}" type="datetimeFigureOut">
               <a:rPr lang="en-US" smtClean="0"/>
-              <a:t>1/22/2020</a:t>
+              <a:t>3/19/2020</a:t>
             </a:fld>
             <a:endParaRPr lang="en-US"/>
           </a:p>
@@ -6250,892 +6583,6 @@
           <a:chExt cx="0" cy="0"/>
         </a:xfrm>
       </p:grpSpPr>
-      <p:sp>
-        <p:nvSpPr>
-          <p:cNvPr id="5" name="TextBox 4"/>
-          <p:cNvSpPr txBox="1"/>
-          <p:nvPr/>
-        </p:nvSpPr>
-        <p:spPr>
-          <a:xfrm>
-            <a:off x="2702254" y="641447"/>
-            <a:ext cx="7424382" cy="400110"/>
-          </a:xfrm>
-          <a:prstGeom prst="rect">
-            <a:avLst/>
-          </a:prstGeom>
-          <a:noFill/>
-        </p:spPr>
-        <p:txBody>
-          <a:bodyPr wrap="square" rtlCol="0">
-            <a:spAutoFit/>
-          </a:bodyPr>
-          <a:lstStyle/>
-          <a:p>
-            <a:r>
-              <a:rPr lang="en-GB" sz="2000" dirty="0" smtClean="0"/>
-              <a:t>Liquid laundry detergent sales in the US in 2018 (in million US dollars)</a:t>
-            </a:r>
-            <a:endParaRPr lang="en-GB" sz="2000" dirty="0"/>
-          </a:p>
-        </p:txBody>
-      </p:sp>
-      <p:grpSp>
-        <p:nvGrpSpPr>
-          <p:cNvPr id="34" name="Group 33"/>
-          <p:cNvGrpSpPr/>
-          <p:nvPr/>
-        </p:nvGrpSpPr>
-        <p:grpSpPr>
-          <a:xfrm>
-            <a:off x="2342484" y="1331632"/>
-            <a:ext cx="9615230" cy="4933382"/>
-            <a:chOff x="1564562" y="989746"/>
-            <a:chExt cx="9615230" cy="4933382"/>
-          </a:xfrm>
-        </p:grpSpPr>
-        <p:pic>
-          <p:nvPicPr>
-            <p:cNvPr id="4" name="Picture 3"/>
-            <p:cNvPicPr>
-              <a:picLocks noChangeAspect="1"/>
-            </p:cNvPicPr>
-            <p:nvPr/>
-          </p:nvPicPr>
-          <p:blipFill>
-            <a:blip r:embed="rId3"/>
-            <a:stretch>
-              <a:fillRect/>
-            </a:stretch>
-          </p:blipFill>
-          <p:spPr>
-            <a:xfrm>
-              <a:off x="2063956" y="989746"/>
-              <a:ext cx="7460564" cy="4796835"/>
-            </a:xfrm>
-            <a:prstGeom prst="rect">
-              <a:avLst/>
-            </a:prstGeom>
-          </p:spPr>
-        </p:pic>
-        <p:sp>
-          <p:nvSpPr>
-            <p:cNvPr id="18" name="Rectangle 17"/>
-            <p:cNvSpPr/>
-            <p:nvPr/>
-          </p:nvSpPr>
-          <p:spPr>
-            <a:xfrm>
-              <a:off x="6976280" y="1640337"/>
-              <a:ext cx="4203512" cy="532262"/>
-            </a:xfrm>
-            <a:prstGeom prst="rect">
-              <a:avLst/>
-            </a:prstGeom>
-            <a:solidFill>
-              <a:schemeClr val="bg1"/>
-            </a:solidFill>
-            <a:ln>
-              <a:noFill/>
-            </a:ln>
-          </p:spPr>
-          <p:style>
-            <a:lnRef idx="2">
-              <a:schemeClr val="accent1">
-                <a:shade val="50000"/>
-              </a:schemeClr>
-            </a:lnRef>
-            <a:fillRef idx="1">
-              <a:schemeClr val="accent1"/>
-            </a:fillRef>
-            <a:effectRef idx="0">
-              <a:schemeClr val="accent1"/>
-            </a:effectRef>
-            <a:fontRef idx="minor">
-              <a:schemeClr val="lt1"/>
-            </a:fontRef>
-          </p:style>
-          <p:txBody>
-            <a:bodyPr rtlCol="0" anchor="ctr"/>
-            <a:lstStyle/>
-            <a:p>
-              <a:pPr algn="ctr"/>
-              <a:endParaRPr lang="en-GB"/>
-            </a:p>
-          </p:txBody>
-        </p:sp>
-        <p:sp>
-          <p:nvSpPr>
-            <p:cNvPr id="6" name="TextBox 5"/>
-            <p:cNvSpPr txBox="1"/>
-            <p:nvPr/>
-          </p:nvSpPr>
-          <p:spPr>
-            <a:xfrm>
-              <a:off x="8611737" y="1234700"/>
-              <a:ext cx="1419367" cy="369332"/>
-            </a:xfrm>
-            <a:prstGeom prst="rect">
-              <a:avLst/>
-            </a:prstGeom>
-            <a:solidFill>
-              <a:schemeClr val="bg1"/>
-            </a:solidFill>
-          </p:spPr>
-          <p:txBody>
-            <a:bodyPr wrap="square" rtlCol="0">
-              <a:spAutoFit/>
-            </a:bodyPr>
-            <a:lstStyle/>
-            <a:p>
-              <a:r>
-                <a:rPr lang="en-GB" dirty="0" smtClean="0"/>
-                <a:t>1017.75</a:t>
-              </a:r>
-              <a:endParaRPr lang="en-GB" dirty="0"/>
-            </a:p>
-          </p:txBody>
-        </p:sp>
-        <p:sp>
-          <p:nvSpPr>
-            <p:cNvPr id="7" name="TextBox 6"/>
-            <p:cNvSpPr txBox="1"/>
-            <p:nvPr/>
-          </p:nvSpPr>
-          <p:spPr>
-            <a:xfrm>
-              <a:off x="6757916" y="1644975"/>
-              <a:ext cx="1419367" cy="369332"/>
-            </a:xfrm>
-            <a:prstGeom prst="rect">
-              <a:avLst/>
-            </a:prstGeom>
-            <a:solidFill>
-              <a:schemeClr val="bg1"/>
-            </a:solidFill>
-          </p:spPr>
-          <p:txBody>
-            <a:bodyPr wrap="square" rtlCol="0">
-              <a:spAutoFit/>
-            </a:bodyPr>
-            <a:lstStyle/>
-            <a:p>
-              <a:r>
-                <a:rPr lang="en-GB" dirty="0" smtClean="0"/>
-                <a:t>581.11</a:t>
-              </a:r>
-              <a:endParaRPr lang="en-GB" dirty="0"/>
-            </a:p>
-          </p:txBody>
-        </p:sp>
-        <p:sp>
-          <p:nvSpPr>
-            <p:cNvPr id="8" name="TextBox 7"/>
-            <p:cNvSpPr txBox="1"/>
-            <p:nvPr/>
-          </p:nvSpPr>
-          <p:spPr>
-            <a:xfrm>
-              <a:off x="5556913" y="2050612"/>
-              <a:ext cx="1419367" cy="369332"/>
-            </a:xfrm>
-            <a:prstGeom prst="rect">
-              <a:avLst/>
-            </a:prstGeom>
-            <a:solidFill>
-              <a:schemeClr val="bg1"/>
-            </a:solidFill>
-          </p:spPr>
-          <p:txBody>
-            <a:bodyPr wrap="square" rtlCol="0">
-              <a:spAutoFit/>
-            </a:bodyPr>
-            <a:lstStyle/>
-            <a:p>
-              <a:r>
-                <a:rPr lang="en-GB" dirty="0" smtClean="0"/>
-                <a:t>292.9</a:t>
-              </a:r>
-              <a:endParaRPr lang="en-GB" dirty="0"/>
-            </a:p>
-          </p:txBody>
-        </p:sp>
-        <p:sp>
-          <p:nvSpPr>
-            <p:cNvPr id="9" name="TextBox 8"/>
-            <p:cNvSpPr txBox="1"/>
-            <p:nvPr/>
-          </p:nvSpPr>
-          <p:spPr>
-            <a:xfrm>
-              <a:off x="5365845" y="2456628"/>
-              <a:ext cx="1419367" cy="369332"/>
-            </a:xfrm>
-            <a:prstGeom prst="rect">
-              <a:avLst/>
-            </a:prstGeom>
-            <a:solidFill>
-              <a:schemeClr val="bg1"/>
-            </a:solidFill>
-          </p:spPr>
-          <p:txBody>
-            <a:bodyPr wrap="square" rtlCol="0">
-              <a:spAutoFit/>
-            </a:bodyPr>
-            <a:lstStyle/>
-            <a:p>
-              <a:r>
-                <a:rPr lang="en-GB" dirty="0" smtClean="0"/>
-                <a:t>244.77</a:t>
-              </a:r>
-            </a:p>
-          </p:txBody>
-        </p:sp>
-        <p:sp>
-          <p:nvSpPr>
-            <p:cNvPr id="10" name="TextBox 9"/>
-            <p:cNvSpPr txBox="1"/>
-            <p:nvPr/>
-          </p:nvSpPr>
-          <p:spPr>
-            <a:xfrm>
-              <a:off x="5311253" y="2863211"/>
-              <a:ext cx="1419367" cy="369332"/>
-            </a:xfrm>
-            <a:prstGeom prst="rect">
-              <a:avLst/>
-            </a:prstGeom>
-            <a:solidFill>
-              <a:schemeClr val="bg1"/>
-            </a:solidFill>
-          </p:spPr>
-          <p:txBody>
-            <a:bodyPr wrap="square" rtlCol="0">
-              <a:spAutoFit/>
-            </a:bodyPr>
-            <a:lstStyle/>
-            <a:p>
-              <a:r>
-                <a:rPr lang="en-GB" dirty="0" smtClean="0"/>
-                <a:t>229.48</a:t>
-              </a:r>
-            </a:p>
-          </p:txBody>
-        </p:sp>
-        <p:sp>
-          <p:nvSpPr>
-            <p:cNvPr id="11" name="TextBox 10"/>
-            <p:cNvSpPr txBox="1"/>
-            <p:nvPr/>
-          </p:nvSpPr>
-          <p:spPr>
-            <a:xfrm>
-              <a:off x="5256661" y="3278207"/>
-              <a:ext cx="1419367" cy="369332"/>
-            </a:xfrm>
-            <a:prstGeom prst="rect">
-              <a:avLst/>
-            </a:prstGeom>
-            <a:solidFill>
-              <a:schemeClr val="bg1"/>
-            </a:solidFill>
-          </p:spPr>
-          <p:txBody>
-            <a:bodyPr wrap="square" rtlCol="0">
-              <a:spAutoFit/>
-            </a:bodyPr>
-            <a:lstStyle/>
-            <a:p>
-              <a:r>
-                <a:rPr lang="en-GB" dirty="0" smtClean="0"/>
-                <a:t>223.48</a:t>
-              </a:r>
-            </a:p>
-          </p:txBody>
-        </p:sp>
-        <p:sp>
-          <p:nvSpPr>
-            <p:cNvPr id="12" name="TextBox 11"/>
-            <p:cNvSpPr txBox="1"/>
-            <p:nvPr/>
-          </p:nvSpPr>
-          <p:spPr>
-            <a:xfrm>
-              <a:off x="5106537" y="3676737"/>
-              <a:ext cx="1419367" cy="369332"/>
-            </a:xfrm>
-            <a:prstGeom prst="rect">
-              <a:avLst/>
-            </a:prstGeom>
-            <a:solidFill>
-              <a:schemeClr val="bg1"/>
-            </a:solidFill>
-          </p:spPr>
-          <p:txBody>
-            <a:bodyPr wrap="square" rtlCol="0">
-              <a:spAutoFit/>
-            </a:bodyPr>
-            <a:lstStyle/>
-            <a:p>
-              <a:r>
-                <a:rPr lang="en-GB" dirty="0" smtClean="0"/>
-                <a:t>187.79</a:t>
-              </a:r>
-            </a:p>
-          </p:txBody>
-        </p:sp>
-        <p:sp>
-          <p:nvSpPr>
-            <p:cNvPr id="13" name="TextBox 12"/>
-            <p:cNvSpPr txBox="1"/>
-            <p:nvPr/>
-          </p:nvSpPr>
-          <p:spPr>
-            <a:xfrm>
-              <a:off x="5092884" y="4073365"/>
-              <a:ext cx="1419367" cy="369332"/>
-            </a:xfrm>
-            <a:prstGeom prst="rect">
-              <a:avLst/>
-            </a:prstGeom>
-            <a:solidFill>
-              <a:schemeClr val="bg1"/>
-            </a:solidFill>
-          </p:spPr>
-          <p:txBody>
-            <a:bodyPr wrap="square" rtlCol="0">
-              <a:spAutoFit/>
-            </a:bodyPr>
-            <a:lstStyle/>
-            <a:p>
-              <a:r>
-                <a:rPr lang="en-GB" dirty="0" smtClean="0"/>
-                <a:t>185.98</a:t>
-              </a:r>
-            </a:p>
-          </p:txBody>
-        </p:sp>
-        <p:sp>
-          <p:nvSpPr>
-            <p:cNvPr id="14" name="TextBox 13"/>
-            <p:cNvSpPr txBox="1"/>
-            <p:nvPr/>
-          </p:nvSpPr>
-          <p:spPr>
-            <a:xfrm>
-              <a:off x="5045226" y="4493353"/>
-              <a:ext cx="1419367" cy="369332"/>
-            </a:xfrm>
-            <a:prstGeom prst="rect">
-              <a:avLst/>
-            </a:prstGeom>
-            <a:solidFill>
-              <a:schemeClr val="bg1"/>
-            </a:solidFill>
-          </p:spPr>
-          <p:txBody>
-            <a:bodyPr wrap="square" rtlCol="0">
-              <a:spAutoFit/>
-            </a:bodyPr>
-            <a:lstStyle/>
-            <a:p>
-              <a:r>
-                <a:rPr lang="en-GB" dirty="0" smtClean="0"/>
-                <a:t>179.85</a:t>
-              </a:r>
-            </a:p>
-          </p:txBody>
-        </p:sp>
-        <p:sp>
-          <p:nvSpPr>
-            <p:cNvPr id="15" name="TextBox 14"/>
-            <p:cNvSpPr txBox="1"/>
-            <p:nvPr/>
-          </p:nvSpPr>
-          <p:spPr>
-            <a:xfrm>
-              <a:off x="4926840" y="4900709"/>
-              <a:ext cx="1419367" cy="369332"/>
-            </a:xfrm>
-            <a:prstGeom prst="rect">
-              <a:avLst/>
-            </a:prstGeom>
-            <a:solidFill>
-              <a:schemeClr val="bg1"/>
-            </a:solidFill>
-          </p:spPr>
-          <p:txBody>
-            <a:bodyPr wrap="square" rtlCol="0">
-              <a:spAutoFit/>
-            </a:bodyPr>
-            <a:lstStyle/>
-            <a:p>
-              <a:r>
-                <a:rPr lang="en-GB" dirty="0" smtClean="0"/>
-                <a:t>138.8</a:t>
-              </a:r>
-            </a:p>
-          </p:txBody>
-        </p:sp>
-        <p:sp>
-          <p:nvSpPr>
-            <p:cNvPr id="16" name="Rectangle 15"/>
-            <p:cNvSpPr/>
-            <p:nvPr/>
-          </p:nvSpPr>
-          <p:spPr>
-            <a:xfrm>
-              <a:off x="4162567" y="5390866"/>
-              <a:ext cx="5868537" cy="532262"/>
-            </a:xfrm>
-            <a:prstGeom prst="rect">
-              <a:avLst/>
-            </a:prstGeom>
-            <a:solidFill>
-              <a:schemeClr val="bg1"/>
-            </a:solidFill>
-            <a:ln>
-              <a:noFill/>
-            </a:ln>
-          </p:spPr>
-          <p:style>
-            <a:lnRef idx="2">
-              <a:schemeClr val="accent1">
-                <a:shade val="50000"/>
-              </a:schemeClr>
-            </a:lnRef>
-            <a:fillRef idx="1">
-              <a:schemeClr val="accent1"/>
-            </a:fillRef>
-            <a:effectRef idx="0">
-              <a:schemeClr val="accent1"/>
-            </a:effectRef>
-            <a:fontRef idx="minor">
-              <a:schemeClr val="lt1"/>
-            </a:fontRef>
-          </p:style>
-          <p:txBody>
-            <a:bodyPr rtlCol="0" anchor="ctr"/>
-            <a:lstStyle/>
-            <a:p>
-              <a:pPr algn="ctr"/>
-              <a:endParaRPr lang="en-GB"/>
-            </a:p>
-          </p:txBody>
-        </p:sp>
-        <p:sp>
-          <p:nvSpPr>
-            <p:cNvPr id="17" name="Rectangle 16"/>
-            <p:cNvSpPr/>
-            <p:nvPr/>
-          </p:nvSpPr>
-          <p:spPr>
-            <a:xfrm>
-              <a:off x="6405240" y="2143402"/>
-              <a:ext cx="4376491" cy="3126639"/>
-            </a:xfrm>
-            <a:prstGeom prst="rect">
-              <a:avLst/>
-            </a:prstGeom>
-            <a:solidFill>
-              <a:schemeClr val="bg1"/>
-            </a:solidFill>
-            <a:ln>
-              <a:noFill/>
-            </a:ln>
-          </p:spPr>
-          <p:style>
-            <a:lnRef idx="2">
-              <a:schemeClr val="accent1">
-                <a:shade val="50000"/>
-              </a:schemeClr>
-            </a:lnRef>
-            <a:fillRef idx="1">
-              <a:schemeClr val="accent1"/>
-            </a:fillRef>
-            <a:effectRef idx="0">
-              <a:schemeClr val="accent1"/>
-            </a:effectRef>
-            <a:fontRef idx="minor">
-              <a:schemeClr val="lt1"/>
-            </a:fontRef>
-          </p:style>
-          <p:txBody>
-            <a:bodyPr rtlCol="0" anchor="ctr"/>
-            <a:lstStyle/>
-            <a:p>
-              <a:pPr algn="ctr"/>
-              <a:endParaRPr lang="en-GB"/>
-            </a:p>
-          </p:txBody>
-        </p:sp>
-        <p:sp>
-          <p:nvSpPr>
-            <p:cNvPr id="19" name="TextBox 18"/>
-            <p:cNvSpPr txBox="1"/>
-            <p:nvPr/>
-          </p:nvSpPr>
-          <p:spPr>
-            <a:xfrm>
-              <a:off x="3648507" y="1262915"/>
-              <a:ext cx="611872" cy="338554"/>
-            </a:xfrm>
-            <a:prstGeom prst="rect">
-              <a:avLst/>
-            </a:prstGeom>
-            <a:solidFill>
-              <a:schemeClr val="bg1"/>
-            </a:solidFill>
-          </p:spPr>
-          <p:txBody>
-            <a:bodyPr wrap="square" rtlCol="0">
-              <a:spAutoFit/>
-            </a:bodyPr>
-            <a:lstStyle/>
-            <a:p>
-              <a:r>
-                <a:rPr lang="en-GB" sz="1600" dirty="0" smtClean="0"/>
-                <a:t>Tide</a:t>
-              </a:r>
-              <a:endParaRPr lang="en-GB" sz="1600" dirty="0"/>
-            </a:p>
-          </p:txBody>
-        </p:sp>
-        <p:sp>
-          <p:nvSpPr>
-            <p:cNvPr id="20" name="TextBox 19"/>
-            <p:cNvSpPr txBox="1"/>
-            <p:nvPr/>
-          </p:nvSpPr>
-          <p:spPr>
-            <a:xfrm>
-              <a:off x="3612220" y="1662105"/>
-              <a:ext cx="611872" cy="338554"/>
-            </a:xfrm>
-            <a:prstGeom prst="rect">
-              <a:avLst/>
-            </a:prstGeom>
-            <a:solidFill>
-              <a:schemeClr val="bg1"/>
-            </a:solidFill>
-          </p:spPr>
-          <p:txBody>
-            <a:bodyPr wrap="square" rtlCol="0">
-              <a:spAutoFit/>
-            </a:bodyPr>
-            <a:lstStyle/>
-            <a:p>
-              <a:r>
-                <a:rPr lang="en-GB" sz="1600" dirty="0" smtClean="0"/>
-                <a:t>Gain</a:t>
-              </a:r>
-              <a:endParaRPr lang="en-GB" sz="1600" dirty="0"/>
-            </a:p>
-          </p:txBody>
-        </p:sp>
-        <p:sp>
-          <p:nvSpPr>
-            <p:cNvPr id="21" name="TextBox 20"/>
-            <p:cNvSpPr txBox="1"/>
-            <p:nvPr/>
-          </p:nvSpPr>
-          <p:spPr>
-            <a:xfrm>
-              <a:off x="1700396" y="2074890"/>
-              <a:ext cx="2575904" cy="338554"/>
-            </a:xfrm>
-            <a:prstGeom prst="rect">
-              <a:avLst/>
-            </a:prstGeom>
-            <a:solidFill>
-              <a:schemeClr val="bg1"/>
-            </a:solidFill>
-          </p:spPr>
-          <p:txBody>
-            <a:bodyPr wrap="square" rtlCol="0">
-              <a:spAutoFit/>
-            </a:bodyPr>
-            <a:lstStyle/>
-            <a:p>
-              <a:r>
-                <a:rPr lang="en-GB" sz="1600" dirty="0" smtClean="0"/>
-                <a:t>Tide Simply Clean and Fresh</a:t>
-              </a:r>
-              <a:endParaRPr lang="en-GB" sz="1600" dirty="0"/>
-            </a:p>
-          </p:txBody>
-        </p:sp>
-        <p:sp>
-          <p:nvSpPr>
-            <p:cNvPr id="22" name="TextBox 21"/>
-            <p:cNvSpPr txBox="1"/>
-            <p:nvPr/>
-          </p:nvSpPr>
-          <p:spPr>
-            <a:xfrm>
-              <a:off x="2721812" y="2474080"/>
-              <a:ext cx="1508995" cy="338554"/>
-            </a:xfrm>
-            <a:prstGeom prst="rect">
-              <a:avLst/>
-            </a:prstGeom>
-            <a:solidFill>
-              <a:schemeClr val="bg1"/>
-            </a:solidFill>
-          </p:spPr>
-          <p:txBody>
-            <a:bodyPr wrap="square" rtlCol="0">
-              <a:spAutoFit/>
-            </a:bodyPr>
-            <a:lstStyle/>
-            <a:p>
-              <a:r>
-                <a:rPr lang="en-GB" sz="1600" dirty="0" smtClean="0"/>
-                <a:t>Arm &amp; Hammer</a:t>
-              </a:r>
-              <a:endParaRPr lang="en-GB" sz="1600" dirty="0"/>
-            </a:p>
-          </p:txBody>
-        </p:sp>
-        <p:sp>
-          <p:nvSpPr>
-            <p:cNvPr id="23" name="TextBox 22"/>
-            <p:cNvSpPr txBox="1"/>
-            <p:nvPr/>
-          </p:nvSpPr>
-          <p:spPr>
-            <a:xfrm>
-              <a:off x="3512701" y="2850989"/>
-              <a:ext cx="742552" cy="338554"/>
-            </a:xfrm>
-            <a:prstGeom prst="rect">
-              <a:avLst/>
-            </a:prstGeom>
-            <a:solidFill>
-              <a:schemeClr val="bg1"/>
-            </a:solidFill>
-          </p:spPr>
-          <p:txBody>
-            <a:bodyPr wrap="square" rtlCol="0">
-              <a:spAutoFit/>
-            </a:bodyPr>
-            <a:lstStyle/>
-            <a:p>
-              <a:r>
-                <a:rPr lang="en-GB" sz="1600" dirty="0" smtClean="0"/>
-                <a:t>Purex</a:t>
-              </a:r>
-              <a:endParaRPr lang="en-GB" sz="1600" dirty="0"/>
-            </a:p>
-          </p:txBody>
-        </p:sp>
-        <p:sp>
-          <p:nvSpPr>
-            <p:cNvPr id="24" name="TextBox 23"/>
-            <p:cNvSpPr txBox="1"/>
-            <p:nvPr/>
-          </p:nvSpPr>
-          <p:spPr>
-            <a:xfrm>
-              <a:off x="1778973" y="3288826"/>
-              <a:ext cx="2497327" cy="338554"/>
-            </a:xfrm>
-            <a:prstGeom prst="rect">
-              <a:avLst/>
-            </a:prstGeom>
-            <a:solidFill>
-              <a:schemeClr val="bg1"/>
-            </a:solidFill>
-          </p:spPr>
-          <p:txBody>
-            <a:bodyPr wrap="square" rtlCol="0">
-              <a:spAutoFit/>
-            </a:bodyPr>
-            <a:lstStyle/>
-            <a:p>
-              <a:r>
-                <a:rPr lang="en-GB" sz="1600" dirty="0" smtClean="0"/>
-                <a:t>Tide Plus a Touch of Downy</a:t>
-              </a:r>
-              <a:endParaRPr lang="en-GB" sz="1600" dirty="0"/>
-            </a:p>
-          </p:txBody>
-        </p:sp>
-        <p:sp>
-          <p:nvSpPr>
-            <p:cNvPr id="25" name="Rectangle 24"/>
-            <p:cNvSpPr/>
-            <p:nvPr/>
-          </p:nvSpPr>
-          <p:spPr>
-            <a:xfrm>
-              <a:off x="1893591" y="3006107"/>
-              <a:ext cx="896399" cy="334708"/>
-            </a:xfrm>
-            <a:prstGeom prst="rect">
-              <a:avLst/>
-            </a:prstGeom>
-            <a:solidFill>
-              <a:schemeClr val="bg1"/>
-            </a:solidFill>
-            <a:ln>
-              <a:noFill/>
-            </a:ln>
-          </p:spPr>
-          <p:style>
-            <a:lnRef idx="2">
-              <a:schemeClr val="accent1">
-                <a:shade val="50000"/>
-              </a:schemeClr>
-            </a:lnRef>
-            <a:fillRef idx="1">
-              <a:schemeClr val="accent1"/>
-            </a:fillRef>
-            <a:effectRef idx="0">
-              <a:schemeClr val="accent1"/>
-            </a:effectRef>
-            <a:fontRef idx="minor">
-              <a:schemeClr val="lt1"/>
-            </a:fontRef>
-          </p:style>
-          <p:txBody>
-            <a:bodyPr rtlCol="0" anchor="ctr"/>
-            <a:lstStyle/>
-            <a:p>
-              <a:pPr algn="ctr"/>
-              <a:endParaRPr lang="en-GB"/>
-            </a:p>
-          </p:txBody>
-        </p:sp>
-        <p:sp>
-          <p:nvSpPr>
-            <p:cNvPr id="27" name="TextBox 26"/>
-            <p:cNvSpPr txBox="1"/>
-            <p:nvPr/>
-          </p:nvSpPr>
-          <p:spPr>
-            <a:xfrm>
-              <a:off x="1564562" y="3679857"/>
-              <a:ext cx="2695817" cy="338554"/>
-            </a:xfrm>
-            <a:prstGeom prst="rect">
-              <a:avLst/>
-            </a:prstGeom>
-            <a:solidFill>
-              <a:schemeClr val="bg1"/>
-            </a:solidFill>
-          </p:spPr>
-          <p:txBody>
-            <a:bodyPr wrap="square" rtlCol="0">
-              <a:spAutoFit/>
-            </a:bodyPr>
-            <a:lstStyle/>
-            <a:p>
-              <a:r>
-                <a:rPr lang="en-GB" sz="1600" dirty="0" smtClean="0"/>
-                <a:t>Arm &amp; Hammer Plus Oxi Clean</a:t>
-              </a:r>
-              <a:endParaRPr lang="en-GB" sz="1600" dirty="0"/>
-            </a:p>
-          </p:txBody>
-        </p:sp>
-        <p:sp>
-          <p:nvSpPr>
-            <p:cNvPr id="28" name="TextBox 27"/>
-            <p:cNvSpPr txBox="1"/>
-            <p:nvPr/>
-          </p:nvSpPr>
-          <p:spPr>
-            <a:xfrm>
-              <a:off x="2646588" y="4075106"/>
-              <a:ext cx="1636616" cy="338554"/>
-            </a:xfrm>
-            <a:prstGeom prst="rect">
-              <a:avLst/>
-            </a:prstGeom>
-            <a:solidFill>
-              <a:schemeClr val="bg1"/>
-            </a:solidFill>
-          </p:spPr>
-          <p:txBody>
-            <a:bodyPr wrap="square" rtlCol="0">
-              <a:spAutoFit/>
-            </a:bodyPr>
-            <a:lstStyle/>
-            <a:p>
-              <a:r>
-                <a:rPr lang="en-GB" sz="1600" dirty="0" smtClean="0"/>
-                <a:t>Tide Plus Febreze</a:t>
-              </a:r>
-              <a:endParaRPr lang="en-GB" sz="1600" dirty="0"/>
-            </a:p>
-          </p:txBody>
-        </p:sp>
-        <p:sp>
-          <p:nvSpPr>
-            <p:cNvPr id="29" name="TextBox 28"/>
-            <p:cNvSpPr txBox="1"/>
-            <p:nvPr/>
-          </p:nvSpPr>
-          <p:spPr>
-            <a:xfrm>
-              <a:off x="2782662" y="4512651"/>
-              <a:ext cx="1500542" cy="338554"/>
-            </a:xfrm>
-            <a:prstGeom prst="rect">
-              <a:avLst/>
-            </a:prstGeom>
-            <a:solidFill>
-              <a:schemeClr val="bg1"/>
-            </a:solidFill>
-          </p:spPr>
-          <p:txBody>
-            <a:bodyPr wrap="square" rtlCol="0">
-              <a:spAutoFit/>
-            </a:bodyPr>
-            <a:lstStyle/>
-            <a:p>
-              <a:r>
-                <a:rPr lang="en-GB" sz="1600" dirty="0" smtClean="0"/>
-                <a:t>Persil Pro Clean</a:t>
-              </a:r>
-              <a:endParaRPr lang="en-GB" sz="1600" dirty="0"/>
-            </a:p>
-          </p:txBody>
-        </p:sp>
-        <p:sp>
-          <p:nvSpPr>
-            <p:cNvPr id="30" name="TextBox 29"/>
-            <p:cNvSpPr txBox="1"/>
-            <p:nvPr/>
-          </p:nvSpPr>
-          <p:spPr>
-            <a:xfrm>
-              <a:off x="3706037" y="4900709"/>
-              <a:ext cx="549216" cy="338554"/>
-            </a:xfrm>
-            <a:prstGeom prst="rect">
-              <a:avLst/>
-            </a:prstGeom>
-            <a:solidFill>
-              <a:schemeClr val="bg1"/>
-            </a:solidFill>
-          </p:spPr>
-          <p:txBody>
-            <a:bodyPr wrap="square" rtlCol="0">
-              <a:spAutoFit/>
-            </a:bodyPr>
-            <a:lstStyle/>
-            <a:p>
-              <a:r>
-                <a:rPr lang="en-GB" sz="1600" dirty="0" smtClean="0"/>
-                <a:t>Xtra</a:t>
-              </a:r>
-              <a:endParaRPr lang="en-GB" sz="1600" dirty="0"/>
-            </a:p>
-          </p:txBody>
-        </p:sp>
-      </p:grpSp>
       <p:pic>
         <p:nvPicPr>
           <p:cNvPr id="35" name="Picture 34"/>
@@ -7145,7 +6592,7 @@
           <p:nvPr/>
         </p:nvPicPr>
         <p:blipFill>
-          <a:blip r:embed="rId4">
+          <a:blip r:embed="rId3">
             <a:extLst>
               <a:ext uri="{28A0092B-C50C-407E-A947-70E740481C1C}">
                 <a14:useLocalDpi xmlns:a14="http://schemas.microsoft.com/office/drawing/2010/main" val="0"/>
@@ -7158,202 +6605,14 @@
         </p:blipFill>
         <p:spPr>
           <a:xfrm>
-            <a:off x="4066055" y="1579801"/>
-            <a:ext cx="345648" cy="345648"/>
+            <a:off x="4764833" y="2097833"/>
+            <a:ext cx="2662334" cy="2662334"/>
           </a:xfrm>
           <a:prstGeom prst="rect">
             <a:avLst/>
           </a:prstGeom>
         </p:spPr>
       </p:pic>
-      <p:pic>
-        <p:nvPicPr>
-          <p:cNvPr id="37" name="Picture 36"/>
-          <p:cNvPicPr>
-            <a:picLocks noChangeAspect="1"/>
-          </p:cNvPicPr>
-          <p:nvPr/>
-        </p:nvPicPr>
-        <p:blipFill>
-          <a:blip r:embed="rId4">
-            <a:extLst>
-              <a:ext uri="{28A0092B-C50C-407E-A947-70E740481C1C}">
-                <a14:useLocalDpi xmlns:a14="http://schemas.microsoft.com/office/drawing/2010/main" val="0"/>
-              </a:ext>
-            </a:extLst>
-          </a:blip>
-          <a:stretch>
-            <a:fillRect/>
-          </a:stretch>
-        </p:blipFill>
-        <p:spPr>
-          <a:xfrm>
-            <a:off x="4062758" y="2018164"/>
-            <a:ext cx="345648" cy="345648"/>
-          </a:xfrm>
-          <a:prstGeom prst="rect">
-            <a:avLst/>
-          </a:prstGeom>
-        </p:spPr>
-      </p:pic>
-      <p:pic>
-        <p:nvPicPr>
-          <p:cNvPr id="38" name="Picture 37"/>
-          <p:cNvPicPr>
-            <a:picLocks noChangeAspect="1"/>
-          </p:cNvPicPr>
-          <p:nvPr/>
-        </p:nvPicPr>
-        <p:blipFill>
-          <a:blip r:embed="rId4">
-            <a:extLst>
-              <a:ext uri="{28A0092B-C50C-407E-A947-70E740481C1C}">
-                <a14:useLocalDpi xmlns:a14="http://schemas.microsoft.com/office/drawing/2010/main" val="0"/>
-              </a:ext>
-            </a:extLst>
-          </a:blip>
-          <a:stretch>
-            <a:fillRect/>
-          </a:stretch>
-        </p:blipFill>
-        <p:spPr>
-          <a:xfrm>
-            <a:off x="2156012" y="2420661"/>
-            <a:ext cx="345648" cy="345648"/>
-          </a:xfrm>
-          <a:prstGeom prst="rect">
-            <a:avLst/>
-          </a:prstGeom>
-        </p:spPr>
-      </p:pic>
-      <p:pic>
-        <p:nvPicPr>
-          <p:cNvPr id="39" name="Picture 38"/>
-          <p:cNvPicPr>
-            <a:picLocks noChangeAspect="1"/>
-          </p:cNvPicPr>
-          <p:nvPr/>
-        </p:nvPicPr>
-        <p:blipFill>
-          <a:blip r:embed="rId4">
-            <a:extLst>
-              <a:ext uri="{28A0092B-C50C-407E-A947-70E740481C1C}">
-                <a14:useLocalDpi xmlns:a14="http://schemas.microsoft.com/office/drawing/2010/main" val="0"/>
-              </a:ext>
-            </a:extLst>
-          </a:blip>
-          <a:stretch>
-            <a:fillRect/>
-          </a:stretch>
-        </p:blipFill>
-        <p:spPr>
-          <a:xfrm>
-            <a:off x="2227712" y="3617064"/>
-            <a:ext cx="345648" cy="345648"/>
-          </a:xfrm>
-          <a:prstGeom prst="rect">
-            <a:avLst/>
-          </a:prstGeom>
-        </p:spPr>
-      </p:pic>
-      <p:pic>
-        <p:nvPicPr>
-          <p:cNvPr id="40" name="Picture 39"/>
-          <p:cNvPicPr>
-            <a:picLocks noChangeAspect="1"/>
-          </p:cNvPicPr>
-          <p:nvPr/>
-        </p:nvPicPr>
-        <p:blipFill>
-          <a:blip r:embed="rId4">
-            <a:extLst>
-              <a:ext uri="{28A0092B-C50C-407E-A947-70E740481C1C}">
-                <a14:useLocalDpi xmlns:a14="http://schemas.microsoft.com/office/drawing/2010/main" val="0"/>
-              </a:ext>
-            </a:extLst>
-          </a:blip>
-          <a:stretch>
-            <a:fillRect/>
-          </a:stretch>
-        </p:blipFill>
-        <p:spPr>
-          <a:xfrm>
-            <a:off x="3100706" y="4413255"/>
-            <a:ext cx="345648" cy="345648"/>
-          </a:xfrm>
-          <a:prstGeom prst="rect">
-            <a:avLst/>
-          </a:prstGeom>
-        </p:spPr>
-      </p:pic>
-      <p:pic>
-        <p:nvPicPr>
-          <p:cNvPr id="41" name="Picture 40"/>
-          <p:cNvPicPr>
-            <a:picLocks noChangeAspect="1"/>
-          </p:cNvPicPr>
-          <p:nvPr/>
-        </p:nvPicPr>
-        <p:blipFill>
-          <a:blip r:embed="rId4">
-            <a:extLst>
-              <a:ext uri="{28A0092B-C50C-407E-A947-70E740481C1C}">
-                <a14:useLocalDpi xmlns:a14="http://schemas.microsoft.com/office/drawing/2010/main" val="0"/>
-              </a:ext>
-            </a:extLst>
-          </a:blip>
-          <a:stretch>
-            <a:fillRect/>
-          </a:stretch>
-        </p:blipFill>
-        <p:spPr>
-          <a:xfrm>
-            <a:off x="4153262" y="5250591"/>
-            <a:ext cx="345648" cy="345648"/>
-          </a:xfrm>
-          <a:prstGeom prst="rect">
-            <a:avLst/>
-          </a:prstGeom>
-        </p:spPr>
-      </p:pic>
-      <p:sp>
-        <p:nvSpPr>
-          <p:cNvPr id="2" name="TextBox 1"/>
-          <p:cNvSpPr txBox="1"/>
-          <p:nvPr/>
-        </p:nvSpPr>
-        <p:spPr>
-          <a:xfrm>
-            <a:off x="1347009" y="6457271"/>
-            <a:ext cx="9975652" cy="369332"/>
-          </a:xfrm>
-          <a:prstGeom prst="rect">
-            <a:avLst/>
-          </a:prstGeom>
-          <a:noFill/>
-        </p:spPr>
-        <p:txBody>
-          <a:bodyPr wrap="square" rtlCol="0">
-            <a:spAutoFit/>
-          </a:bodyPr>
-          <a:lstStyle/>
-          <a:p>
-            <a:r>
-              <a:rPr lang="en-GB" dirty="0" smtClean="0">
-                <a:hlinkClick r:id="rId5"/>
-              </a:rPr>
-              <a:t>https</a:t>
-            </a:r>
-            <a:r>
-              <a:rPr lang="en-GB" dirty="0">
-                <a:hlinkClick r:id="rId5"/>
-              </a:rPr>
-              <a:t>://www.statista.com/statistics/188716/top-liquid-laundry-detergent-brands-in-the-united-states/</a:t>
-            </a:r>
-            <a:endParaRPr lang="en-GB" dirty="0"/>
-          </a:p>
-        </p:txBody>
-      </p:sp>
     </p:spTree>
     <p:extLst>
       <p:ext uri="{BB962C8B-B14F-4D97-AF65-F5344CB8AC3E}">
@@ -7375,6 +6634,833 @@
 </file>
 
 <file path=ppt/slides/slide10.xml><?xml version="1.0" encoding="utf-8"?>
+<p:sld xmlns:a="http://schemas.openxmlformats.org/drawingml/2006/main" xmlns:r="http://schemas.openxmlformats.org/officeDocument/2006/relationships" xmlns:p="http://schemas.openxmlformats.org/presentationml/2006/main">
+  <p:cSld>
+    <p:spTree>
+      <p:nvGrpSpPr>
+        <p:cNvPr id="1" name=""/>
+        <p:cNvGrpSpPr/>
+        <p:nvPr/>
+      </p:nvGrpSpPr>
+      <p:grpSpPr>
+        <a:xfrm>
+          <a:off x="0" y="0"/>
+          <a:ext cx="0" cy="0"/>
+          <a:chOff x="0" y="0"/>
+          <a:chExt cx="0" cy="0"/>
+        </a:xfrm>
+      </p:grpSpPr>
+      <p:sp>
+        <p:nvSpPr>
+          <p:cNvPr id="6" name="Title 1"/>
+          <p:cNvSpPr>
+            <a:spLocks noGrp="1"/>
+          </p:cNvSpPr>
+          <p:nvPr>
+            <p:ph type="title"/>
+          </p:nvPr>
+        </p:nvSpPr>
+        <p:spPr>
+          <a:xfrm>
+            <a:off x="838200" y="365125"/>
+            <a:ext cx="10515600" cy="1325563"/>
+          </a:xfrm>
+        </p:spPr>
+        <p:txBody>
+          <a:bodyPr/>
+          <a:lstStyle/>
+          <a:p>
+            <a:r>
+              <a:rPr lang="en-GB" dirty="0" smtClean="0"/>
+              <a:t>Rasch Measurement Theory</a:t>
+            </a:r>
+            <a:endParaRPr lang="en-GB" dirty="0"/>
+          </a:p>
+        </p:txBody>
+      </p:sp>
+      <p:grpSp>
+        <p:nvGrpSpPr>
+          <p:cNvPr id="24" name="Group 23"/>
+          <p:cNvGrpSpPr/>
+          <p:nvPr/>
+        </p:nvGrpSpPr>
+        <p:grpSpPr>
+          <a:xfrm>
+            <a:off x="7391400" y="5029695"/>
+            <a:ext cx="3657600" cy="904190"/>
+            <a:chOff x="7124700" y="4976813"/>
+            <a:chExt cx="3657600" cy="904190"/>
+          </a:xfrm>
+        </p:grpSpPr>
+        <p:sp>
+          <p:nvSpPr>
+            <p:cNvPr id="19" name="Rounded Rectangle 18"/>
+            <p:cNvSpPr/>
+            <p:nvPr/>
+          </p:nvSpPr>
+          <p:spPr>
+            <a:xfrm>
+              <a:off x="7124700" y="4976813"/>
+              <a:ext cx="3657600" cy="904190"/>
+            </a:xfrm>
+            <a:prstGeom prst="roundRect">
+              <a:avLst/>
+            </a:prstGeom>
+            <a:effectLst>
+              <a:outerShdw blurRad="50800" dist="38100" dir="2700000" algn="tl" rotWithShape="0">
+                <a:prstClr val="black">
+                  <a:alpha val="40000"/>
+                </a:prstClr>
+              </a:outerShdw>
+            </a:effectLst>
+          </p:spPr>
+          <p:style>
+            <a:lnRef idx="1">
+              <a:schemeClr val="accent2"/>
+            </a:lnRef>
+            <a:fillRef idx="2">
+              <a:schemeClr val="accent2"/>
+            </a:fillRef>
+            <a:effectRef idx="1">
+              <a:schemeClr val="accent2"/>
+            </a:effectRef>
+            <a:fontRef idx="minor">
+              <a:schemeClr val="dk1"/>
+            </a:fontRef>
+          </p:style>
+          <p:txBody>
+            <a:bodyPr rtlCol="0" anchor="ctr"/>
+            <a:lstStyle/>
+            <a:p>
+              <a:pPr algn="ctr"/>
+              <a:endParaRPr lang="en-GB"/>
+            </a:p>
+          </p:txBody>
+        </p:sp>
+        <p:sp>
+          <p:nvSpPr>
+            <p:cNvPr id="3" name="TextBox 2"/>
+            <p:cNvSpPr txBox="1"/>
+            <p:nvPr/>
+          </p:nvSpPr>
+          <p:spPr>
+            <a:xfrm>
+              <a:off x="7429500" y="5105743"/>
+              <a:ext cx="3048000" cy="646331"/>
+            </a:xfrm>
+            <a:prstGeom prst="rect">
+              <a:avLst/>
+            </a:prstGeom>
+            <a:noFill/>
+          </p:spPr>
+          <p:txBody>
+            <a:bodyPr wrap="square" rtlCol="0">
+              <a:spAutoFit/>
+            </a:bodyPr>
+            <a:lstStyle/>
+            <a:p>
+              <a:pPr algn="ctr"/>
+              <a:r>
+                <a:rPr lang="en-GB" b="1" dirty="0" smtClean="0"/>
+                <a:t>Likelihood to endorse usual laundry product</a:t>
+              </a:r>
+              <a:endParaRPr lang="en-GB" b="1" dirty="0"/>
+            </a:p>
+          </p:txBody>
+        </p:sp>
+      </p:grpSp>
+      <p:grpSp>
+        <p:nvGrpSpPr>
+          <p:cNvPr id="29" name="Group 28"/>
+          <p:cNvGrpSpPr/>
+          <p:nvPr/>
+        </p:nvGrpSpPr>
+        <p:grpSpPr>
+          <a:xfrm>
+            <a:off x="1085850" y="5029695"/>
+            <a:ext cx="3657600" cy="904190"/>
+            <a:chOff x="1085850" y="5029695"/>
+            <a:chExt cx="3657600" cy="904190"/>
+          </a:xfrm>
+        </p:grpSpPr>
+        <p:sp>
+          <p:nvSpPr>
+            <p:cNvPr id="18" name="Rounded Rectangle 17"/>
+            <p:cNvSpPr/>
+            <p:nvPr/>
+          </p:nvSpPr>
+          <p:spPr>
+            <a:xfrm>
+              <a:off x="1085850" y="5029695"/>
+              <a:ext cx="3657600" cy="904190"/>
+            </a:xfrm>
+            <a:prstGeom prst="roundRect">
+              <a:avLst/>
+            </a:prstGeom>
+            <a:effectLst>
+              <a:outerShdw blurRad="50800" dist="38100" dir="2700000" algn="tl" rotWithShape="0">
+                <a:prstClr val="black">
+                  <a:alpha val="40000"/>
+                </a:prstClr>
+              </a:outerShdw>
+            </a:effectLst>
+          </p:spPr>
+          <p:style>
+            <a:lnRef idx="1">
+              <a:schemeClr val="accent2"/>
+            </a:lnRef>
+            <a:fillRef idx="2">
+              <a:schemeClr val="accent2"/>
+            </a:fillRef>
+            <a:effectRef idx="1">
+              <a:schemeClr val="accent2"/>
+            </a:effectRef>
+            <a:fontRef idx="minor">
+              <a:schemeClr val="dk1"/>
+            </a:fontRef>
+          </p:style>
+          <p:txBody>
+            <a:bodyPr rtlCol="0" anchor="ctr"/>
+            <a:lstStyle/>
+            <a:p>
+              <a:pPr algn="ctr"/>
+              <a:endParaRPr lang="en-GB"/>
+            </a:p>
+          </p:txBody>
+        </p:sp>
+        <p:sp>
+          <p:nvSpPr>
+            <p:cNvPr id="13" name="TextBox 12"/>
+            <p:cNvSpPr txBox="1"/>
+            <p:nvPr/>
+          </p:nvSpPr>
+          <p:spPr>
+            <a:xfrm>
+              <a:off x="1390650" y="5250958"/>
+              <a:ext cx="3048000" cy="461665"/>
+            </a:xfrm>
+            <a:prstGeom prst="rect">
+              <a:avLst/>
+            </a:prstGeom>
+            <a:noFill/>
+          </p:spPr>
+          <p:txBody>
+            <a:bodyPr wrap="square" rtlCol="0">
+              <a:spAutoFit/>
+            </a:bodyPr>
+            <a:lstStyle/>
+            <a:p>
+              <a:pPr algn="ctr"/>
+              <a:r>
+                <a:rPr lang="en-GB" sz="2400" b="1" dirty="0" smtClean="0"/>
+                <a:t>Person ability</a:t>
+              </a:r>
+              <a:endParaRPr lang="en-GB" sz="2400" b="1" dirty="0"/>
+            </a:p>
+          </p:txBody>
+        </p:sp>
+      </p:grpSp>
+      <p:grpSp>
+        <p:nvGrpSpPr>
+          <p:cNvPr id="28" name="Group 27"/>
+          <p:cNvGrpSpPr/>
+          <p:nvPr/>
+        </p:nvGrpSpPr>
+        <p:grpSpPr>
+          <a:xfrm>
+            <a:off x="1107831" y="3344302"/>
+            <a:ext cx="3657600" cy="904190"/>
+            <a:chOff x="1107831" y="3344302"/>
+            <a:chExt cx="3657600" cy="904190"/>
+          </a:xfrm>
+        </p:grpSpPr>
+        <p:sp>
+          <p:nvSpPr>
+            <p:cNvPr id="5" name="Rounded Rectangle 4"/>
+            <p:cNvSpPr/>
+            <p:nvPr/>
+          </p:nvSpPr>
+          <p:spPr>
+            <a:xfrm>
+              <a:off x="1107831" y="3344302"/>
+              <a:ext cx="3657600" cy="904190"/>
+            </a:xfrm>
+            <a:prstGeom prst="roundRect">
+              <a:avLst/>
+            </a:prstGeom>
+            <a:effectLst>
+              <a:outerShdw blurRad="50800" dist="38100" dir="2700000" algn="tl" rotWithShape="0">
+                <a:prstClr val="black">
+                  <a:alpha val="40000"/>
+                </a:prstClr>
+              </a:outerShdw>
+            </a:effectLst>
+          </p:spPr>
+          <p:style>
+            <a:lnRef idx="1">
+              <a:schemeClr val="accent4"/>
+            </a:lnRef>
+            <a:fillRef idx="2">
+              <a:schemeClr val="accent4"/>
+            </a:fillRef>
+            <a:effectRef idx="1">
+              <a:schemeClr val="accent4"/>
+            </a:effectRef>
+            <a:fontRef idx="minor">
+              <a:schemeClr val="dk1"/>
+            </a:fontRef>
+          </p:style>
+          <p:txBody>
+            <a:bodyPr rtlCol="0" anchor="ctr"/>
+            <a:lstStyle/>
+            <a:p>
+              <a:pPr algn="ctr"/>
+              <a:endParaRPr lang="en-GB"/>
+            </a:p>
+          </p:txBody>
+        </p:sp>
+        <p:sp>
+          <p:nvSpPr>
+            <p:cNvPr id="15" name="TextBox 14"/>
+            <p:cNvSpPr txBox="1"/>
+            <p:nvPr/>
+          </p:nvSpPr>
+          <p:spPr>
+            <a:xfrm>
+              <a:off x="1412631" y="3565565"/>
+              <a:ext cx="3048000" cy="461665"/>
+            </a:xfrm>
+            <a:prstGeom prst="rect">
+              <a:avLst/>
+            </a:prstGeom>
+            <a:noFill/>
+          </p:spPr>
+          <p:txBody>
+            <a:bodyPr wrap="square" rtlCol="0">
+              <a:spAutoFit/>
+            </a:bodyPr>
+            <a:lstStyle/>
+            <a:p>
+              <a:pPr algn="ctr"/>
+              <a:r>
+                <a:rPr lang="en-GB" sz="2400" b="1" dirty="0" smtClean="0"/>
+                <a:t>Item difficulty</a:t>
+              </a:r>
+              <a:endParaRPr lang="en-GB" sz="2400" b="1" dirty="0"/>
+            </a:p>
+          </p:txBody>
+        </p:sp>
+      </p:grpSp>
+      <p:grpSp>
+        <p:nvGrpSpPr>
+          <p:cNvPr id="25" name="Group 24"/>
+          <p:cNvGrpSpPr/>
+          <p:nvPr/>
+        </p:nvGrpSpPr>
+        <p:grpSpPr>
+          <a:xfrm>
+            <a:off x="7391400" y="3344302"/>
+            <a:ext cx="3657600" cy="904190"/>
+            <a:chOff x="7124700" y="3329073"/>
+            <a:chExt cx="3657600" cy="904190"/>
+          </a:xfrm>
+        </p:grpSpPr>
+        <p:sp>
+          <p:nvSpPr>
+            <p:cNvPr id="20" name="Rounded Rectangle 19"/>
+            <p:cNvSpPr/>
+            <p:nvPr/>
+          </p:nvSpPr>
+          <p:spPr>
+            <a:xfrm>
+              <a:off x="7124700" y="3329073"/>
+              <a:ext cx="3657600" cy="904190"/>
+            </a:xfrm>
+            <a:prstGeom prst="roundRect">
+              <a:avLst/>
+            </a:prstGeom>
+            <a:effectLst>
+              <a:outerShdw blurRad="50800" dist="38100" dir="2700000" algn="tl" rotWithShape="0">
+                <a:prstClr val="black">
+                  <a:alpha val="40000"/>
+                </a:prstClr>
+              </a:outerShdw>
+            </a:effectLst>
+          </p:spPr>
+          <p:style>
+            <a:lnRef idx="1">
+              <a:schemeClr val="accent4"/>
+            </a:lnRef>
+            <a:fillRef idx="2">
+              <a:schemeClr val="accent4"/>
+            </a:fillRef>
+            <a:effectRef idx="1">
+              <a:schemeClr val="accent4"/>
+            </a:effectRef>
+            <a:fontRef idx="minor">
+              <a:schemeClr val="dk1"/>
+            </a:fontRef>
+          </p:style>
+          <p:txBody>
+            <a:bodyPr rtlCol="0" anchor="ctr"/>
+            <a:lstStyle/>
+            <a:p>
+              <a:pPr algn="ctr"/>
+              <a:endParaRPr lang="en-GB"/>
+            </a:p>
+          </p:txBody>
+        </p:sp>
+        <p:sp>
+          <p:nvSpPr>
+            <p:cNvPr id="9" name="TextBox 8"/>
+            <p:cNvSpPr txBox="1"/>
+            <p:nvPr/>
+          </p:nvSpPr>
+          <p:spPr>
+            <a:xfrm>
+              <a:off x="7429500" y="3458003"/>
+              <a:ext cx="3048000" cy="646331"/>
+            </a:xfrm>
+            <a:prstGeom prst="rect">
+              <a:avLst/>
+            </a:prstGeom>
+            <a:noFill/>
+          </p:spPr>
+          <p:txBody>
+            <a:bodyPr wrap="square" rtlCol="0">
+              <a:spAutoFit/>
+            </a:bodyPr>
+            <a:lstStyle/>
+            <a:p>
+              <a:pPr algn="ctr"/>
+              <a:r>
+                <a:rPr lang="en-GB" b="1" dirty="0" smtClean="0"/>
+                <a:t>Likelihood of statement to be endorsed</a:t>
+              </a:r>
+              <a:endParaRPr lang="en-GB" b="1" dirty="0"/>
+            </a:p>
+          </p:txBody>
+        </p:sp>
+      </p:grpSp>
+      <p:grpSp>
+        <p:nvGrpSpPr>
+          <p:cNvPr id="27" name="Group 26"/>
+          <p:cNvGrpSpPr/>
+          <p:nvPr/>
+        </p:nvGrpSpPr>
+        <p:grpSpPr>
+          <a:xfrm>
+            <a:off x="1107831" y="1761329"/>
+            <a:ext cx="3657600" cy="833549"/>
+            <a:chOff x="1107831" y="1761329"/>
+            <a:chExt cx="3657600" cy="833549"/>
+          </a:xfrm>
+        </p:grpSpPr>
+        <p:sp>
+          <p:nvSpPr>
+            <p:cNvPr id="4" name="Rounded Rectangle 3"/>
+            <p:cNvSpPr/>
+            <p:nvPr/>
+          </p:nvSpPr>
+          <p:spPr>
+            <a:xfrm>
+              <a:off x="1107831" y="1761329"/>
+              <a:ext cx="3657600" cy="833549"/>
+            </a:xfrm>
+            <a:prstGeom prst="roundRect">
+              <a:avLst/>
+            </a:prstGeom>
+            <a:effectLst>
+              <a:outerShdw blurRad="50800" dist="38100" dir="2700000" algn="tl" rotWithShape="0">
+                <a:prstClr val="black">
+                  <a:alpha val="40000"/>
+                </a:prstClr>
+              </a:outerShdw>
+            </a:effectLst>
+          </p:spPr>
+          <p:style>
+            <a:lnRef idx="1">
+              <a:schemeClr val="accent1"/>
+            </a:lnRef>
+            <a:fillRef idx="2">
+              <a:schemeClr val="accent1"/>
+            </a:fillRef>
+            <a:effectRef idx="1">
+              <a:schemeClr val="accent1"/>
+            </a:effectRef>
+            <a:fontRef idx="minor">
+              <a:schemeClr val="dk1"/>
+            </a:fontRef>
+          </p:style>
+          <p:txBody>
+            <a:bodyPr rtlCol="0" anchor="ctr"/>
+            <a:lstStyle/>
+            <a:p>
+              <a:pPr algn="ctr"/>
+              <a:endParaRPr lang="en-GB"/>
+            </a:p>
+          </p:txBody>
+        </p:sp>
+        <p:sp>
+          <p:nvSpPr>
+            <p:cNvPr id="17" name="TextBox 16"/>
+            <p:cNvSpPr txBox="1"/>
+            <p:nvPr/>
+          </p:nvSpPr>
+          <p:spPr>
+            <a:xfrm>
+              <a:off x="1412631" y="1947271"/>
+              <a:ext cx="3048000" cy="461665"/>
+            </a:xfrm>
+            <a:prstGeom prst="rect">
+              <a:avLst/>
+            </a:prstGeom>
+            <a:noFill/>
+          </p:spPr>
+          <p:txBody>
+            <a:bodyPr wrap="square" rtlCol="0">
+              <a:spAutoFit/>
+            </a:bodyPr>
+            <a:lstStyle/>
+            <a:p>
+              <a:pPr algn="ctr"/>
+              <a:r>
+                <a:rPr lang="en-GB" sz="2400" b="1" dirty="0" smtClean="0"/>
+                <a:t>Latent variable</a:t>
+              </a:r>
+            </a:p>
+          </p:txBody>
+        </p:sp>
+      </p:grpSp>
+      <p:grpSp>
+        <p:nvGrpSpPr>
+          <p:cNvPr id="26" name="Group 25"/>
+          <p:cNvGrpSpPr/>
+          <p:nvPr/>
+        </p:nvGrpSpPr>
+        <p:grpSpPr>
+          <a:xfrm>
+            <a:off x="7391400" y="1690688"/>
+            <a:ext cx="3657600" cy="833549"/>
+            <a:chOff x="7124700" y="1715987"/>
+            <a:chExt cx="3657600" cy="833549"/>
+          </a:xfrm>
+        </p:grpSpPr>
+        <p:sp>
+          <p:nvSpPr>
+            <p:cNvPr id="21" name="Rounded Rectangle 20"/>
+            <p:cNvSpPr/>
+            <p:nvPr/>
+          </p:nvSpPr>
+          <p:spPr>
+            <a:xfrm>
+              <a:off x="7124700" y="1715987"/>
+              <a:ext cx="3657600" cy="833549"/>
+            </a:xfrm>
+            <a:prstGeom prst="roundRect">
+              <a:avLst/>
+            </a:prstGeom>
+            <a:effectLst>
+              <a:outerShdw blurRad="50800" dist="38100" dir="2700000" algn="tl" rotWithShape="0">
+                <a:prstClr val="black">
+                  <a:alpha val="40000"/>
+                </a:prstClr>
+              </a:outerShdw>
+            </a:effectLst>
+          </p:spPr>
+          <p:style>
+            <a:lnRef idx="1">
+              <a:schemeClr val="accent1"/>
+            </a:lnRef>
+            <a:fillRef idx="2">
+              <a:schemeClr val="accent1"/>
+            </a:fillRef>
+            <a:effectRef idx="1">
+              <a:schemeClr val="accent1"/>
+            </a:effectRef>
+            <a:fontRef idx="minor">
+              <a:schemeClr val="dk1"/>
+            </a:fontRef>
+          </p:style>
+          <p:txBody>
+            <a:bodyPr rtlCol="0" anchor="ctr"/>
+            <a:lstStyle/>
+            <a:p>
+              <a:pPr algn="ctr"/>
+              <a:endParaRPr lang="en-GB"/>
+            </a:p>
+          </p:txBody>
+        </p:sp>
+        <p:sp>
+          <p:nvSpPr>
+            <p:cNvPr id="11" name="TextBox 10"/>
+            <p:cNvSpPr txBox="1"/>
+            <p:nvPr/>
+          </p:nvSpPr>
+          <p:spPr>
+            <a:xfrm>
+              <a:off x="7429500" y="1809596"/>
+              <a:ext cx="3048000" cy="646331"/>
+            </a:xfrm>
+            <a:prstGeom prst="rect">
+              <a:avLst/>
+            </a:prstGeom>
+            <a:noFill/>
+          </p:spPr>
+          <p:txBody>
+            <a:bodyPr wrap="square" rtlCol="0">
+              <a:spAutoFit/>
+            </a:bodyPr>
+            <a:lstStyle/>
+            <a:p>
+              <a:pPr algn="ctr"/>
+              <a:r>
+                <a:rPr lang="en-GB" b="1" dirty="0" smtClean="0"/>
+                <a:t>Endorsement of usual laundry product</a:t>
+              </a:r>
+              <a:endParaRPr lang="en-GB" b="1" dirty="0"/>
+            </a:p>
+          </p:txBody>
+        </p:sp>
+      </p:grpSp>
+      <p:cxnSp>
+        <p:nvCxnSpPr>
+          <p:cNvPr id="31" name="Straight Arrow Connector 30"/>
+          <p:cNvCxnSpPr/>
+          <p:nvPr/>
+        </p:nvCxnSpPr>
+        <p:spPr>
+          <a:xfrm>
+            <a:off x="5138313" y="2178103"/>
+            <a:ext cx="1934308" cy="0"/>
+          </a:xfrm>
+          <a:prstGeom prst="straightConnector1">
+            <a:avLst/>
+          </a:prstGeom>
+          <a:ln w="57150">
+            <a:solidFill>
+              <a:schemeClr val="tx1"/>
+            </a:solidFill>
+            <a:tailEnd type="triangle"/>
+          </a:ln>
+        </p:spPr>
+        <p:style>
+          <a:lnRef idx="1">
+            <a:schemeClr val="accent1"/>
+          </a:lnRef>
+          <a:fillRef idx="0">
+            <a:schemeClr val="accent1"/>
+          </a:fillRef>
+          <a:effectRef idx="0">
+            <a:schemeClr val="accent1"/>
+          </a:effectRef>
+          <a:fontRef idx="minor">
+            <a:schemeClr val="tx1"/>
+          </a:fontRef>
+        </p:style>
+      </p:cxnSp>
+      <p:cxnSp>
+        <p:nvCxnSpPr>
+          <p:cNvPr id="34" name="Straight Arrow Connector 33"/>
+          <p:cNvCxnSpPr/>
+          <p:nvPr/>
+        </p:nvCxnSpPr>
+        <p:spPr>
+          <a:xfrm>
+            <a:off x="5138313" y="3788146"/>
+            <a:ext cx="1934308" cy="0"/>
+          </a:xfrm>
+          <a:prstGeom prst="straightConnector1">
+            <a:avLst/>
+          </a:prstGeom>
+          <a:ln w="57150">
+            <a:solidFill>
+              <a:schemeClr val="tx1"/>
+            </a:solidFill>
+            <a:tailEnd type="triangle"/>
+          </a:ln>
+        </p:spPr>
+        <p:style>
+          <a:lnRef idx="1">
+            <a:schemeClr val="accent1"/>
+          </a:lnRef>
+          <a:fillRef idx="0">
+            <a:schemeClr val="accent1"/>
+          </a:fillRef>
+          <a:effectRef idx="0">
+            <a:schemeClr val="accent1"/>
+          </a:effectRef>
+          <a:fontRef idx="minor">
+            <a:schemeClr val="tx1"/>
+          </a:fontRef>
+        </p:style>
+      </p:cxnSp>
+      <p:cxnSp>
+        <p:nvCxnSpPr>
+          <p:cNvPr id="35" name="Straight Arrow Connector 34"/>
+          <p:cNvCxnSpPr/>
+          <p:nvPr/>
+        </p:nvCxnSpPr>
+        <p:spPr>
+          <a:xfrm>
+            <a:off x="5138313" y="5481790"/>
+            <a:ext cx="1934308" cy="0"/>
+          </a:xfrm>
+          <a:prstGeom prst="straightConnector1">
+            <a:avLst/>
+          </a:prstGeom>
+          <a:ln w="57150">
+            <a:solidFill>
+              <a:schemeClr val="tx1"/>
+            </a:solidFill>
+            <a:tailEnd type="triangle"/>
+          </a:ln>
+        </p:spPr>
+        <p:style>
+          <a:lnRef idx="1">
+            <a:schemeClr val="accent1"/>
+          </a:lnRef>
+          <a:fillRef idx="0">
+            <a:schemeClr val="accent1"/>
+          </a:fillRef>
+          <a:effectRef idx="0">
+            <a:schemeClr val="accent1"/>
+          </a:effectRef>
+          <a:fontRef idx="minor">
+            <a:schemeClr val="tx1"/>
+          </a:fontRef>
+        </p:style>
+      </p:cxnSp>
+    </p:spTree>
+    <p:extLst>
+      <p:ext uri="{BB962C8B-B14F-4D97-AF65-F5344CB8AC3E}">
+        <p14:creationId xmlns:p14="http://schemas.microsoft.com/office/powerpoint/2010/main" val="1459852578"/>
+      </p:ext>
+    </p:extLst>
+  </p:cSld>
+  <p:clrMapOvr>
+    <a:masterClrMapping/>
+  </p:clrMapOvr>
+  <p:timing>
+    <p:tnLst>
+      <p:par>
+        <p:cTn id="1" dur="indefinite" restart="never" nodeType="tmRoot"/>
+      </p:par>
+    </p:tnLst>
+  </p:timing>
+</p:sld>
+</file>
+
+<file path=ppt/slides/slide11.xml><?xml version="1.0" encoding="utf-8"?>
+<p:sld xmlns:a="http://schemas.openxmlformats.org/drawingml/2006/main" xmlns:r="http://schemas.openxmlformats.org/officeDocument/2006/relationships" xmlns:p="http://schemas.openxmlformats.org/presentationml/2006/main">
+  <p:cSld>
+    <p:spTree>
+      <p:nvGrpSpPr>
+        <p:cNvPr id="1" name=""/>
+        <p:cNvGrpSpPr/>
+        <p:nvPr/>
+      </p:nvGrpSpPr>
+      <p:grpSpPr>
+        <a:xfrm>
+          <a:off x="0" y="0"/>
+          <a:ext cx="0" cy="0"/>
+          <a:chOff x="0" y="0"/>
+          <a:chExt cx="0" cy="0"/>
+        </a:xfrm>
+      </p:grpSpPr>
+      <p:pic>
+        <p:nvPicPr>
+          <p:cNvPr id="2050" name="Picture 2" descr="Business people in organization office and freelance job character. Premium Vector"/>
+          <p:cNvPicPr>
+            <a:picLocks noChangeAspect="1" noChangeArrowheads="1"/>
+          </p:cNvPicPr>
+          <p:nvPr/>
+        </p:nvPicPr>
+        <p:blipFill>
+          <a:blip r:embed="rId3">
+            <a:extLst>
+              <a:ext uri="{28A0092B-C50C-407E-A947-70E740481C1C}">
+                <a14:useLocalDpi xmlns:a14="http://schemas.microsoft.com/office/drawing/2010/main" val="0"/>
+              </a:ext>
+            </a:extLst>
+          </a:blip>
+          <a:srcRect/>
+          <a:stretch>
+            <a:fillRect/>
+          </a:stretch>
+        </p:blipFill>
+        <p:spPr bwMode="auto">
+          <a:xfrm>
+            <a:off x="4455757" y="1930270"/>
+            <a:ext cx="3224212" cy="3224212"/>
+          </a:xfrm>
+          <a:prstGeom prst="rect">
+            <a:avLst/>
+          </a:prstGeom>
+          <a:noFill/>
+          <a:extLst>
+            <a:ext uri="{909E8E84-426E-40DD-AFC4-6F175D3DCCD1}">
+              <a14:hiddenFill xmlns:a14="http://schemas.microsoft.com/office/drawing/2010/main">
+                <a:solidFill>
+                  <a:srgbClr val="FFFFFF"/>
+                </a:solidFill>
+              </a14:hiddenFill>
+            </a:ext>
+          </a:extLst>
+        </p:spPr>
+      </p:pic>
+      <p:sp>
+        <p:nvSpPr>
+          <p:cNvPr id="8" name="TextBox 7"/>
+          <p:cNvSpPr txBox="1"/>
+          <p:nvPr/>
+        </p:nvSpPr>
+        <p:spPr>
+          <a:xfrm>
+            <a:off x="4759763" y="759365"/>
+            <a:ext cx="2616200" cy="461665"/>
+          </a:xfrm>
+          <a:prstGeom prst="rect">
+            <a:avLst/>
+          </a:prstGeom>
+          <a:noFill/>
+        </p:spPr>
+        <p:txBody>
+          <a:bodyPr wrap="square" rtlCol="0">
+            <a:spAutoFit/>
+          </a:bodyPr>
+          <a:lstStyle/>
+          <a:p>
+            <a:pPr algn="ctr"/>
+            <a:r>
+              <a:rPr lang="en-GB" sz="2400" b="1" dirty="0" smtClean="0"/>
+              <a:t>999 participants</a:t>
+            </a:r>
+            <a:endParaRPr lang="en-GB" sz="2400" b="1" dirty="0"/>
+          </a:p>
+        </p:txBody>
+      </p:sp>
+    </p:spTree>
+    <p:extLst>
+      <p:ext uri="{BB962C8B-B14F-4D97-AF65-F5344CB8AC3E}">
+        <p14:creationId xmlns:p14="http://schemas.microsoft.com/office/powerpoint/2010/main" val="3110508220"/>
+      </p:ext>
+    </p:extLst>
+  </p:cSld>
+  <p:clrMapOvr>
+    <a:masterClrMapping/>
+  </p:clrMapOvr>
+  <p:timing>
+    <p:tnLst>
+      <p:par>
+        <p:cTn id="1" dur="indefinite" restart="never" nodeType="tmRoot"/>
+      </p:par>
+    </p:tnLst>
+  </p:timing>
+</p:sld>
+</file>
+
+<file path=ppt/slides/slide12.xml><?xml version="1.0" encoding="utf-8"?>
 <p:sld xmlns:a="http://schemas.openxmlformats.org/drawingml/2006/main" xmlns:r="http://schemas.openxmlformats.org/officeDocument/2006/relationships" xmlns:p="http://schemas.openxmlformats.org/presentationml/2006/main">
   <p:cSld>
     <p:spTree>
@@ -7635,7 +7721,7 @@
 </p:sld>
 </file>
 
-<file path=ppt/slides/slide11.xml><?xml version="1.0" encoding="utf-8"?>
+<file path=ppt/slides/slide13.xml><?xml version="1.0" encoding="utf-8"?>
 <p:sld xmlns:a="http://schemas.openxmlformats.org/drawingml/2006/main" xmlns:r="http://schemas.openxmlformats.org/officeDocument/2006/relationships" xmlns:p="http://schemas.openxmlformats.org/presentationml/2006/main">
   <p:cSld>
     <p:spTree>
@@ -8188,7 +8274,7 @@
 </p:sld>
 </file>
 
-<file path=ppt/slides/slide12.xml><?xml version="1.0" encoding="utf-8"?>
+<file path=ppt/slides/slide14.xml><?xml version="1.0" encoding="utf-8"?>
 <p:sld xmlns:a="http://schemas.openxmlformats.org/drawingml/2006/main" xmlns:r="http://schemas.openxmlformats.org/officeDocument/2006/relationships" xmlns:p="http://schemas.openxmlformats.org/presentationml/2006/main">
   <p:cSld>
     <p:spTree>
@@ -9077,7 +9163,7 @@
 </p:sld>
 </file>
 
-<file path=ppt/slides/slide13.xml><?xml version="1.0" encoding="utf-8"?>
+<file path=ppt/slides/slide15.xml><?xml version="1.0" encoding="utf-8"?>
 <p:sld xmlns:a="http://schemas.openxmlformats.org/drawingml/2006/main" xmlns:r="http://schemas.openxmlformats.org/officeDocument/2006/relationships" xmlns:p="http://schemas.openxmlformats.org/presentationml/2006/main">
   <p:cSld>
     <p:spTree>
@@ -9242,7 +9328,7 @@
 </p:sld>
 </file>
 
-<file path=ppt/slides/slide14.xml><?xml version="1.0" encoding="utf-8"?>
+<file path=ppt/slides/slide16.xml><?xml version="1.0" encoding="utf-8"?>
 <p:sld xmlns:a="http://schemas.openxmlformats.org/drawingml/2006/main" xmlns:r="http://schemas.openxmlformats.org/officeDocument/2006/relationships" xmlns:p="http://schemas.openxmlformats.org/presentationml/2006/main">
   <p:cSld>
     <p:spTree>
@@ -11036,7 +11122,7 @@
 </p:sld>
 </file>
 
-<file path=ppt/slides/slide15.xml><?xml version="1.0" encoding="utf-8"?>
+<file path=ppt/slides/slide17.xml><?xml version="1.0" encoding="utf-8"?>
 <p:sld xmlns:a="http://schemas.openxmlformats.org/drawingml/2006/main" xmlns:r="http://schemas.openxmlformats.org/officeDocument/2006/relationships" xmlns:p="http://schemas.openxmlformats.org/presentationml/2006/main">
   <p:cSld>
     <p:spTree>
@@ -11309,7 +11395,7 @@
 </p:sld>
 </file>
 
-<file path=ppt/slides/slide16.xml><?xml version="1.0" encoding="utf-8"?>
+<file path=ppt/slides/slide18.xml><?xml version="1.0" encoding="utf-8"?>
 <p:sld xmlns:a="http://schemas.openxmlformats.org/drawingml/2006/main" xmlns:r="http://schemas.openxmlformats.org/officeDocument/2006/relationships" xmlns:p="http://schemas.openxmlformats.org/presentationml/2006/main">
   <p:cSld>
     <p:spTree>
@@ -11513,7 +11599,7 @@
 </p:sld>
 </file>
 
-<file path=ppt/slides/slide17.xml><?xml version="1.0" encoding="utf-8"?>
+<file path=ppt/slides/slide19.xml><?xml version="1.0" encoding="utf-8"?>
 <p:sld xmlns:a="http://schemas.openxmlformats.org/drawingml/2006/main" xmlns:r="http://schemas.openxmlformats.org/officeDocument/2006/relationships" xmlns:p="http://schemas.openxmlformats.org/presentationml/2006/main">
   <p:cSld>
     <p:spTree>
@@ -11855,7 +11941,238 @@
 </p:sld>
 </file>
 
-<file path=ppt/slides/slide18.xml><?xml version="1.0" encoding="utf-8"?>
+<file path=ppt/slides/slide2.xml><?xml version="1.0" encoding="utf-8"?>
+<p:sld xmlns:a="http://schemas.openxmlformats.org/drawingml/2006/main" xmlns:r="http://schemas.openxmlformats.org/officeDocument/2006/relationships" xmlns:p="http://schemas.openxmlformats.org/presentationml/2006/main">
+  <p:cSld>
+    <p:spTree>
+      <p:nvGrpSpPr>
+        <p:cNvPr id="1" name=""/>
+        <p:cNvGrpSpPr/>
+        <p:nvPr/>
+      </p:nvGrpSpPr>
+      <p:grpSpPr>
+        <a:xfrm>
+          <a:off x="0" y="0"/>
+          <a:ext cx="0" cy="0"/>
+          <a:chOff x="0" y="0"/>
+          <a:chExt cx="0" cy="0"/>
+        </a:xfrm>
+      </p:grpSpPr>
+      <p:pic>
+        <p:nvPicPr>
+          <p:cNvPr id="35" name="Picture 34"/>
+          <p:cNvPicPr>
+            <a:picLocks noChangeAspect="1"/>
+          </p:cNvPicPr>
+          <p:nvPr/>
+        </p:nvPicPr>
+        <p:blipFill>
+          <a:blip r:embed="rId3">
+            <a:extLst>
+              <a:ext uri="{28A0092B-C50C-407E-A947-70E740481C1C}">
+                <a14:useLocalDpi xmlns:a14="http://schemas.microsoft.com/office/drawing/2010/main" val="0"/>
+              </a:ext>
+            </a:extLst>
+          </a:blip>
+          <a:stretch>
+            <a:fillRect/>
+          </a:stretch>
+        </p:blipFill>
+        <p:spPr>
+          <a:xfrm>
+            <a:off x="4764833" y="2097833"/>
+            <a:ext cx="2662334" cy="2662334"/>
+          </a:xfrm>
+          <a:prstGeom prst="rect">
+            <a:avLst/>
+          </a:prstGeom>
+        </p:spPr>
+      </p:pic>
+      <p:pic>
+        <p:nvPicPr>
+          <p:cNvPr id="2050" name="Picture 2" descr="Close-up woman pouring detergent in a cap Free Photo"/>
+          <p:cNvPicPr>
+            <a:picLocks noChangeAspect="1" noChangeArrowheads="1"/>
+          </p:cNvPicPr>
+          <p:nvPr/>
+        </p:nvPicPr>
+        <p:blipFill>
+          <a:blip r:embed="rId4">
+            <a:extLst>
+              <a:ext uri="{28A0092B-C50C-407E-A947-70E740481C1C}">
+                <a14:useLocalDpi xmlns:a14="http://schemas.microsoft.com/office/drawing/2010/main" val="0"/>
+              </a:ext>
+            </a:extLst>
+          </a:blip>
+          <a:srcRect/>
+          <a:stretch>
+            <a:fillRect/>
+          </a:stretch>
+        </p:blipFill>
+        <p:spPr bwMode="auto">
+          <a:xfrm>
+            <a:off x="738139" y="653143"/>
+            <a:ext cx="3102866" cy="2066925"/>
+          </a:xfrm>
+          <a:prstGeom prst="rect">
+            <a:avLst/>
+          </a:prstGeom>
+          <a:noFill/>
+          <a:extLst>
+            <a:ext uri="{909E8E84-426E-40DD-AFC4-6F175D3DCCD1}">
+              <a14:hiddenFill xmlns:a14="http://schemas.microsoft.com/office/drawing/2010/main">
+                <a:solidFill>
+                  <a:srgbClr val="FFFFFF"/>
+                </a:solidFill>
+              </a14:hiddenFill>
+            </a:ext>
+          </a:extLst>
+        </p:spPr>
+      </p:pic>
+      <p:pic>
+        <p:nvPicPr>
+          <p:cNvPr id="2052" name="Picture 4" descr="Shaving concept with attractive young man Free Photo"/>
+          <p:cNvPicPr>
+            <a:picLocks noChangeAspect="1" noChangeArrowheads="1"/>
+          </p:cNvPicPr>
+          <p:nvPr/>
+        </p:nvPicPr>
+        <p:blipFill>
+          <a:blip r:embed="rId5">
+            <a:extLst>
+              <a:ext uri="{28A0092B-C50C-407E-A947-70E740481C1C}">
+                <a14:useLocalDpi xmlns:a14="http://schemas.microsoft.com/office/drawing/2010/main" val="0"/>
+              </a:ext>
+            </a:extLst>
+          </a:blip>
+          <a:srcRect/>
+          <a:stretch>
+            <a:fillRect/>
+          </a:stretch>
+        </p:blipFill>
+        <p:spPr bwMode="auto">
+          <a:xfrm>
+            <a:off x="8350995" y="653143"/>
+            <a:ext cx="3103200" cy="2067148"/>
+          </a:xfrm>
+          <a:prstGeom prst="rect">
+            <a:avLst/>
+          </a:prstGeom>
+          <a:noFill/>
+          <a:extLst>
+            <a:ext uri="{909E8E84-426E-40DD-AFC4-6F175D3DCCD1}">
+              <a14:hiddenFill xmlns:a14="http://schemas.microsoft.com/office/drawing/2010/main">
+                <a:solidFill>
+                  <a:srgbClr val="FFFFFF"/>
+                </a:solidFill>
+              </a14:hiddenFill>
+            </a:ext>
+          </a:extLst>
+        </p:spPr>
+      </p:pic>
+      <p:pic>
+        <p:nvPicPr>
+          <p:cNvPr id="2054" name="Picture 6" descr="Asian women bathing and she was bathing and washing hair.she is happy Premium Photo"/>
+          <p:cNvPicPr>
+            <a:picLocks noChangeAspect="1" noChangeArrowheads="1"/>
+          </p:cNvPicPr>
+          <p:nvPr/>
+        </p:nvPicPr>
+        <p:blipFill>
+          <a:blip r:embed="rId6">
+            <a:extLst>
+              <a:ext uri="{28A0092B-C50C-407E-A947-70E740481C1C}">
+                <a14:useLocalDpi xmlns:a14="http://schemas.microsoft.com/office/drawing/2010/main" val="0"/>
+              </a:ext>
+            </a:extLst>
+          </a:blip>
+          <a:srcRect/>
+          <a:stretch>
+            <a:fillRect/>
+          </a:stretch>
+        </p:blipFill>
+        <p:spPr bwMode="auto">
+          <a:xfrm>
+            <a:off x="737805" y="4131907"/>
+            <a:ext cx="3103200" cy="2067148"/>
+          </a:xfrm>
+          <a:prstGeom prst="rect">
+            <a:avLst/>
+          </a:prstGeom>
+          <a:noFill/>
+          <a:extLst>
+            <a:ext uri="{909E8E84-426E-40DD-AFC4-6F175D3DCCD1}">
+              <a14:hiddenFill xmlns:a14="http://schemas.microsoft.com/office/drawing/2010/main">
+                <a:solidFill>
+                  <a:srgbClr val="FFFFFF"/>
+                </a:solidFill>
+              </a14:hiddenFill>
+            </a:ext>
+          </a:extLst>
+        </p:spPr>
+      </p:pic>
+      <p:pic>
+        <p:nvPicPr>
+          <p:cNvPr id="2056" name="Picture 8" descr="Happy mother with baby girl on changing table Premium Photo"/>
+          <p:cNvPicPr>
+            <a:picLocks noChangeAspect="1" noChangeArrowheads="1"/>
+          </p:cNvPicPr>
+          <p:nvPr/>
+        </p:nvPicPr>
+        <p:blipFill>
+          <a:blip r:embed="rId7">
+            <a:extLst>
+              <a:ext uri="{28A0092B-C50C-407E-A947-70E740481C1C}">
+                <a14:useLocalDpi xmlns:a14="http://schemas.microsoft.com/office/drawing/2010/main" val="0"/>
+              </a:ext>
+            </a:extLst>
+          </a:blip>
+          <a:srcRect/>
+          <a:stretch>
+            <a:fillRect/>
+          </a:stretch>
+        </p:blipFill>
+        <p:spPr bwMode="auto">
+          <a:xfrm>
+            <a:off x="8352117" y="4132655"/>
+            <a:ext cx="3102078" cy="2066400"/>
+          </a:xfrm>
+          <a:prstGeom prst="rect">
+            <a:avLst/>
+          </a:prstGeom>
+          <a:noFill/>
+          <a:extLst>
+            <a:ext uri="{909E8E84-426E-40DD-AFC4-6F175D3DCCD1}">
+              <a14:hiddenFill xmlns:a14="http://schemas.microsoft.com/office/drawing/2010/main">
+                <a:solidFill>
+                  <a:srgbClr val="FFFFFF"/>
+                </a:solidFill>
+              </a14:hiddenFill>
+            </a:ext>
+          </a:extLst>
+        </p:spPr>
+      </p:pic>
+    </p:spTree>
+    <p:extLst>
+      <p:ext uri="{BB962C8B-B14F-4D97-AF65-F5344CB8AC3E}">
+        <p14:creationId xmlns:p14="http://schemas.microsoft.com/office/powerpoint/2010/main" val="1469372431"/>
+      </p:ext>
+    </p:extLst>
+  </p:cSld>
+  <p:clrMapOvr>
+    <a:masterClrMapping/>
+  </p:clrMapOvr>
+  <p:timing>
+    <p:tnLst>
+      <p:par>
+        <p:cTn id="1" dur="indefinite" restart="never" nodeType="tmRoot"/>
+      </p:par>
+    </p:tnLst>
+  </p:timing>
+</p:sld>
+</file>
+
+<file path=ppt/slides/slide20.xml><?xml version="1.0" encoding="utf-8"?>
 <p:sld xmlns:a="http://schemas.openxmlformats.org/drawingml/2006/main" xmlns:r="http://schemas.openxmlformats.org/officeDocument/2006/relationships" xmlns:p="http://schemas.openxmlformats.org/presentationml/2006/main">
   <p:cSld>
     <p:spTree>
@@ -12117,7 +12434,430 @@
 </p:sld>
 </file>
 
-<file path=ppt/slides/slide2.xml><?xml version="1.0" encoding="utf-8"?>
+<file path=ppt/slides/slide3.xml><?xml version="1.0" encoding="utf-8"?>
+<p:sld xmlns:a="http://schemas.openxmlformats.org/drawingml/2006/main" xmlns:r="http://schemas.openxmlformats.org/officeDocument/2006/relationships" xmlns:p="http://schemas.openxmlformats.org/presentationml/2006/main">
+  <p:cSld>
+    <p:spTree>
+      <p:nvGrpSpPr>
+        <p:cNvPr id="1" name=""/>
+        <p:cNvGrpSpPr/>
+        <p:nvPr/>
+      </p:nvGrpSpPr>
+      <p:grpSpPr>
+        <a:xfrm>
+          <a:off x="0" y="0"/>
+          <a:ext cx="0" cy="0"/>
+          <a:chOff x="0" y="0"/>
+          <a:chExt cx="0" cy="0"/>
+        </a:xfrm>
+      </p:grpSpPr>
+      <p:pic>
+        <p:nvPicPr>
+          <p:cNvPr id="2050" name="Picture 2" descr="Close-up woman pouring detergent in a cap Free Photo"/>
+          <p:cNvPicPr>
+            <a:picLocks noChangeAspect="1" noChangeArrowheads="1"/>
+          </p:cNvPicPr>
+          <p:nvPr/>
+        </p:nvPicPr>
+        <p:blipFill>
+          <a:blip r:embed="rId3">
+            <a:extLst>
+              <a:ext uri="{28A0092B-C50C-407E-A947-70E740481C1C}">
+                <a14:useLocalDpi xmlns:a14="http://schemas.microsoft.com/office/drawing/2010/main" val="0"/>
+              </a:ext>
+            </a:extLst>
+          </a:blip>
+          <a:srcRect/>
+          <a:stretch>
+            <a:fillRect/>
+          </a:stretch>
+        </p:blipFill>
+        <p:spPr bwMode="auto">
+          <a:xfrm>
+            <a:off x="738139" y="653143"/>
+            <a:ext cx="3102866" cy="2066925"/>
+          </a:xfrm>
+          <a:prstGeom prst="rect">
+            <a:avLst/>
+          </a:prstGeom>
+          <a:noFill/>
+          <a:extLst>
+            <a:ext uri="{909E8E84-426E-40DD-AFC4-6F175D3DCCD1}">
+              <a14:hiddenFill xmlns:a14="http://schemas.microsoft.com/office/drawing/2010/main">
+                <a:solidFill>
+                  <a:srgbClr val="FFFFFF"/>
+                </a:solidFill>
+              </a14:hiddenFill>
+            </a:ext>
+          </a:extLst>
+        </p:spPr>
+      </p:pic>
+      <p:pic>
+        <p:nvPicPr>
+          <p:cNvPr id="2052" name="Picture 4" descr="Shaving concept with attractive young man Free Photo"/>
+          <p:cNvPicPr>
+            <a:picLocks noChangeAspect="1" noChangeArrowheads="1"/>
+          </p:cNvPicPr>
+          <p:nvPr/>
+        </p:nvPicPr>
+        <p:blipFill>
+          <a:blip r:embed="rId4">
+            <a:extLst>
+              <a:ext uri="{28A0092B-C50C-407E-A947-70E740481C1C}">
+                <a14:useLocalDpi xmlns:a14="http://schemas.microsoft.com/office/drawing/2010/main" val="0"/>
+              </a:ext>
+            </a:extLst>
+          </a:blip>
+          <a:srcRect/>
+          <a:stretch>
+            <a:fillRect/>
+          </a:stretch>
+        </p:blipFill>
+        <p:spPr bwMode="auto">
+          <a:xfrm>
+            <a:off x="8350995" y="653143"/>
+            <a:ext cx="3103200" cy="2067148"/>
+          </a:xfrm>
+          <a:prstGeom prst="rect">
+            <a:avLst/>
+          </a:prstGeom>
+          <a:noFill/>
+          <a:extLst>
+            <a:ext uri="{909E8E84-426E-40DD-AFC4-6F175D3DCCD1}">
+              <a14:hiddenFill xmlns:a14="http://schemas.microsoft.com/office/drawing/2010/main">
+                <a:solidFill>
+                  <a:srgbClr val="FFFFFF"/>
+                </a:solidFill>
+              </a14:hiddenFill>
+            </a:ext>
+          </a:extLst>
+        </p:spPr>
+      </p:pic>
+      <p:pic>
+        <p:nvPicPr>
+          <p:cNvPr id="2054" name="Picture 6" descr="Asian women bathing and she was bathing and washing hair.she is happy Premium Photo"/>
+          <p:cNvPicPr>
+            <a:picLocks noChangeAspect="1" noChangeArrowheads="1"/>
+          </p:cNvPicPr>
+          <p:nvPr/>
+        </p:nvPicPr>
+        <p:blipFill>
+          <a:blip r:embed="rId5">
+            <a:extLst>
+              <a:ext uri="{28A0092B-C50C-407E-A947-70E740481C1C}">
+                <a14:useLocalDpi xmlns:a14="http://schemas.microsoft.com/office/drawing/2010/main" val="0"/>
+              </a:ext>
+            </a:extLst>
+          </a:blip>
+          <a:srcRect/>
+          <a:stretch>
+            <a:fillRect/>
+          </a:stretch>
+        </p:blipFill>
+        <p:spPr bwMode="auto">
+          <a:xfrm>
+            <a:off x="737805" y="4119048"/>
+            <a:ext cx="3103200" cy="2067148"/>
+          </a:xfrm>
+          <a:prstGeom prst="rect">
+            <a:avLst/>
+          </a:prstGeom>
+          <a:noFill/>
+          <a:extLst>
+            <a:ext uri="{909E8E84-426E-40DD-AFC4-6F175D3DCCD1}">
+              <a14:hiddenFill xmlns:a14="http://schemas.microsoft.com/office/drawing/2010/main">
+                <a:solidFill>
+                  <a:srgbClr val="FFFFFF"/>
+                </a:solidFill>
+              </a14:hiddenFill>
+            </a:ext>
+          </a:extLst>
+        </p:spPr>
+      </p:pic>
+      <p:pic>
+        <p:nvPicPr>
+          <p:cNvPr id="2056" name="Picture 8" descr="Happy mother with baby girl on changing table Premium Photo"/>
+          <p:cNvPicPr>
+            <a:picLocks noChangeAspect="1" noChangeArrowheads="1"/>
+          </p:cNvPicPr>
+          <p:nvPr/>
+        </p:nvPicPr>
+        <p:blipFill>
+          <a:blip r:embed="rId6">
+            <a:extLst>
+              <a:ext uri="{28A0092B-C50C-407E-A947-70E740481C1C}">
+                <a14:useLocalDpi xmlns:a14="http://schemas.microsoft.com/office/drawing/2010/main" val="0"/>
+              </a:ext>
+            </a:extLst>
+          </a:blip>
+          <a:srcRect/>
+          <a:stretch>
+            <a:fillRect/>
+          </a:stretch>
+        </p:blipFill>
+        <p:spPr bwMode="auto">
+          <a:xfrm>
+            <a:off x="8350995" y="4119796"/>
+            <a:ext cx="3102078" cy="2066400"/>
+          </a:xfrm>
+          <a:prstGeom prst="rect">
+            <a:avLst/>
+          </a:prstGeom>
+          <a:noFill/>
+          <a:extLst>
+            <a:ext uri="{909E8E84-426E-40DD-AFC4-6F175D3DCCD1}">
+              <a14:hiddenFill xmlns:a14="http://schemas.microsoft.com/office/drawing/2010/main">
+                <a:solidFill>
+                  <a:srgbClr val="FFFFFF"/>
+                </a:solidFill>
+              </a14:hiddenFill>
+            </a:ext>
+          </a:extLst>
+        </p:spPr>
+      </p:pic>
+      <p:pic>
+        <p:nvPicPr>
+          <p:cNvPr id="7" name="Picture 2" descr="People give review and fill out questionnaires survey or exam. Premium Vector"/>
+          <p:cNvPicPr>
+            <a:picLocks noChangeAspect="1" noChangeArrowheads="1"/>
+          </p:cNvPicPr>
+          <p:nvPr/>
+        </p:nvPicPr>
+        <p:blipFill>
+          <a:blip r:embed="rId7">
+            <a:extLst>
+              <a:ext uri="{28A0092B-C50C-407E-A947-70E740481C1C}">
+                <a14:useLocalDpi xmlns:a14="http://schemas.microsoft.com/office/drawing/2010/main" val="0"/>
+              </a:ext>
+            </a:extLst>
+          </a:blip>
+          <a:srcRect/>
+          <a:stretch>
+            <a:fillRect/>
+          </a:stretch>
+        </p:blipFill>
+        <p:spPr bwMode="auto">
+          <a:xfrm>
+            <a:off x="3096889" y="1574916"/>
+            <a:ext cx="5998223" cy="3708168"/>
+          </a:xfrm>
+          <a:prstGeom prst="rect">
+            <a:avLst/>
+          </a:prstGeom>
+          <a:noFill/>
+          <a:extLst>
+            <a:ext uri="{909E8E84-426E-40DD-AFC4-6F175D3DCCD1}">
+              <a14:hiddenFill xmlns:a14="http://schemas.microsoft.com/office/drawing/2010/main">
+                <a:solidFill>
+                  <a:srgbClr val="FFFFFF"/>
+                </a:solidFill>
+              </a14:hiddenFill>
+            </a:ext>
+          </a:extLst>
+        </p:spPr>
+      </p:pic>
+    </p:spTree>
+    <p:extLst>
+      <p:ext uri="{BB962C8B-B14F-4D97-AF65-F5344CB8AC3E}">
+        <p14:creationId xmlns:p14="http://schemas.microsoft.com/office/powerpoint/2010/main" val="2579424962"/>
+      </p:ext>
+    </p:extLst>
+  </p:cSld>
+  <p:clrMapOvr>
+    <a:masterClrMapping/>
+  </p:clrMapOvr>
+  <p:timing>
+    <p:tnLst>
+      <p:par>
+        <p:cTn id="1" dur="indefinite" restart="never" nodeType="tmRoot">
+          <p:childTnLst>
+            <p:seq concurrent="1" nextAc="seek">
+              <p:cTn id="2" dur="indefinite" nodeType="mainSeq">
+                <p:childTnLst>
+                  <p:par>
+                    <p:cTn id="3" fill="hold">
+                      <p:stCondLst>
+                        <p:cond delay="indefinite"/>
+                      </p:stCondLst>
+                      <p:childTnLst>
+                        <p:par>
+                          <p:cTn id="4" fill="hold">
+                            <p:stCondLst>
+                              <p:cond delay="0"/>
+                            </p:stCondLst>
+                            <p:childTnLst>
+                              <p:par>
+                                <p:cTn id="5" presetID="10" presetClass="exit" presetSubtype="0" fill="hold" nodeType="clickEffect">
+                                  <p:stCondLst>
+                                    <p:cond delay="0"/>
+                                  </p:stCondLst>
+                                  <p:childTnLst>
+                                    <p:animEffect transition="out" filter="fade">
+                                      <p:cBhvr>
+                                        <p:cTn id="6" dur="2000"/>
+                                        <p:tgtEl>
+                                          <p:spTgt spid="2050"/>
+                                        </p:tgtEl>
+                                      </p:cBhvr>
+                                    </p:animEffect>
+                                    <p:set>
+                                      <p:cBhvr>
+                                        <p:cTn id="7" dur="1" fill="hold">
+                                          <p:stCondLst>
+                                            <p:cond delay="1999"/>
+                                          </p:stCondLst>
+                                        </p:cTn>
+                                        <p:tgtEl>
+                                          <p:spTgt spid="2050"/>
+                                        </p:tgtEl>
+                                        <p:attrNameLst>
+                                          <p:attrName>style.visibility</p:attrName>
+                                        </p:attrNameLst>
+                                      </p:cBhvr>
+                                      <p:to>
+                                        <p:strVal val="hidden"/>
+                                      </p:to>
+                                    </p:set>
+                                  </p:childTnLst>
+                                </p:cTn>
+                              </p:par>
+                              <p:par>
+                                <p:cTn id="8" presetID="10" presetClass="exit" presetSubtype="0" fill="hold" nodeType="withEffect">
+                                  <p:stCondLst>
+                                    <p:cond delay="0"/>
+                                  </p:stCondLst>
+                                  <p:childTnLst>
+                                    <p:animEffect transition="out" filter="fade">
+                                      <p:cBhvr>
+                                        <p:cTn id="9" dur="2000"/>
+                                        <p:tgtEl>
+                                          <p:spTgt spid="2052"/>
+                                        </p:tgtEl>
+                                      </p:cBhvr>
+                                    </p:animEffect>
+                                    <p:set>
+                                      <p:cBhvr>
+                                        <p:cTn id="10" dur="1" fill="hold">
+                                          <p:stCondLst>
+                                            <p:cond delay="1999"/>
+                                          </p:stCondLst>
+                                        </p:cTn>
+                                        <p:tgtEl>
+                                          <p:spTgt spid="2052"/>
+                                        </p:tgtEl>
+                                        <p:attrNameLst>
+                                          <p:attrName>style.visibility</p:attrName>
+                                        </p:attrNameLst>
+                                      </p:cBhvr>
+                                      <p:to>
+                                        <p:strVal val="hidden"/>
+                                      </p:to>
+                                    </p:set>
+                                  </p:childTnLst>
+                                </p:cTn>
+                              </p:par>
+                              <p:par>
+                                <p:cTn id="11" presetID="10" presetClass="exit" presetSubtype="0" fill="hold" nodeType="withEffect">
+                                  <p:stCondLst>
+                                    <p:cond delay="0"/>
+                                  </p:stCondLst>
+                                  <p:childTnLst>
+                                    <p:animEffect transition="out" filter="fade">
+                                      <p:cBhvr>
+                                        <p:cTn id="12" dur="2000"/>
+                                        <p:tgtEl>
+                                          <p:spTgt spid="2054"/>
+                                        </p:tgtEl>
+                                      </p:cBhvr>
+                                    </p:animEffect>
+                                    <p:set>
+                                      <p:cBhvr>
+                                        <p:cTn id="13" dur="1" fill="hold">
+                                          <p:stCondLst>
+                                            <p:cond delay="1999"/>
+                                          </p:stCondLst>
+                                        </p:cTn>
+                                        <p:tgtEl>
+                                          <p:spTgt spid="2054"/>
+                                        </p:tgtEl>
+                                        <p:attrNameLst>
+                                          <p:attrName>style.visibility</p:attrName>
+                                        </p:attrNameLst>
+                                      </p:cBhvr>
+                                      <p:to>
+                                        <p:strVal val="hidden"/>
+                                      </p:to>
+                                    </p:set>
+                                  </p:childTnLst>
+                                </p:cTn>
+                              </p:par>
+                              <p:par>
+                                <p:cTn id="14" presetID="10" presetClass="exit" presetSubtype="0" fill="hold" nodeType="withEffect">
+                                  <p:stCondLst>
+                                    <p:cond delay="0"/>
+                                  </p:stCondLst>
+                                  <p:childTnLst>
+                                    <p:animEffect transition="out" filter="fade">
+                                      <p:cBhvr>
+                                        <p:cTn id="15" dur="2000"/>
+                                        <p:tgtEl>
+                                          <p:spTgt spid="2056"/>
+                                        </p:tgtEl>
+                                      </p:cBhvr>
+                                    </p:animEffect>
+                                    <p:set>
+                                      <p:cBhvr>
+                                        <p:cTn id="16" dur="1" fill="hold">
+                                          <p:stCondLst>
+                                            <p:cond delay="1999"/>
+                                          </p:stCondLst>
+                                        </p:cTn>
+                                        <p:tgtEl>
+                                          <p:spTgt spid="2056"/>
+                                        </p:tgtEl>
+                                        <p:attrNameLst>
+                                          <p:attrName>style.visibility</p:attrName>
+                                        </p:attrNameLst>
+                                      </p:cBhvr>
+                                      <p:to>
+                                        <p:strVal val="hidden"/>
+                                      </p:to>
+                                    </p:set>
+                                  </p:childTnLst>
+                                </p:cTn>
+                              </p:par>
+                            </p:childTnLst>
+                          </p:cTn>
+                        </p:par>
+                      </p:childTnLst>
+                    </p:cTn>
+                  </p:par>
+                </p:childTnLst>
+              </p:cTn>
+              <p:prevCondLst>
+                <p:cond evt="onPrev" delay="0">
+                  <p:tgtEl>
+                    <p:sldTgt/>
+                  </p:tgtEl>
+                </p:cond>
+              </p:prevCondLst>
+              <p:nextCondLst>
+                <p:cond evt="onNext" delay="0">
+                  <p:tgtEl>
+                    <p:sldTgt/>
+                  </p:tgtEl>
+                </p:cond>
+              </p:nextCondLst>
+            </p:seq>
+          </p:childTnLst>
+        </p:cTn>
+      </p:par>
+    </p:tnLst>
+  </p:timing>
+</p:sld>
+</file>
+
+<file path=ppt/slides/slide4.xml><?xml version="1.0" encoding="utf-8"?>
 <p:sld xmlns:a="http://schemas.openxmlformats.org/drawingml/2006/main" xmlns:r="http://schemas.openxmlformats.org/officeDocument/2006/relationships" xmlns:p="http://schemas.openxmlformats.org/presentationml/2006/main">
   <p:cSld>
     <p:bg>
@@ -12153,7 +12893,7 @@
           <p:cNvPr id="2" name="Title 1" hidden="1">
             <a:extLst>
               <a:ext uri="{FF2B5EF4-FFF2-40B4-BE49-F238E27FC236}">
-                <a16:creationId xmlns:a16="http://schemas.microsoft.com/office/drawing/2014/main" xmlns="" id="{E4A62A27-F9F7-6740-95F2-A32D07E72FA3}"/>
+                <a16:creationId xmlns="" xmlns:a16="http://schemas.microsoft.com/office/drawing/2014/main" id="{E4A62A27-F9F7-6740-95F2-A32D07E72FA3}"/>
               </a:ext>
             </a:extLst>
           </p:cNvPr>
@@ -12350,8 +13090,27 @@
                 <a:ea typeface="Arial" charset="0"/>
                 <a:cs typeface="Arial" charset="0"/>
               </a:rPr>
-              <a:t>Applying Rasch theory to guide product design</a:t>
-            </a:r>
+              <a:t>Applying Rasch theory to </a:t>
+            </a:r>
+            <a:r>
+              <a:rPr lang="en-GB" sz="2800" b="1" dirty="0" smtClean="0">
+                <a:solidFill>
+                  <a:schemeClr val="tx1"/>
+                </a:solidFill>
+                <a:latin typeface="Arial" charset="0"/>
+                <a:ea typeface="Arial" charset="0"/>
+                <a:cs typeface="Arial" charset="0"/>
+              </a:rPr>
+              <a:t>consumer survey data</a:t>
+            </a:r>
+            <a:endParaRPr lang="en-GB" sz="2800" b="1" dirty="0" smtClean="0">
+              <a:solidFill>
+                <a:schemeClr val="tx1"/>
+              </a:solidFill>
+              <a:latin typeface="Arial" charset="0"/>
+              <a:ea typeface="Arial" charset="0"/>
+              <a:cs typeface="Arial" charset="0"/>
+            </a:endParaRPr>
           </a:p>
           <a:p>
             <a:endParaRPr lang="en-GB" sz="2800" b="1" dirty="0" smtClean="0">
@@ -12492,7 +13251,7 @@
 </p:sld>
 </file>
 
-<file path=ppt/slides/slide3.xml><?xml version="1.0" encoding="utf-8"?>
+<file path=ppt/slides/slide5.xml><?xml version="1.0" encoding="utf-8"?>
 <p:sld xmlns:a="http://schemas.openxmlformats.org/drawingml/2006/main" xmlns:r="http://schemas.openxmlformats.org/officeDocument/2006/relationships" xmlns:p="http://schemas.openxmlformats.org/presentationml/2006/main">
   <p:cSld>
     <p:spTree>
@@ -12532,7 +13291,7 @@
         </p:blipFill>
         <p:spPr bwMode="auto">
           <a:xfrm>
-            <a:off x="1072660" y="1753473"/>
+            <a:off x="1315256" y="2891808"/>
             <a:ext cx="4067166" cy="3047127"/>
           </a:xfrm>
           <a:prstGeom prst="rect">
@@ -12671,7 +13430,7 @@
 </p:sld>
 </file>
 
-<file path=ppt/slides/slide4.xml><?xml version="1.0" encoding="utf-8"?>
+<file path=ppt/slides/slide6.xml><?xml version="1.0" encoding="utf-8"?>
 <p:sld xmlns:a="http://schemas.openxmlformats.org/drawingml/2006/main" xmlns:r="http://schemas.openxmlformats.org/officeDocument/2006/relationships" xmlns:p="http://schemas.openxmlformats.org/presentationml/2006/main">
   <p:cSld>
     <p:spTree>
@@ -12704,597 +13463,293 @@
           <a:lstStyle/>
           <a:p>
             <a:r>
-              <a:rPr lang="en-GB" dirty="0" smtClean="0"/>
+              <a:rPr lang="en-GB"/>
               <a:t>Rasch Measurement Theory</a:t>
             </a:r>
-            <a:endParaRPr lang="en-GB" dirty="0"/>
           </a:p>
         </p:txBody>
       </p:sp>
-      <mc:AlternateContent xmlns:mc="http://schemas.openxmlformats.org/markup-compatibility/2006" xmlns:a14="http://schemas.microsoft.com/office/drawing/2010/main">
-        <mc:Choice Requires="a14">
-          <p:sp>
-            <p:nvSpPr>
-              <p:cNvPr id="17" name="Rectangle 16"/>
-              <p:cNvSpPr/>
-              <p:nvPr/>
-            </p:nvSpPr>
-            <p:spPr>
-              <a:xfrm>
-                <a:off x="1347789" y="1849598"/>
-                <a:ext cx="3669404" cy="866199"/>
-              </a:xfrm>
-              <a:prstGeom prst="rect">
-                <a:avLst/>
-              </a:prstGeom>
-            </p:spPr>
-            <p:txBody>
-              <a:bodyPr wrap="square">
-                <a:spAutoFit/>
-              </a:bodyPr>
-              <a:lstStyle/>
-              <a:p>
-                <a:pPr/>
-                <a14:m>
-                  <m:oMathPara xmlns:m="http://schemas.openxmlformats.org/officeDocument/2006/math">
-                    <m:oMathParaPr>
-                      <m:jc m:val="centerGroup"/>
-                    </m:oMathParaPr>
-                    <m:oMath xmlns:m="http://schemas.openxmlformats.org/officeDocument/2006/math">
-                      <m:r>
-                        <a:rPr lang="en-GB" sz="2400" b="0" i="1" smtClean="0">
-                          <a:latin typeface="Cambria Math" panose="02040503050406030204" pitchFamily="18" charset="0"/>
-                          <a:cs typeface="Adobe Devanagari" panose="02040503050201020203" pitchFamily="18" charset="0"/>
-                          <a:sym typeface="Titillium Web"/>
-                        </a:rPr>
-                        <m:t>𝑝</m:t>
-                      </m:r>
-                      <m:r>
-                        <a:rPr lang="en-GB" sz="2400" i="1">
-                          <a:latin typeface="Cambria Math" panose="02040503050406030204" pitchFamily="18" charset="0"/>
-                          <a:cs typeface="Adobe Devanagari" panose="02040503050201020203" pitchFamily="18" charset="0"/>
-                          <a:sym typeface="Titillium Web"/>
-                        </a:rPr>
-                        <m:t>(</m:t>
-                      </m:r>
-                      <m:r>
-                        <m:rPr>
-                          <m:sty m:val="p"/>
-                        </m:rPr>
-                        <a:rPr lang="el-GR" sz="2400" i="1">
-                          <a:latin typeface="Cambria Math" panose="02040503050406030204" pitchFamily="18" charset="0"/>
-                          <a:cs typeface="Adobe Devanagari" panose="02040503050201020203" pitchFamily="18" charset="0"/>
-                          <a:sym typeface="Titillium Web"/>
-                        </a:rPr>
-                        <m:t>θ</m:t>
-                      </m:r>
-                      <m:r>
-                        <a:rPr lang="en-GB" sz="2400" i="1">
-                          <a:latin typeface="Cambria Math" panose="02040503050406030204" pitchFamily="18" charset="0"/>
-                          <a:cs typeface="Adobe Devanagari" panose="02040503050201020203" pitchFamily="18" charset="0"/>
-                          <a:sym typeface="Titillium Web"/>
-                        </a:rPr>
-                        <m:t>)</m:t>
-                      </m:r>
-                      <m:r>
-                        <a:rPr lang="en-GB" sz="2400" i="1">
-                          <a:latin typeface="Cambria Math" panose="02040503050406030204" pitchFamily="18" charset="0"/>
-                          <a:ea typeface="Titillium Web"/>
-                          <a:cs typeface="Adobe Devanagari" panose="02040503050201020203" pitchFamily="18" charset="0"/>
-                          <a:sym typeface="Titillium Web"/>
-                        </a:rPr>
-                        <m:t>=</m:t>
-                      </m:r>
-                      <m:f>
-                        <m:fPr>
-                          <m:ctrlPr>
-                            <a:rPr lang="en-GB" sz="2400" i="1">
-                              <a:latin typeface="Cambria Math" panose="02040503050406030204" pitchFamily="18" charset="0"/>
-                              <a:cs typeface="Adobe Devanagari" panose="02040503050201020203" pitchFamily="18" charset="0"/>
-                              <a:sym typeface="Titillium Web"/>
-                            </a:rPr>
-                          </m:ctrlPr>
-                        </m:fPr>
-                        <m:num>
-                          <m:sSup>
-                            <m:sSupPr>
-                              <m:ctrlPr>
-                                <a:rPr lang="en-GB" sz="2400" i="1">
-                                  <a:latin typeface="Cambria Math" panose="02040503050406030204" pitchFamily="18" charset="0"/>
-                                  <a:ea typeface="Titillium Web"/>
-                                  <a:cs typeface="Adobe Devanagari" panose="02040503050201020203" pitchFamily="18" charset="0"/>
-                                  <a:sym typeface="Titillium Web"/>
-                                </a:rPr>
-                              </m:ctrlPr>
-                            </m:sSupPr>
-                            <m:e>
-                              <m:r>
-                                <a:rPr lang="en-GB" sz="2400" i="1">
-                                  <a:latin typeface="Cambria Math" panose="02040503050406030204" pitchFamily="18" charset="0"/>
-                                  <a:ea typeface="Titillium Web"/>
-                                  <a:cs typeface="Adobe Devanagari" panose="02040503050201020203" pitchFamily="18" charset="0"/>
-                                  <a:sym typeface="Titillium Web"/>
-                                </a:rPr>
-                                <m:t>𝑒</m:t>
-                              </m:r>
-                            </m:e>
-                            <m:sup>
-                              <m:r>
-                                <a:rPr lang="en-GB" sz="2400" i="1">
-                                  <a:latin typeface="Cambria Math" panose="02040503050406030204" pitchFamily="18" charset="0"/>
-                                  <a:ea typeface="Titillium Web"/>
-                                  <a:cs typeface="Adobe Devanagari" panose="02040503050201020203" pitchFamily="18" charset="0"/>
-                                  <a:sym typeface="Titillium Web"/>
-                                </a:rPr>
-                                <m:t>(</m:t>
-                              </m:r>
-                              <m:r>
-                                <m:rPr>
-                                  <m:sty m:val="p"/>
-                                </m:rPr>
-                                <a:rPr lang="el-GR" sz="2400" i="1">
-                                  <a:latin typeface="Cambria Math" panose="02040503050406030204" pitchFamily="18" charset="0"/>
-                                  <a:cs typeface="Adobe Devanagari" panose="02040503050201020203" pitchFamily="18" charset="0"/>
-                                  <a:sym typeface="Titillium Web"/>
-                                </a:rPr>
-                                <m:t>θ</m:t>
-                              </m:r>
-                              <m:r>
-                                <a:rPr lang="en-GB" sz="2400" i="1">
-                                  <a:latin typeface="Cambria Math" panose="02040503050406030204" pitchFamily="18" charset="0"/>
-                                  <a:cs typeface="Adobe Devanagari" panose="02040503050201020203" pitchFamily="18" charset="0"/>
-                                  <a:sym typeface="Titillium Web"/>
-                                </a:rPr>
-                                <m:t>−</m:t>
-                              </m:r>
-                              <m:r>
-                                <m:rPr>
-                                  <m:sty m:val="p"/>
-                                </m:rPr>
-                                <a:rPr lang="el-GR" sz="2400" i="1">
-                                  <a:latin typeface="Cambria Math" panose="02040503050406030204" pitchFamily="18" charset="0"/>
-                                  <a:cs typeface="Adobe Devanagari" panose="02040503050201020203" pitchFamily="18" charset="0"/>
-                                  <a:sym typeface="Titillium Web"/>
-                                </a:rPr>
-                                <m:t>δ</m:t>
-                              </m:r>
-                              <m:r>
-                                <a:rPr lang="en-GB" sz="2400" i="1">
-                                  <a:latin typeface="Cambria Math" panose="02040503050406030204" pitchFamily="18" charset="0"/>
-                                  <a:ea typeface="Titillium Web"/>
-                                  <a:cs typeface="Adobe Devanagari" panose="02040503050201020203" pitchFamily="18" charset="0"/>
-                                  <a:sym typeface="Titillium Web"/>
-                                </a:rPr>
-                                <m:t>)</m:t>
-                              </m:r>
-                            </m:sup>
-                          </m:sSup>
-                        </m:num>
-                        <m:den>
-                          <m:r>
-                            <a:rPr lang="en-GB" sz="2400" i="1">
-                              <a:latin typeface="Cambria Math" panose="02040503050406030204" pitchFamily="18" charset="0"/>
-                              <a:cs typeface="Adobe Devanagari" panose="02040503050201020203" pitchFamily="18" charset="0"/>
-                              <a:sym typeface="Titillium Web"/>
-                            </a:rPr>
-                            <m:t>1+</m:t>
-                          </m:r>
-                          <m:sSup>
-                            <m:sSupPr>
-                              <m:ctrlPr>
-                                <a:rPr lang="en-GB" sz="2400" i="1">
-                                  <a:latin typeface="Cambria Math" panose="02040503050406030204" pitchFamily="18" charset="0"/>
-                                  <a:ea typeface="Titillium Web"/>
-                                  <a:cs typeface="Adobe Devanagari" panose="02040503050201020203" pitchFamily="18" charset="0"/>
-                                  <a:sym typeface="Titillium Web"/>
-                                </a:rPr>
-                              </m:ctrlPr>
-                            </m:sSupPr>
-                            <m:e>
-                              <m:r>
-                                <a:rPr lang="en-GB" sz="2400" i="1">
-                                  <a:latin typeface="Cambria Math" panose="02040503050406030204" pitchFamily="18" charset="0"/>
-                                  <a:ea typeface="Titillium Web"/>
-                                  <a:cs typeface="Adobe Devanagari" panose="02040503050201020203" pitchFamily="18" charset="0"/>
-                                  <a:sym typeface="Titillium Web"/>
-                                </a:rPr>
-                                <m:t>𝑒</m:t>
-                              </m:r>
-                            </m:e>
-                            <m:sup>
-                              <m:r>
-                                <a:rPr lang="en-GB" sz="2400" i="1">
-                                  <a:latin typeface="Cambria Math" panose="02040503050406030204" pitchFamily="18" charset="0"/>
-                                  <a:ea typeface="Titillium Web"/>
-                                  <a:cs typeface="Adobe Devanagari" panose="02040503050201020203" pitchFamily="18" charset="0"/>
-                                  <a:sym typeface="Titillium Web"/>
-                                </a:rPr>
-                                <m:t>(</m:t>
-                              </m:r>
-                              <m:r>
-                                <m:rPr>
-                                  <m:sty m:val="p"/>
-                                </m:rPr>
-                                <a:rPr lang="el-GR" sz="2400" i="1">
-                                  <a:latin typeface="Cambria Math" panose="02040503050406030204" pitchFamily="18" charset="0"/>
-                                  <a:cs typeface="Adobe Devanagari" panose="02040503050201020203" pitchFamily="18" charset="0"/>
-                                  <a:sym typeface="Titillium Web"/>
-                                </a:rPr>
-                                <m:t>θ</m:t>
-                              </m:r>
-                              <m:r>
-                                <a:rPr lang="en-GB" sz="2400" i="1">
-                                  <a:latin typeface="Cambria Math" panose="02040503050406030204" pitchFamily="18" charset="0"/>
-                                  <a:cs typeface="Adobe Devanagari" panose="02040503050201020203" pitchFamily="18" charset="0"/>
-                                  <a:sym typeface="Titillium Web"/>
-                                </a:rPr>
-                                <m:t>−</m:t>
-                              </m:r>
-                              <m:r>
-                                <m:rPr>
-                                  <m:sty m:val="p"/>
-                                </m:rPr>
-                                <a:rPr lang="el-GR" sz="2400" i="1">
-                                  <a:latin typeface="Cambria Math" panose="02040503050406030204" pitchFamily="18" charset="0"/>
-                                  <a:cs typeface="Adobe Devanagari" panose="02040503050201020203" pitchFamily="18" charset="0"/>
-                                  <a:sym typeface="Titillium Web"/>
-                                </a:rPr>
-                                <m:t>δ</m:t>
-                              </m:r>
-                              <m:r>
-                                <a:rPr lang="en-GB" sz="2400" i="1">
-                                  <a:latin typeface="Cambria Math" panose="02040503050406030204" pitchFamily="18" charset="0"/>
-                                  <a:ea typeface="Titillium Web"/>
-                                  <a:cs typeface="Adobe Devanagari" panose="02040503050201020203" pitchFamily="18" charset="0"/>
-                                  <a:sym typeface="Titillium Web"/>
-                                </a:rPr>
-                                <m:t>)</m:t>
-                              </m:r>
-                            </m:sup>
-                          </m:sSup>
-                        </m:den>
-                      </m:f>
-                    </m:oMath>
-                  </m:oMathPara>
-                </a14:m>
-                <a:endParaRPr lang="en-GB" sz="2400" dirty="0"/>
-              </a:p>
-            </p:txBody>
-          </p:sp>
-        </mc:Choice>
-        <mc:Fallback xmlns="">
-          <p:sp>
-            <p:nvSpPr>
-              <p:cNvPr id="17" name="Rectangle 16"/>
-              <p:cNvSpPr>
-                <a:spLocks noRot="1" noChangeAspect="1" noMove="1" noResize="1" noEditPoints="1" noAdjustHandles="1" noChangeArrowheads="1" noChangeShapeType="1" noTextEdit="1"/>
-              </p:cNvSpPr>
-              <p:nvPr/>
-            </p:nvSpPr>
-            <p:spPr>
-              <a:xfrm>
-                <a:off x="1347789" y="1849598"/>
-                <a:ext cx="3669404" cy="866199"/>
-              </a:xfrm>
-              <a:prstGeom prst="rect">
-                <a:avLst/>
-              </a:prstGeom>
-              <a:blipFill rotWithShape="0">
-                <a:blip r:embed="rId3"/>
-                <a:stretch>
-                  <a:fillRect/>
-                </a:stretch>
-              </a:blipFill>
-            </p:spPr>
-            <p:txBody>
-              <a:bodyPr/>
-              <a:lstStyle/>
-              <a:p>
-                <a:r>
-                  <a:rPr lang="en-GB">
-                    <a:noFill/>
-                  </a:rPr>
-                  <a:t> </a:t>
-                </a:r>
-              </a:p>
-            </p:txBody>
-          </p:sp>
-        </mc:Fallback>
-      </mc:AlternateContent>
-      <mc:AlternateContent xmlns:mc="http://schemas.openxmlformats.org/markup-compatibility/2006" xmlns:a14="http://schemas.microsoft.com/office/drawing/2010/main">
-        <mc:Choice Requires="a14">
-          <p:sp>
-            <p:nvSpPr>
-              <p:cNvPr id="18" name="TextBox 17"/>
-              <p:cNvSpPr txBox="1"/>
-              <p:nvPr/>
-            </p:nvSpPr>
-            <p:spPr>
-              <a:xfrm>
-                <a:off x="6294922" y="1581612"/>
-                <a:ext cx="3888623" cy="461665"/>
-              </a:xfrm>
-              <a:prstGeom prst="rect">
-                <a:avLst/>
-              </a:prstGeom>
-              <a:noFill/>
-            </p:spPr>
-            <p:txBody>
-              <a:bodyPr wrap="square" rtlCol="0">
-                <a:spAutoFit/>
-              </a:bodyPr>
-              <a:lstStyle/>
-              <a:p>
-                <a14:m>
-                  <m:oMath xmlns:m="http://schemas.openxmlformats.org/officeDocument/2006/math">
-                    <m:r>
-                      <m:rPr>
-                        <m:sty m:val="p"/>
-                      </m:rPr>
-                      <a:rPr lang="el-GR" sz="2400" i="1" smtClean="0">
-                        <a:latin typeface="Cambria Math" panose="02040503050406030204" pitchFamily="18" charset="0"/>
-                        <a:cs typeface="Adobe Devanagari" panose="02040503050201020203" pitchFamily="18" charset="0"/>
-                        <a:sym typeface="Titillium Web"/>
-                      </a:rPr>
-                      <m:t>θ</m:t>
-                    </m:r>
-                  </m:oMath>
-                </a14:m>
-                <a:r>
-                  <a:rPr lang="en-GB" sz="2400" dirty="0" smtClean="0"/>
-                  <a:t> = person ability</a:t>
-                </a:r>
-                <a:endParaRPr lang="en-GB" sz="2400" dirty="0"/>
-              </a:p>
-            </p:txBody>
-          </p:sp>
-        </mc:Choice>
-        <mc:Fallback xmlns="">
-          <p:sp>
-            <p:nvSpPr>
-              <p:cNvPr id="18" name="TextBox 17"/>
-              <p:cNvSpPr txBox="1">
-                <a:spLocks noRot="1" noChangeAspect="1" noMove="1" noResize="1" noEditPoints="1" noAdjustHandles="1" noChangeArrowheads="1" noChangeShapeType="1" noTextEdit="1"/>
-              </p:cNvSpPr>
-              <p:nvPr/>
-            </p:nvSpPr>
-            <p:spPr>
-              <a:xfrm>
-                <a:off x="6294922" y="1581612"/>
-                <a:ext cx="3888623" cy="461665"/>
-              </a:xfrm>
-              <a:prstGeom prst="rect">
-                <a:avLst/>
-              </a:prstGeom>
-              <a:blipFill rotWithShape="0">
-                <a:blip r:embed="rId4"/>
-                <a:stretch>
-                  <a:fillRect l="-470" t="-10526" b="-28947"/>
-                </a:stretch>
-              </a:blipFill>
-            </p:spPr>
-            <p:txBody>
-              <a:bodyPr/>
-              <a:lstStyle/>
-              <a:p>
-                <a:r>
-                  <a:rPr lang="en-GB">
-                    <a:noFill/>
-                  </a:rPr>
-                  <a:t> </a:t>
-                </a:r>
-              </a:p>
-            </p:txBody>
-          </p:sp>
-        </mc:Fallback>
-      </mc:AlternateContent>
-      <mc:AlternateContent xmlns:mc="http://schemas.openxmlformats.org/markup-compatibility/2006" xmlns:a14="http://schemas.microsoft.com/office/drawing/2010/main">
-        <mc:Choice Requires="a14">
-          <p:sp>
-            <p:nvSpPr>
-              <p:cNvPr id="19" name="TextBox 18"/>
-              <p:cNvSpPr txBox="1"/>
-              <p:nvPr/>
-            </p:nvSpPr>
-            <p:spPr>
-              <a:xfrm>
-                <a:off x="6294921" y="2091499"/>
-                <a:ext cx="3888623" cy="461665"/>
-              </a:xfrm>
-              <a:prstGeom prst="rect">
-                <a:avLst/>
-              </a:prstGeom>
-              <a:noFill/>
-            </p:spPr>
-            <p:txBody>
-              <a:bodyPr wrap="square" rtlCol="0">
-                <a:spAutoFit/>
-              </a:bodyPr>
-              <a:lstStyle/>
-              <a:p>
-                <a14:m>
-                  <m:oMath xmlns:m="http://schemas.openxmlformats.org/officeDocument/2006/math">
-                    <m:r>
-                      <m:rPr>
-                        <m:sty m:val="p"/>
-                      </m:rPr>
-                      <a:rPr lang="el-GR" sz="2400" i="1" smtClean="0">
-                        <a:latin typeface="Cambria Math" panose="02040503050406030204" pitchFamily="18" charset="0"/>
-                        <a:cs typeface="Adobe Devanagari" panose="02040503050201020203" pitchFamily="18" charset="0"/>
-                        <a:sym typeface="Titillium Web"/>
-                      </a:rPr>
-                      <m:t>δ</m:t>
-                    </m:r>
-                  </m:oMath>
-                </a14:m>
-                <a:r>
-                  <a:rPr lang="en-GB" sz="2400" dirty="0" smtClean="0"/>
-                  <a:t> = item difficulty</a:t>
-                </a:r>
-                <a:endParaRPr lang="en-GB" sz="2400" dirty="0"/>
-              </a:p>
-            </p:txBody>
-          </p:sp>
-        </mc:Choice>
-        <mc:Fallback xmlns="">
-          <p:sp>
-            <p:nvSpPr>
-              <p:cNvPr id="19" name="TextBox 18"/>
-              <p:cNvSpPr txBox="1">
-                <a:spLocks noRot="1" noChangeAspect="1" noMove="1" noResize="1" noEditPoints="1" noAdjustHandles="1" noChangeArrowheads="1" noChangeShapeType="1" noTextEdit="1"/>
-              </p:cNvSpPr>
-              <p:nvPr/>
-            </p:nvSpPr>
-            <p:spPr>
-              <a:xfrm>
-                <a:off x="6294921" y="2091499"/>
-                <a:ext cx="3888623" cy="461665"/>
-              </a:xfrm>
-              <a:prstGeom prst="rect">
-                <a:avLst/>
-              </a:prstGeom>
-              <a:blipFill rotWithShape="0">
-                <a:blip r:embed="rId5"/>
-                <a:stretch>
-                  <a:fillRect l="-470" t="-10526" b="-28947"/>
-                </a:stretch>
-              </a:blipFill>
-            </p:spPr>
-            <p:txBody>
-              <a:bodyPr/>
-              <a:lstStyle/>
-              <a:p>
-                <a:r>
-                  <a:rPr lang="en-GB">
-                    <a:noFill/>
-                  </a:rPr>
-                  <a:t> </a:t>
-                </a:r>
-              </a:p>
-            </p:txBody>
-          </p:sp>
-        </mc:Fallback>
-      </mc:AlternateContent>
-      <mc:AlternateContent xmlns:mc="http://schemas.openxmlformats.org/markup-compatibility/2006" xmlns:a14="http://schemas.microsoft.com/office/drawing/2010/main">
-        <mc:Choice Requires="a14">
-          <p:sp>
-            <p:nvSpPr>
-              <p:cNvPr id="6" name="TextBox 5"/>
-              <p:cNvSpPr txBox="1"/>
-              <p:nvPr/>
-            </p:nvSpPr>
-            <p:spPr>
-              <a:xfrm>
-                <a:off x="5872752" y="2564901"/>
-                <a:ext cx="6370048" cy="461665"/>
-              </a:xfrm>
-              <a:prstGeom prst="rect">
-                <a:avLst/>
-              </a:prstGeom>
-              <a:noFill/>
-            </p:spPr>
-            <p:txBody>
-              <a:bodyPr wrap="square" rtlCol="0">
-                <a:spAutoFit/>
-              </a:bodyPr>
-              <a:lstStyle/>
-              <a:p>
-                <a14:m>
-                  <m:oMath xmlns:m="http://schemas.openxmlformats.org/officeDocument/2006/math">
-                    <m:r>
-                      <a:rPr lang="en-GB" sz="2400" b="0" i="1" smtClean="0">
-                        <a:latin typeface="Cambria Math" panose="02040503050406030204" pitchFamily="18" charset="0"/>
-                        <a:cs typeface="Adobe Devanagari" panose="02040503050201020203" pitchFamily="18" charset="0"/>
-                        <a:sym typeface="Titillium Web"/>
-                      </a:rPr>
-                      <m:t>𝑝</m:t>
-                    </m:r>
-                    <m:d>
-                      <m:dPr>
-                        <m:ctrlPr>
-                          <a:rPr lang="en-GB" sz="2400" i="1">
-                            <a:latin typeface="Cambria Math" panose="02040503050406030204" pitchFamily="18" charset="0"/>
-                            <a:cs typeface="Adobe Devanagari" panose="02040503050201020203" pitchFamily="18" charset="0"/>
-                            <a:sym typeface="Titillium Web"/>
-                          </a:rPr>
-                        </m:ctrlPr>
-                      </m:dPr>
-                      <m:e>
-                        <m:r>
-                          <m:rPr>
-                            <m:sty m:val="p"/>
-                          </m:rPr>
-                          <a:rPr lang="el-GR" sz="2400" i="1">
-                            <a:latin typeface="Cambria Math" panose="02040503050406030204" pitchFamily="18" charset="0"/>
-                            <a:cs typeface="Adobe Devanagari" panose="02040503050201020203" pitchFamily="18" charset="0"/>
-                            <a:sym typeface="Titillium Web"/>
-                          </a:rPr>
-                          <m:t>θ</m:t>
-                        </m:r>
-                      </m:e>
-                    </m:d>
-                    <m:r>
-                      <a:rPr lang="en-GB" sz="2400" b="0" i="1" smtClean="0">
-                        <a:latin typeface="Cambria Math" panose="02040503050406030204" pitchFamily="18" charset="0"/>
-                        <a:cs typeface="Adobe Devanagari" panose="02040503050201020203" pitchFamily="18" charset="0"/>
-                        <a:sym typeface="Titillium Web"/>
-                      </a:rPr>
-                      <m:t> </m:t>
-                    </m:r>
-                  </m:oMath>
-                </a14:m>
-                <a:r>
-                  <a:rPr lang="en-GB" sz="2400" dirty="0" smtClean="0"/>
-                  <a:t>= probability of person answering correctly</a:t>
-                </a:r>
-                <a:endParaRPr lang="en-GB" sz="2400" dirty="0"/>
-              </a:p>
-            </p:txBody>
-          </p:sp>
-        </mc:Choice>
-        <mc:Fallback xmlns="">
-          <p:sp>
-            <p:nvSpPr>
-              <p:cNvPr id="6" name="TextBox 5"/>
-              <p:cNvSpPr txBox="1">
-                <a:spLocks noRot="1" noChangeAspect="1" noMove="1" noResize="1" noEditPoints="1" noAdjustHandles="1" noChangeArrowheads="1" noChangeShapeType="1" noTextEdit="1"/>
-              </p:cNvSpPr>
-              <p:nvPr/>
-            </p:nvSpPr>
-            <p:spPr>
-              <a:xfrm>
-                <a:off x="5872752" y="2564901"/>
-                <a:ext cx="6370048" cy="461665"/>
-              </a:xfrm>
-              <a:prstGeom prst="rect">
-                <a:avLst/>
-              </a:prstGeom>
-              <a:blipFill rotWithShape="0">
-                <a:blip r:embed="rId6"/>
-                <a:stretch>
-                  <a:fillRect l="-287" t="-10667" b="-30667"/>
-                </a:stretch>
-              </a:blipFill>
-            </p:spPr>
-            <p:txBody>
-              <a:bodyPr/>
-              <a:lstStyle/>
-              <a:p>
-                <a:r>
-                  <a:rPr lang="en-GB">
-                    <a:noFill/>
-                  </a:rPr>
-                  <a:t> </a:t>
-                </a:r>
-              </a:p>
-            </p:txBody>
-          </p:sp>
-        </mc:Fallback>
-      </mc:AlternateContent>
+      <p:pic>
+        <p:nvPicPr>
+          <p:cNvPr id="12" name="Picture 12" descr="A drawing of a person&#10;&#10;Description generated with high confidence">
+            <a:extLst>
+              <a:ext uri="{FF2B5EF4-FFF2-40B4-BE49-F238E27FC236}">
+                <a16:creationId xmlns:a16="http://schemas.microsoft.com/office/drawing/2014/main" xmlns="" id="{49D116EE-1C69-4B7D-AC38-6821CB32C3F5}"/>
+              </a:ext>
+            </a:extLst>
+          </p:cNvPr>
+          <p:cNvPicPr>
+            <a:picLocks noChangeAspect="1"/>
+          </p:cNvPicPr>
+          <p:nvPr/>
+        </p:nvPicPr>
+        <p:blipFill>
+          <a:blip r:embed="rId3"/>
+          <a:stretch>
+            <a:fillRect/>
+          </a:stretch>
+        </p:blipFill>
+        <p:spPr>
+          <a:xfrm>
+            <a:off x="4761571" y="1435363"/>
+            <a:ext cx="2743200" cy="1050785"/>
+          </a:xfrm>
+          <a:prstGeom prst="rect">
+            <a:avLst/>
+          </a:prstGeom>
+        </p:spPr>
+      </p:pic>
+      <p:cxnSp>
+        <p:nvCxnSpPr>
+          <p:cNvPr id="14" name="Straight Arrow Connector 13">
+            <a:extLst>
+              <a:ext uri="{FF2B5EF4-FFF2-40B4-BE49-F238E27FC236}">
+                <a16:creationId xmlns:a16="http://schemas.microsoft.com/office/drawing/2014/main" xmlns="" id="{57FAD2E8-942D-41A3-ABFC-29CE382DA445}"/>
+              </a:ext>
+            </a:extLst>
+          </p:cNvPr>
+          <p:cNvCxnSpPr/>
+          <p:nvPr/>
+        </p:nvCxnSpPr>
+        <p:spPr>
+          <a:xfrm flipV="1">
+            <a:off x="4263482" y="2204226"/>
+            <a:ext cx="542694" cy="265770"/>
+          </a:xfrm>
+          <a:prstGeom prst="straightConnector1">
+            <a:avLst/>
+          </a:prstGeom>
+          <a:ln>
+            <a:solidFill>
+              <a:schemeClr val="tx1"/>
+            </a:solidFill>
+            <a:tailEnd type="triangle"/>
+          </a:ln>
+        </p:spPr>
+        <p:style>
+          <a:lnRef idx="1">
+            <a:schemeClr val="accent1"/>
+          </a:lnRef>
+          <a:fillRef idx="0">
+            <a:schemeClr val="accent1"/>
+          </a:fillRef>
+          <a:effectRef idx="0">
+            <a:schemeClr val="accent1"/>
+          </a:effectRef>
+          <a:fontRef idx="minor">
+            <a:schemeClr val="tx1"/>
+          </a:fontRef>
+        </p:style>
+      </p:cxnSp>
+      <p:cxnSp>
+        <p:nvCxnSpPr>
+          <p:cNvPr id="20" name="Straight Arrow Connector 19">
+            <a:extLst>
+              <a:ext uri="{FF2B5EF4-FFF2-40B4-BE49-F238E27FC236}">
+                <a16:creationId xmlns:a16="http://schemas.microsoft.com/office/drawing/2014/main" xmlns="" id="{6BAB7792-AE92-4D26-89AD-9335870461D7}"/>
+              </a:ext>
+            </a:extLst>
+          </p:cNvPr>
+          <p:cNvCxnSpPr>
+            <a:cxnSpLocks/>
+          </p:cNvCxnSpPr>
+          <p:nvPr/>
+        </p:nvCxnSpPr>
+        <p:spPr>
+          <a:xfrm flipV="1">
+            <a:off x="6410093" y="2120591"/>
+            <a:ext cx="22301" cy="423746"/>
+          </a:xfrm>
+          <a:prstGeom prst="straightConnector1">
+            <a:avLst/>
+          </a:prstGeom>
+          <a:ln>
+            <a:solidFill>
+              <a:schemeClr val="tx1"/>
+            </a:solidFill>
+            <a:tailEnd type="triangle"/>
+          </a:ln>
+        </p:spPr>
+        <p:style>
+          <a:lnRef idx="1">
+            <a:schemeClr val="accent1"/>
+          </a:lnRef>
+          <a:fillRef idx="0">
+            <a:schemeClr val="accent1"/>
+          </a:fillRef>
+          <a:effectRef idx="0">
+            <a:schemeClr val="accent1"/>
+          </a:effectRef>
+          <a:fontRef idx="minor">
+            <a:schemeClr val="tx1"/>
+          </a:fontRef>
+        </p:style>
+      </p:cxnSp>
+      <p:cxnSp>
+        <p:nvCxnSpPr>
+          <p:cNvPr id="21" name="Straight Arrow Connector 20">
+            <a:extLst>
+              <a:ext uri="{FF2B5EF4-FFF2-40B4-BE49-F238E27FC236}">
+                <a16:creationId xmlns:a16="http://schemas.microsoft.com/office/drawing/2014/main" xmlns="" id="{D06253D5-C291-4D81-AC16-5E54B3B44C93}"/>
+              </a:ext>
+            </a:extLst>
+          </p:cNvPr>
+          <p:cNvCxnSpPr>
+            <a:cxnSpLocks/>
+          </p:cNvCxnSpPr>
+          <p:nvPr/>
+        </p:nvCxnSpPr>
+        <p:spPr>
+          <a:xfrm flipH="1" flipV="1">
+            <a:off x="6934200" y="2129885"/>
+            <a:ext cx="433038" cy="330818"/>
+          </a:xfrm>
+          <a:prstGeom prst="straightConnector1">
+            <a:avLst/>
+          </a:prstGeom>
+          <a:ln>
+            <a:solidFill>
+              <a:schemeClr val="tx1"/>
+            </a:solidFill>
+            <a:tailEnd type="triangle"/>
+          </a:ln>
+        </p:spPr>
+        <p:style>
+          <a:lnRef idx="1">
+            <a:schemeClr val="accent1"/>
+          </a:lnRef>
+          <a:fillRef idx="0">
+            <a:schemeClr val="accent1"/>
+          </a:fillRef>
+          <a:effectRef idx="0">
+            <a:schemeClr val="accent1"/>
+          </a:effectRef>
+          <a:fontRef idx="minor">
+            <a:schemeClr val="tx1"/>
+          </a:fontRef>
+        </p:style>
+      </p:cxnSp>
+      <p:sp>
+        <p:nvSpPr>
+          <p:cNvPr id="15" name="TextBox 14">
+            <a:extLst>
+              <a:ext uri="{FF2B5EF4-FFF2-40B4-BE49-F238E27FC236}">
+                <a16:creationId xmlns:a16="http://schemas.microsoft.com/office/drawing/2014/main" xmlns="" id="{D68E526F-8911-41D8-9027-5EC0DBA2A26E}"/>
+              </a:ext>
+            </a:extLst>
+          </p:cNvPr>
+          <p:cNvSpPr txBox="1"/>
+          <p:nvPr/>
+        </p:nvSpPr>
+        <p:spPr>
+          <a:xfrm>
+            <a:off x="2070178" y="2432592"/>
+            <a:ext cx="3514493" cy="369332"/>
+          </a:xfrm>
+          <a:prstGeom prst="rect">
+            <a:avLst/>
+          </a:prstGeom>
+          <a:noFill/>
+        </p:spPr>
+        <p:txBody>
+          <a:bodyPr rot="0" spcFirstLastPara="0" vertOverflow="overflow" horzOverflow="overflow" vert="horz" wrap="square" lIns="91440" tIns="45720" rIns="91440" bIns="45720" numCol="1" spcCol="0" rtlCol="0" fromWordArt="0" anchor="t" anchorCtr="0" forceAA="0" compatLnSpc="1">
+            <a:prstTxWarp prst="textNoShape">
+              <a:avLst/>
+            </a:prstTxWarp>
+            <a:spAutoFit/>
+          </a:bodyPr>
+          <a:lstStyle/>
+          <a:p>
+            <a:r>
+              <a:rPr lang="en-US" dirty="0"/>
+              <a:t>Probability of answering correctly</a:t>
+            </a:r>
+          </a:p>
+        </p:txBody>
+      </p:sp>
+      <p:sp>
+        <p:nvSpPr>
+          <p:cNvPr id="22" name="TextBox 21">
+            <a:extLst>
+              <a:ext uri="{FF2B5EF4-FFF2-40B4-BE49-F238E27FC236}">
+                <a16:creationId xmlns:a16="http://schemas.microsoft.com/office/drawing/2014/main" xmlns="" id="{7FEB07D6-B86E-4D19-BB09-9B286CEC9C86}"/>
+              </a:ext>
+            </a:extLst>
+          </p:cNvPr>
+          <p:cNvSpPr txBox="1"/>
+          <p:nvPr/>
+        </p:nvSpPr>
+        <p:spPr>
+          <a:xfrm>
+            <a:off x="5666446" y="2460469"/>
+            <a:ext cx="1488689" cy="369332"/>
+          </a:xfrm>
+          <a:prstGeom prst="rect">
+            <a:avLst/>
+          </a:prstGeom>
+          <a:noFill/>
+        </p:spPr>
+        <p:txBody>
+          <a:bodyPr rot="0" spcFirstLastPara="0" vertOverflow="overflow" horzOverflow="overflow" vert="horz" wrap="square" lIns="91440" tIns="45720" rIns="91440" bIns="45720" numCol="1" spcCol="0" rtlCol="0" fromWordArt="0" anchor="t" anchorCtr="0" forceAA="0" compatLnSpc="1">
+            <a:prstTxWarp prst="textNoShape">
+              <a:avLst/>
+            </a:prstTxWarp>
+            <a:spAutoFit/>
+          </a:bodyPr>
+          <a:lstStyle/>
+          <a:p>
+            <a:r>
+              <a:rPr lang="en-US" dirty="0"/>
+              <a:t>Person ability</a:t>
+            </a:r>
+          </a:p>
+        </p:txBody>
+      </p:sp>
+      <p:sp>
+        <p:nvSpPr>
+          <p:cNvPr id="23" name="TextBox 22">
+            <a:extLst>
+              <a:ext uri="{FF2B5EF4-FFF2-40B4-BE49-F238E27FC236}">
+                <a16:creationId xmlns:a16="http://schemas.microsoft.com/office/drawing/2014/main" xmlns="" id="{B48EB361-44EC-497A-9787-E901F00FBE9A}"/>
+              </a:ext>
+            </a:extLst>
+          </p:cNvPr>
+          <p:cNvSpPr txBox="1"/>
+          <p:nvPr/>
+        </p:nvSpPr>
+        <p:spPr>
+          <a:xfrm>
+            <a:off x="7264787" y="2395421"/>
+            <a:ext cx="2650274" cy="369332"/>
+          </a:xfrm>
+          <a:prstGeom prst="rect">
+            <a:avLst/>
+          </a:prstGeom>
+          <a:noFill/>
+        </p:spPr>
+        <p:txBody>
+          <a:bodyPr rot="0" spcFirstLastPara="0" vertOverflow="overflow" horzOverflow="overflow" vert="horz" wrap="square" lIns="91440" tIns="45720" rIns="91440" bIns="45720" numCol="1" spcCol="0" rtlCol="0" fromWordArt="0" anchor="t" anchorCtr="0" forceAA="0" compatLnSpc="1">
+            <a:prstTxWarp prst="textNoShape">
+              <a:avLst/>
+            </a:prstTxWarp>
+            <a:spAutoFit/>
+          </a:bodyPr>
+          <a:lstStyle/>
+          <a:p>
+            <a:r>
+              <a:rPr lang="en-US" dirty="0"/>
+              <a:t>Question (item) difficulty</a:t>
+            </a:r>
+            <a:endParaRPr lang="en-US" dirty="0">
+              <a:cs typeface="Calibri"/>
+            </a:endParaRPr>
+          </a:p>
+        </p:txBody>
+      </p:sp>
     </p:spTree>
     <p:extLst>
       <p:ext uri="{BB962C8B-B14F-4D97-AF65-F5344CB8AC3E}">
-        <p14:creationId xmlns:p14="http://schemas.microsoft.com/office/powerpoint/2010/main" val="501945099"/>
+        <p14:creationId xmlns:p14="http://schemas.microsoft.com/office/powerpoint/2010/main" val="1602826800"/>
       </p:ext>
     </p:extLst>
   </p:cSld>
@@ -13311,7 +13766,7 @@
 </p:sld>
 </file>
 
-<file path=ppt/slides/slide5.xml><?xml version="1.0" encoding="utf-8"?>
+<file path=ppt/slides/slide7.xml><?xml version="1.0" encoding="utf-8"?>
 <p:sld xmlns:a="http://schemas.openxmlformats.org/drawingml/2006/main" xmlns:r="http://schemas.openxmlformats.org/officeDocument/2006/relationships" xmlns:p="http://schemas.openxmlformats.org/presentationml/2006/main">
   <p:cSld>
     <p:spTree>
@@ -15743,7 +16198,7 @@
 </p:sld>
 </file>
 
-<file path=ppt/slides/slide6.xml><?xml version="1.0" encoding="utf-8"?>
+<file path=ppt/slides/slide8.xml><?xml version="1.0" encoding="utf-8"?>
 <p:sld xmlns:a="http://schemas.openxmlformats.org/drawingml/2006/main" xmlns:r="http://schemas.openxmlformats.org/officeDocument/2006/relationships" xmlns:p="http://schemas.openxmlformats.org/presentationml/2006/main">
   <p:cSld>
     <p:spTree>
@@ -15852,7 +16307,7 @@
 </p:sld>
 </file>
 
-<file path=ppt/slides/slide7.xml><?xml version="1.0" encoding="utf-8"?>
+<file path=ppt/slides/slide9.xml><?xml version="1.0" encoding="utf-8"?>
 <p:sld xmlns:a="http://schemas.openxmlformats.org/drawingml/2006/main" xmlns:r="http://schemas.openxmlformats.org/officeDocument/2006/relationships" xmlns:p="http://schemas.openxmlformats.org/presentationml/2006/main">
   <p:cSld>
     <p:spTree>
@@ -16181,833 +16636,6 @@
     <p:extLst>
       <p:ext uri="{BB962C8B-B14F-4D97-AF65-F5344CB8AC3E}">
         <p14:creationId xmlns:p14="http://schemas.microsoft.com/office/powerpoint/2010/main" val="1599832332"/>
-      </p:ext>
-    </p:extLst>
-  </p:cSld>
-  <p:clrMapOvr>
-    <a:masterClrMapping/>
-  </p:clrMapOvr>
-  <p:timing>
-    <p:tnLst>
-      <p:par>
-        <p:cTn id="1" dur="indefinite" restart="never" nodeType="tmRoot"/>
-      </p:par>
-    </p:tnLst>
-  </p:timing>
-</p:sld>
-</file>
-
-<file path=ppt/slides/slide8.xml><?xml version="1.0" encoding="utf-8"?>
-<p:sld xmlns:a="http://schemas.openxmlformats.org/drawingml/2006/main" xmlns:r="http://schemas.openxmlformats.org/officeDocument/2006/relationships" xmlns:p="http://schemas.openxmlformats.org/presentationml/2006/main">
-  <p:cSld>
-    <p:spTree>
-      <p:nvGrpSpPr>
-        <p:cNvPr id="1" name=""/>
-        <p:cNvGrpSpPr/>
-        <p:nvPr/>
-      </p:nvGrpSpPr>
-      <p:grpSpPr>
-        <a:xfrm>
-          <a:off x="0" y="0"/>
-          <a:ext cx="0" cy="0"/>
-          <a:chOff x="0" y="0"/>
-          <a:chExt cx="0" cy="0"/>
-        </a:xfrm>
-      </p:grpSpPr>
-      <p:sp>
-        <p:nvSpPr>
-          <p:cNvPr id="6" name="Title 1"/>
-          <p:cNvSpPr>
-            <a:spLocks noGrp="1"/>
-          </p:cNvSpPr>
-          <p:nvPr>
-            <p:ph type="title"/>
-          </p:nvPr>
-        </p:nvSpPr>
-        <p:spPr>
-          <a:xfrm>
-            <a:off x="838200" y="365125"/>
-            <a:ext cx="10515600" cy="1325563"/>
-          </a:xfrm>
-        </p:spPr>
-        <p:txBody>
-          <a:bodyPr/>
-          <a:lstStyle/>
-          <a:p>
-            <a:r>
-              <a:rPr lang="en-GB" dirty="0" smtClean="0"/>
-              <a:t>Rasch Measurement Theory</a:t>
-            </a:r>
-            <a:endParaRPr lang="en-GB" dirty="0"/>
-          </a:p>
-        </p:txBody>
-      </p:sp>
-      <p:grpSp>
-        <p:nvGrpSpPr>
-          <p:cNvPr id="24" name="Group 23"/>
-          <p:cNvGrpSpPr/>
-          <p:nvPr/>
-        </p:nvGrpSpPr>
-        <p:grpSpPr>
-          <a:xfrm>
-            <a:off x="7391400" y="5029695"/>
-            <a:ext cx="3657600" cy="904190"/>
-            <a:chOff x="7124700" y="4976813"/>
-            <a:chExt cx="3657600" cy="904190"/>
-          </a:xfrm>
-        </p:grpSpPr>
-        <p:sp>
-          <p:nvSpPr>
-            <p:cNvPr id="19" name="Rounded Rectangle 18"/>
-            <p:cNvSpPr/>
-            <p:nvPr/>
-          </p:nvSpPr>
-          <p:spPr>
-            <a:xfrm>
-              <a:off x="7124700" y="4976813"/>
-              <a:ext cx="3657600" cy="904190"/>
-            </a:xfrm>
-            <a:prstGeom prst="roundRect">
-              <a:avLst/>
-            </a:prstGeom>
-            <a:effectLst>
-              <a:outerShdw blurRad="50800" dist="38100" dir="2700000" algn="tl" rotWithShape="0">
-                <a:prstClr val="black">
-                  <a:alpha val="40000"/>
-                </a:prstClr>
-              </a:outerShdw>
-            </a:effectLst>
-          </p:spPr>
-          <p:style>
-            <a:lnRef idx="1">
-              <a:schemeClr val="accent2"/>
-            </a:lnRef>
-            <a:fillRef idx="2">
-              <a:schemeClr val="accent2"/>
-            </a:fillRef>
-            <a:effectRef idx="1">
-              <a:schemeClr val="accent2"/>
-            </a:effectRef>
-            <a:fontRef idx="minor">
-              <a:schemeClr val="dk1"/>
-            </a:fontRef>
-          </p:style>
-          <p:txBody>
-            <a:bodyPr rtlCol="0" anchor="ctr"/>
-            <a:lstStyle/>
-            <a:p>
-              <a:pPr algn="ctr"/>
-              <a:endParaRPr lang="en-GB"/>
-            </a:p>
-          </p:txBody>
-        </p:sp>
-        <p:sp>
-          <p:nvSpPr>
-            <p:cNvPr id="3" name="TextBox 2"/>
-            <p:cNvSpPr txBox="1"/>
-            <p:nvPr/>
-          </p:nvSpPr>
-          <p:spPr>
-            <a:xfrm>
-              <a:off x="7429500" y="5105743"/>
-              <a:ext cx="3048000" cy="646331"/>
-            </a:xfrm>
-            <a:prstGeom prst="rect">
-              <a:avLst/>
-            </a:prstGeom>
-            <a:noFill/>
-          </p:spPr>
-          <p:txBody>
-            <a:bodyPr wrap="square" rtlCol="0">
-              <a:spAutoFit/>
-            </a:bodyPr>
-            <a:lstStyle/>
-            <a:p>
-              <a:pPr algn="ctr"/>
-              <a:r>
-                <a:rPr lang="en-GB" b="1" dirty="0" smtClean="0"/>
-                <a:t>Likelihood to endorse usual laundry product</a:t>
-              </a:r>
-              <a:endParaRPr lang="en-GB" b="1" dirty="0"/>
-            </a:p>
-          </p:txBody>
-        </p:sp>
-      </p:grpSp>
-      <p:grpSp>
-        <p:nvGrpSpPr>
-          <p:cNvPr id="29" name="Group 28"/>
-          <p:cNvGrpSpPr/>
-          <p:nvPr/>
-        </p:nvGrpSpPr>
-        <p:grpSpPr>
-          <a:xfrm>
-            <a:off x="1085850" y="5029695"/>
-            <a:ext cx="3657600" cy="904190"/>
-            <a:chOff x="1085850" y="5029695"/>
-            <a:chExt cx="3657600" cy="904190"/>
-          </a:xfrm>
-        </p:grpSpPr>
-        <p:sp>
-          <p:nvSpPr>
-            <p:cNvPr id="18" name="Rounded Rectangle 17"/>
-            <p:cNvSpPr/>
-            <p:nvPr/>
-          </p:nvSpPr>
-          <p:spPr>
-            <a:xfrm>
-              <a:off x="1085850" y="5029695"/>
-              <a:ext cx="3657600" cy="904190"/>
-            </a:xfrm>
-            <a:prstGeom prst="roundRect">
-              <a:avLst/>
-            </a:prstGeom>
-            <a:effectLst>
-              <a:outerShdw blurRad="50800" dist="38100" dir="2700000" algn="tl" rotWithShape="0">
-                <a:prstClr val="black">
-                  <a:alpha val="40000"/>
-                </a:prstClr>
-              </a:outerShdw>
-            </a:effectLst>
-          </p:spPr>
-          <p:style>
-            <a:lnRef idx="1">
-              <a:schemeClr val="accent2"/>
-            </a:lnRef>
-            <a:fillRef idx="2">
-              <a:schemeClr val="accent2"/>
-            </a:fillRef>
-            <a:effectRef idx="1">
-              <a:schemeClr val="accent2"/>
-            </a:effectRef>
-            <a:fontRef idx="minor">
-              <a:schemeClr val="dk1"/>
-            </a:fontRef>
-          </p:style>
-          <p:txBody>
-            <a:bodyPr rtlCol="0" anchor="ctr"/>
-            <a:lstStyle/>
-            <a:p>
-              <a:pPr algn="ctr"/>
-              <a:endParaRPr lang="en-GB"/>
-            </a:p>
-          </p:txBody>
-        </p:sp>
-        <p:sp>
-          <p:nvSpPr>
-            <p:cNvPr id="13" name="TextBox 12"/>
-            <p:cNvSpPr txBox="1"/>
-            <p:nvPr/>
-          </p:nvSpPr>
-          <p:spPr>
-            <a:xfrm>
-              <a:off x="1390650" y="5250958"/>
-              <a:ext cx="3048000" cy="461665"/>
-            </a:xfrm>
-            <a:prstGeom prst="rect">
-              <a:avLst/>
-            </a:prstGeom>
-            <a:noFill/>
-          </p:spPr>
-          <p:txBody>
-            <a:bodyPr wrap="square" rtlCol="0">
-              <a:spAutoFit/>
-            </a:bodyPr>
-            <a:lstStyle/>
-            <a:p>
-              <a:pPr algn="ctr"/>
-              <a:r>
-                <a:rPr lang="en-GB" sz="2400" b="1" dirty="0" smtClean="0"/>
-                <a:t>Person ability</a:t>
-              </a:r>
-              <a:endParaRPr lang="en-GB" sz="2400" b="1" dirty="0"/>
-            </a:p>
-          </p:txBody>
-        </p:sp>
-      </p:grpSp>
-      <p:grpSp>
-        <p:nvGrpSpPr>
-          <p:cNvPr id="28" name="Group 27"/>
-          <p:cNvGrpSpPr/>
-          <p:nvPr/>
-        </p:nvGrpSpPr>
-        <p:grpSpPr>
-          <a:xfrm>
-            <a:off x="1107831" y="3344302"/>
-            <a:ext cx="3657600" cy="904190"/>
-            <a:chOff x="1107831" y="3344302"/>
-            <a:chExt cx="3657600" cy="904190"/>
-          </a:xfrm>
-        </p:grpSpPr>
-        <p:sp>
-          <p:nvSpPr>
-            <p:cNvPr id="5" name="Rounded Rectangle 4"/>
-            <p:cNvSpPr/>
-            <p:nvPr/>
-          </p:nvSpPr>
-          <p:spPr>
-            <a:xfrm>
-              <a:off x="1107831" y="3344302"/>
-              <a:ext cx="3657600" cy="904190"/>
-            </a:xfrm>
-            <a:prstGeom prst="roundRect">
-              <a:avLst/>
-            </a:prstGeom>
-            <a:effectLst>
-              <a:outerShdw blurRad="50800" dist="38100" dir="2700000" algn="tl" rotWithShape="0">
-                <a:prstClr val="black">
-                  <a:alpha val="40000"/>
-                </a:prstClr>
-              </a:outerShdw>
-            </a:effectLst>
-          </p:spPr>
-          <p:style>
-            <a:lnRef idx="1">
-              <a:schemeClr val="accent4"/>
-            </a:lnRef>
-            <a:fillRef idx="2">
-              <a:schemeClr val="accent4"/>
-            </a:fillRef>
-            <a:effectRef idx="1">
-              <a:schemeClr val="accent4"/>
-            </a:effectRef>
-            <a:fontRef idx="minor">
-              <a:schemeClr val="dk1"/>
-            </a:fontRef>
-          </p:style>
-          <p:txBody>
-            <a:bodyPr rtlCol="0" anchor="ctr"/>
-            <a:lstStyle/>
-            <a:p>
-              <a:pPr algn="ctr"/>
-              <a:endParaRPr lang="en-GB"/>
-            </a:p>
-          </p:txBody>
-        </p:sp>
-        <p:sp>
-          <p:nvSpPr>
-            <p:cNvPr id="15" name="TextBox 14"/>
-            <p:cNvSpPr txBox="1"/>
-            <p:nvPr/>
-          </p:nvSpPr>
-          <p:spPr>
-            <a:xfrm>
-              <a:off x="1412631" y="3565565"/>
-              <a:ext cx="3048000" cy="461665"/>
-            </a:xfrm>
-            <a:prstGeom prst="rect">
-              <a:avLst/>
-            </a:prstGeom>
-            <a:noFill/>
-          </p:spPr>
-          <p:txBody>
-            <a:bodyPr wrap="square" rtlCol="0">
-              <a:spAutoFit/>
-            </a:bodyPr>
-            <a:lstStyle/>
-            <a:p>
-              <a:pPr algn="ctr"/>
-              <a:r>
-                <a:rPr lang="en-GB" sz="2400" b="1" dirty="0" smtClean="0"/>
-                <a:t>Item difficulty</a:t>
-              </a:r>
-              <a:endParaRPr lang="en-GB" sz="2400" b="1" dirty="0"/>
-            </a:p>
-          </p:txBody>
-        </p:sp>
-      </p:grpSp>
-      <p:grpSp>
-        <p:nvGrpSpPr>
-          <p:cNvPr id="25" name="Group 24"/>
-          <p:cNvGrpSpPr/>
-          <p:nvPr/>
-        </p:nvGrpSpPr>
-        <p:grpSpPr>
-          <a:xfrm>
-            <a:off x="7391400" y="3344302"/>
-            <a:ext cx="3657600" cy="904190"/>
-            <a:chOff x="7124700" y="3329073"/>
-            <a:chExt cx="3657600" cy="904190"/>
-          </a:xfrm>
-        </p:grpSpPr>
-        <p:sp>
-          <p:nvSpPr>
-            <p:cNvPr id="20" name="Rounded Rectangle 19"/>
-            <p:cNvSpPr/>
-            <p:nvPr/>
-          </p:nvSpPr>
-          <p:spPr>
-            <a:xfrm>
-              <a:off x="7124700" y="3329073"/>
-              <a:ext cx="3657600" cy="904190"/>
-            </a:xfrm>
-            <a:prstGeom prst="roundRect">
-              <a:avLst/>
-            </a:prstGeom>
-            <a:effectLst>
-              <a:outerShdw blurRad="50800" dist="38100" dir="2700000" algn="tl" rotWithShape="0">
-                <a:prstClr val="black">
-                  <a:alpha val="40000"/>
-                </a:prstClr>
-              </a:outerShdw>
-            </a:effectLst>
-          </p:spPr>
-          <p:style>
-            <a:lnRef idx="1">
-              <a:schemeClr val="accent4"/>
-            </a:lnRef>
-            <a:fillRef idx="2">
-              <a:schemeClr val="accent4"/>
-            </a:fillRef>
-            <a:effectRef idx="1">
-              <a:schemeClr val="accent4"/>
-            </a:effectRef>
-            <a:fontRef idx="minor">
-              <a:schemeClr val="dk1"/>
-            </a:fontRef>
-          </p:style>
-          <p:txBody>
-            <a:bodyPr rtlCol="0" anchor="ctr"/>
-            <a:lstStyle/>
-            <a:p>
-              <a:pPr algn="ctr"/>
-              <a:endParaRPr lang="en-GB"/>
-            </a:p>
-          </p:txBody>
-        </p:sp>
-        <p:sp>
-          <p:nvSpPr>
-            <p:cNvPr id="9" name="TextBox 8"/>
-            <p:cNvSpPr txBox="1"/>
-            <p:nvPr/>
-          </p:nvSpPr>
-          <p:spPr>
-            <a:xfrm>
-              <a:off x="7429500" y="3458003"/>
-              <a:ext cx="3048000" cy="646331"/>
-            </a:xfrm>
-            <a:prstGeom prst="rect">
-              <a:avLst/>
-            </a:prstGeom>
-            <a:noFill/>
-          </p:spPr>
-          <p:txBody>
-            <a:bodyPr wrap="square" rtlCol="0">
-              <a:spAutoFit/>
-            </a:bodyPr>
-            <a:lstStyle/>
-            <a:p>
-              <a:pPr algn="ctr"/>
-              <a:r>
-                <a:rPr lang="en-GB" b="1" dirty="0" smtClean="0"/>
-                <a:t>Likelihood of statement to be endorsed</a:t>
-              </a:r>
-              <a:endParaRPr lang="en-GB" b="1" dirty="0"/>
-            </a:p>
-          </p:txBody>
-        </p:sp>
-      </p:grpSp>
-      <p:grpSp>
-        <p:nvGrpSpPr>
-          <p:cNvPr id="27" name="Group 26"/>
-          <p:cNvGrpSpPr/>
-          <p:nvPr/>
-        </p:nvGrpSpPr>
-        <p:grpSpPr>
-          <a:xfrm>
-            <a:off x="1107831" y="1761329"/>
-            <a:ext cx="3657600" cy="833549"/>
-            <a:chOff x="1107831" y="1761329"/>
-            <a:chExt cx="3657600" cy="833549"/>
-          </a:xfrm>
-        </p:grpSpPr>
-        <p:sp>
-          <p:nvSpPr>
-            <p:cNvPr id="4" name="Rounded Rectangle 3"/>
-            <p:cNvSpPr/>
-            <p:nvPr/>
-          </p:nvSpPr>
-          <p:spPr>
-            <a:xfrm>
-              <a:off x="1107831" y="1761329"/>
-              <a:ext cx="3657600" cy="833549"/>
-            </a:xfrm>
-            <a:prstGeom prst="roundRect">
-              <a:avLst/>
-            </a:prstGeom>
-            <a:effectLst>
-              <a:outerShdw blurRad="50800" dist="38100" dir="2700000" algn="tl" rotWithShape="0">
-                <a:prstClr val="black">
-                  <a:alpha val="40000"/>
-                </a:prstClr>
-              </a:outerShdw>
-            </a:effectLst>
-          </p:spPr>
-          <p:style>
-            <a:lnRef idx="1">
-              <a:schemeClr val="accent1"/>
-            </a:lnRef>
-            <a:fillRef idx="2">
-              <a:schemeClr val="accent1"/>
-            </a:fillRef>
-            <a:effectRef idx="1">
-              <a:schemeClr val="accent1"/>
-            </a:effectRef>
-            <a:fontRef idx="minor">
-              <a:schemeClr val="dk1"/>
-            </a:fontRef>
-          </p:style>
-          <p:txBody>
-            <a:bodyPr rtlCol="0" anchor="ctr"/>
-            <a:lstStyle/>
-            <a:p>
-              <a:pPr algn="ctr"/>
-              <a:endParaRPr lang="en-GB"/>
-            </a:p>
-          </p:txBody>
-        </p:sp>
-        <p:sp>
-          <p:nvSpPr>
-            <p:cNvPr id="17" name="TextBox 16"/>
-            <p:cNvSpPr txBox="1"/>
-            <p:nvPr/>
-          </p:nvSpPr>
-          <p:spPr>
-            <a:xfrm>
-              <a:off x="1412631" y="1947271"/>
-              <a:ext cx="3048000" cy="461665"/>
-            </a:xfrm>
-            <a:prstGeom prst="rect">
-              <a:avLst/>
-            </a:prstGeom>
-            <a:noFill/>
-          </p:spPr>
-          <p:txBody>
-            <a:bodyPr wrap="square" rtlCol="0">
-              <a:spAutoFit/>
-            </a:bodyPr>
-            <a:lstStyle/>
-            <a:p>
-              <a:pPr algn="ctr"/>
-              <a:r>
-                <a:rPr lang="en-GB" sz="2400" b="1" dirty="0" smtClean="0"/>
-                <a:t>Latent variable</a:t>
-              </a:r>
-            </a:p>
-          </p:txBody>
-        </p:sp>
-      </p:grpSp>
-      <p:grpSp>
-        <p:nvGrpSpPr>
-          <p:cNvPr id="26" name="Group 25"/>
-          <p:cNvGrpSpPr/>
-          <p:nvPr/>
-        </p:nvGrpSpPr>
-        <p:grpSpPr>
-          <a:xfrm>
-            <a:off x="7391400" y="1690688"/>
-            <a:ext cx="3657600" cy="833549"/>
-            <a:chOff x="7124700" y="1715987"/>
-            <a:chExt cx="3657600" cy="833549"/>
-          </a:xfrm>
-        </p:grpSpPr>
-        <p:sp>
-          <p:nvSpPr>
-            <p:cNvPr id="21" name="Rounded Rectangle 20"/>
-            <p:cNvSpPr/>
-            <p:nvPr/>
-          </p:nvSpPr>
-          <p:spPr>
-            <a:xfrm>
-              <a:off x="7124700" y="1715987"/>
-              <a:ext cx="3657600" cy="833549"/>
-            </a:xfrm>
-            <a:prstGeom prst="roundRect">
-              <a:avLst/>
-            </a:prstGeom>
-            <a:effectLst>
-              <a:outerShdw blurRad="50800" dist="38100" dir="2700000" algn="tl" rotWithShape="0">
-                <a:prstClr val="black">
-                  <a:alpha val="40000"/>
-                </a:prstClr>
-              </a:outerShdw>
-            </a:effectLst>
-          </p:spPr>
-          <p:style>
-            <a:lnRef idx="1">
-              <a:schemeClr val="accent1"/>
-            </a:lnRef>
-            <a:fillRef idx="2">
-              <a:schemeClr val="accent1"/>
-            </a:fillRef>
-            <a:effectRef idx="1">
-              <a:schemeClr val="accent1"/>
-            </a:effectRef>
-            <a:fontRef idx="minor">
-              <a:schemeClr val="dk1"/>
-            </a:fontRef>
-          </p:style>
-          <p:txBody>
-            <a:bodyPr rtlCol="0" anchor="ctr"/>
-            <a:lstStyle/>
-            <a:p>
-              <a:pPr algn="ctr"/>
-              <a:endParaRPr lang="en-GB"/>
-            </a:p>
-          </p:txBody>
-        </p:sp>
-        <p:sp>
-          <p:nvSpPr>
-            <p:cNvPr id="11" name="TextBox 10"/>
-            <p:cNvSpPr txBox="1"/>
-            <p:nvPr/>
-          </p:nvSpPr>
-          <p:spPr>
-            <a:xfrm>
-              <a:off x="7429500" y="1809596"/>
-              <a:ext cx="3048000" cy="646331"/>
-            </a:xfrm>
-            <a:prstGeom prst="rect">
-              <a:avLst/>
-            </a:prstGeom>
-            <a:noFill/>
-          </p:spPr>
-          <p:txBody>
-            <a:bodyPr wrap="square" rtlCol="0">
-              <a:spAutoFit/>
-            </a:bodyPr>
-            <a:lstStyle/>
-            <a:p>
-              <a:pPr algn="ctr"/>
-              <a:r>
-                <a:rPr lang="en-GB" b="1" dirty="0" smtClean="0"/>
-                <a:t>Endorsement of usual laundry product</a:t>
-              </a:r>
-              <a:endParaRPr lang="en-GB" b="1" dirty="0"/>
-            </a:p>
-          </p:txBody>
-        </p:sp>
-      </p:grpSp>
-      <p:cxnSp>
-        <p:nvCxnSpPr>
-          <p:cNvPr id="31" name="Straight Arrow Connector 30"/>
-          <p:cNvCxnSpPr/>
-          <p:nvPr/>
-        </p:nvCxnSpPr>
-        <p:spPr>
-          <a:xfrm>
-            <a:off x="5138313" y="2178103"/>
-            <a:ext cx="1934308" cy="0"/>
-          </a:xfrm>
-          <a:prstGeom prst="straightConnector1">
-            <a:avLst/>
-          </a:prstGeom>
-          <a:ln w="57150">
-            <a:solidFill>
-              <a:schemeClr val="tx1"/>
-            </a:solidFill>
-            <a:tailEnd type="triangle"/>
-          </a:ln>
-        </p:spPr>
-        <p:style>
-          <a:lnRef idx="1">
-            <a:schemeClr val="accent1"/>
-          </a:lnRef>
-          <a:fillRef idx="0">
-            <a:schemeClr val="accent1"/>
-          </a:fillRef>
-          <a:effectRef idx="0">
-            <a:schemeClr val="accent1"/>
-          </a:effectRef>
-          <a:fontRef idx="minor">
-            <a:schemeClr val="tx1"/>
-          </a:fontRef>
-        </p:style>
-      </p:cxnSp>
-      <p:cxnSp>
-        <p:nvCxnSpPr>
-          <p:cNvPr id="34" name="Straight Arrow Connector 33"/>
-          <p:cNvCxnSpPr/>
-          <p:nvPr/>
-        </p:nvCxnSpPr>
-        <p:spPr>
-          <a:xfrm>
-            <a:off x="5138313" y="3788146"/>
-            <a:ext cx="1934308" cy="0"/>
-          </a:xfrm>
-          <a:prstGeom prst="straightConnector1">
-            <a:avLst/>
-          </a:prstGeom>
-          <a:ln w="57150">
-            <a:solidFill>
-              <a:schemeClr val="tx1"/>
-            </a:solidFill>
-            <a:tailEnd type="triangle"/>
-          </a:ln>
-        </p:spPr>
-        <p:style>
-          <a:lnRef idx="1">
-            <a:schemeClr val="accent1"/>
-          </a:lnRef>
-          <a:fillRef idx="0">
-            <a:schemeClr val="accent1"/>
-          </a:fillRef>
-          <a:effectRef idx="0">
-            <a:schemeClr val="accent1"/>
-          </a:effectRef>
-          <a:fontRef idx="minor">
-            <a:schemeClr val="tx1"/>
-          </a:fontRef>
-        </p:style>
-      </p:cxnSp>
-      <p:cxnSp>
-        <p:nvCxnSpPr>
-          <p:cNvPr id="35" name="Straight Arrow Connector 34"/>
-          <p:cNvCxnSpPr/>
-          <p:nvPr/>
-        </p:nvCxnSpPr>
-        <p:spPr>
-          <a:xfrm>
-            <a:off x="5138313" y="5481790"/>
-            <a:ext cx="1934308" cy="0"/>
-          </a:xfrm>
-          <a:prstGeom prst="straightConnector1">
-            <a:avLst/>
-          </a:prstGeom>
-          <a:ln w="57150">
-            <a:solidFill>
-              <a:schemeClr val="tx1"/>
-            </a:solidFill>
-            <a:tailEnd type="triangle"/>
-          </a:ln>
-        </p:spPr>
-        <p:style>
-          <a:lnRef idx="1">
-            <a:schemeClr val="accent1"/>
-          </a:lnRef>
-          <a:fillRef idx="0">
-            <a:schemeClr val="accent1"/>
-          </a:fillRef>
-          <a:effectRef idx="0">
-            <a:schemeClr val="accent1"/>
-          </a:effectRef>
-          <a:fontRef idx="minor">
-            <a:schemeClr val="tx1"/>
-          </a:fontRef>
-        </p:style>
-      </p:cxnSp>
-    </p:spTree>
-    <p:extLst>
-      <p:ext uri="{BB962C8B-B14F-4D97-AF65-F5344CB8AC3E}">
-        <p14:creationId xmlns:p14="http://schemas.microsoft.com/office/powerpoint/2010/main" val="1459852578"/>
-      </p:ext>
-    </p:extLst>
-  </p:cSld>
-  <p:clrMapOvr>
-    <a:masterClrMapping/>
-  </p:clrMapOvr>
-  <p:timing>
-    <p:tnLst>
-      <p:par>
-        <p:cTn id="1" dur="indefinite" restart="never" nodeType="tmRoot"/>
-      </p:par>
-    </p:tnLst>
-  </p:timing>
-</p:sld>
-</file>
-
-<file path=ppt/slides/slide9.xml><?xml version="1.0" encoding="utf-8"?>
-<p:sld xmlns:a="http://schemas.openxmlformats.org/drawingml/2006/main" xmlns:r="http://schemas.openxmlformats.org/officeDocument/2006/relationships" xmlns:p="http://schemas.openxmlformats.org/presentationml/2006/main">
-  <p:cSld>
-    <p:spTree>
-      <p:nvGrpSpPr>
-        <p:cNvPr id="1" name=""/>
-        <p:cNvGrpSpPr/>
-        <p:nvPr/>
-      </p:nvGrpSpPr>
-      <p:grpSpPr>
-        <a:xfrm>
-          <a:off x="0" y="0"/>
-          <a:ext cx="0" cy="0"/>
-          <a:chOff x="0" y="0"/>
-          <a:chExt cx="0" cy="0"/>
-        </a:xfrm>
-      </p:grpSpPr>
-      <p:pic>
-        <p:nvPicPr>
-          <p:cNvPr id="2050" name="Picture 2" descr="Business people in organization office and freelance job character. Premium Vector"/>
-          <p:cNvPicPr>
-            <a:picLocks noChangeAspect="1" noChangeArrowheads="1"/>
-          </p:cNvPicPr>
-          <p:nvPr/>
-        </p:nvPicPr>
-        <p:blipFill>
-          <a:blip r:embed="rId3">
-            <a:extLst>
-              <a:ext uri="{28A0092B-C50C-407E-A947-70E740481C1C}">
-                <a14:useLocalDpi xmlns:a14="http://schemas.microsoft.com/office/drawing/2010/main" val="0"/>
-              </a:ext>
-            </a:extLst>
-          </a:blip>
-          <a:srcRect/>
-          <a:stretch>
-            <a:fillRect/>
-          </a:stretch>
-        </p:blipFill>
-        <p:spPr bwMode="auto">
-          <a:xfrm>
-            <a:off x="4455757" y="1930270"/>
-            <a:ext cx="3224212" cy="3224212"/>
-          </a:xfrm>
-          <a:prstGeom prst="rect">
-            <a:avLst/>
-          </a:prstGeom>
-          <a:noFill/>
-          <a:extLst>
-            <a:ext uri="{909E8E84-426E-40DD-AFC4-6F175D3DCCD1}">
-              <a14:hiddenFill xmlns:a14="http://schemas.microsoft.com/office/drawing/2010/main">
-                <a:solidFill>
-                  <a:srgbClr val="FFFFFF"/>
-                </a:solidFill>
-              </a14:hiddenFill>
-            </a:ext>
-          </a:extLst>
-        </p:spPr>
-      </p:pic>
-      <p:sp>
-        <p:nvSpPr>
-          <p:cNvPr id="8" name="TextBox 7"/>
-          <p:cNvSpPr txBox="1"/>
-          <p:nvPr/>
-        </p:nvSpPr>
-        <p:spPr>
-          <a:xfrm>
-            <a:off x="4759763" y="759365"/>
-            <a:ext cx="2616200" cy="461665"/>
-          </a:xfrm>
-          <a:prstGeom prst="rect">
-            <a:avLst/>
-          </a:prstGeom>
-          <a:noFill/>
-        </p:spPr>
-        <p:txBody>
-          <a:bodyPr wrap="square" rtlCol="0">
-            <a:spAutoFit/>
-          </a:bodyPr>
-          <a:lstStyle/>
-          <a:p>
-            <a:pPr algn="ctr"/>
-            <a:r>
-              <a:rPr lang="en-GB" sz="2400" b="1" dirty="0" smtClean="0"/>
-              <a:t>999 participants</a:t>
-            </a:r>
-            <a:endParaRPr lang="en-GB" sz="2400" b="1" dirty="0"/>
-          </a:p>
-        </p:txBody>
-      </p:sp>
-    </p:spTree>
-    <p:extLst>
-      <p:ext uri="{BB962C8B-B14F-4D97-AF65-F5344CB8AC3E}">
-        <p14:creationId xmlns:p14="http://schemas.microsoft.com/office/powerpoint/2010/main" val="3110508220"/>
       </p:ext>
     </p:extLst>
   </p:cSld>
